--- a/Решение команды SoloCrunch.pptx
+++ b/Решение команды SoloCrunch.pptx
@@ -5,7 +5,7 @@
     <p:sldMasterId id="2147483648" r:id="rId1"/>
   </p:sldMasterIdLst>
   <p:notesMasterIdLst>
-    <p:notesMasterId r:id="rId12"/>
+    <p:notesMasterId r:id="rId13"/>
   </p:notesMasterIdLst>
   <p:sldIdLst>
     <p:sldId id="256" r:id="rId2"/>
@@ -16,8 +16,9 @@
     <p:sldId id="263" r:id="rId7"/>
     <p:sldId id="261" r:id="rId8"/>
     <p:sldId id="262" r:id="rId9"/>
-    <p:sldId id="264" r:id="rId10"/>
-    <p:sldId id="266" r:id="rId11"/>
+    <p:sldId id="267" r:id="rId10"/>
+    <p:sldId id="264" r:id="rId11"/>
+    <p:sldId id="266" r:id="rId12"/>
   </p:sldIdLst>
   <p:sldSz cx="12192000" cy="6858000"/>
   <p:notesSz cx="6858000" cy="9144000"/>
@@ -116,6 +117,11 @@
       </a:defRPr>
     </a:lvl9pPr>
   </p:defaultTextStyle>
+  <p:extLst>
+    <p:ext uri="{EFAFB233-063F-42B5-8137-9DF3F51BA10A}">
+      <p15:sldGuideLst xmlns:p15="http://schemas.microsoft.com/office/powerpoint/2012/main"/>
+    </p:ext>
+  </p:extLst>
 </p:presentation>
 </file>
 
@@ -4700,6 +4706,100 @@
           <a:chExt cx="0" cy="0"/>
         </a:xfrm>
       </p:grpSpPr>
+      <p:pic>
+        <p:nvPicPr>
+          <p:cNvPr id="5" name="Рисунок 4">
+            <a:extLst>
+              <a:ext uri="{FF2B5EF4-FFF2-40B4-BE49-F238E27FC236}">
+                <a16:creationId xmlns:a16="http://schemas.microsoft.com/office/drawing/2014/main" id="{5E92DDAC-B8C5-8DC6-A648-D8FB1083141C}"/>
+              </a:ext>
+            </a:extLst>
+          </p:cNvPr>
+          <p:cNvPicPr>
+            <a:picLocks noChangeAspect="1"/>
+          </p:cNvPicPr>
+          <p:nvPr/>
+        </p:nvPicPr>
+        <p:blipFill>
+          <a:blip r:embed="rId2"/>
+          <a:stretch>
+            <a:fillRect/>
+          </a:stretch>
+        </p:blipFill>
+        <p:spPr>
+          <a:xfrm>
+            <a:off x="1408535" y="662781"/>
+            <a:ext cx="9908330" cy="5991686"/>
+          </a:xfrm>
+          <a:prstGeom prst="rect">
+            <a:avLst/>
+          </a:prstGeom>
+        </p:spPr>
+      </p:pic>
+      <p:sp>
+        <p:nvSpPr>
+          <p:cNvPr id="2" name="Заголовок 1">
+            <a:extLst>
+              <a:ext uri="{FF2B5EF4-FFF2-40B4-BE49-F238E27FC236}">
+                <a16:creationId xmlns:a16="http://schemas.microsoft.com/office/drawing/2014/main" id="{E675C0AB-87D4-5075-4AA4-5111DBCFC753}"/>
+              </a:ext>
+            </a:extLst>
+          </p:cNvPr>
+          <p:cNvSpPr>
+            <a:spLocks noGrp="1"/>
+          </p:cNvSpPr>
+          <p:nvPr>
+            <p:ph type="title"/>
+          </p:nvPr>
+        </p:nvSpPr>
+        <p:spPr>
+          <a:xfrm>
+            <a:off x="0" y="1"/>
+            <a:ext cx="12192000" cy="952500"/>
+          </a:xfrm>
+        </p:spPr>
+        <p:txBody>
+          <a:bodyPr/>
+          <a:lstStyle/>
+          <a:p>
+            <a:pPr algn="ctr"/>
+            <a:r>
+              <a:rPr lang="ru-RU" dirty="0"/>
+              <a:t>Итоговая схема сети:</a:t>
+            </a:r>
+          </a:p>
+        </p:txBody>
+      </p:sp>
+    </p:spTree>
+    <p:extLst>
+      <p:ext uri="{BB962C8B-B14F-4D97-AF65-F5344CB8AC3E}">
+        <p14:creationId xmlns:p14="http://schemas.microsoft.com/office/powerpoint/2010/main" val="1804325388"/>
+      </p:ext>
+    </p:extLst>
+  </p:cSld>
+  <p:clrMapOvr>
+    <a:masterClrMapping/>
+  </p:clrMapOvr>
+</p:sld>
+</file>
+
+<file path=ppt/slides/slide11.xml><?xml version="1.0" encoding="utf-8"?>
+<p:sld xmlns:a="http://schemas.openxmlformats.org/drawingml/2006/main" xmlns:r="http://schemas.openxmlformats.org/officeDocument/2006/relationships" xmlns:p="http://schemas.openxmlformats.org/presentationml/2006/main">
+  <p:cSld>
+    <p:spTree>
+      <p:nvGrpSpPr>
+        <p:cNvPr id="1" name=""/>
+        <p:cNvGrpSpPr/>
+        <p:nvPr/>
+      </p:nvGrpSpPr>
+      <p:grpSpPr>
+        <a:xfrm>
+          <a:off x="0" y="0"/>
+          <a:ext cx="0" cy="0"/>
+          <a:chOff x="0" y="0"/>
+          <a:chExt cx="0" cy="0"/>
+        </a:xfrm>
+      </p:grpSpPr>
       <p:sp>
         <p:nvSpPr>
           <p:cNvPr id="18" name="Прямоугольник 17">
@@ -6437,6 +6537,7 @@
       <p:pic>
         <p:nvPicPr>
           <p:cNvPr id="8" name="Объект 7">
+            <a:hlinkClick r:id="rId2"/>
             <a:extLst>
               <a:ext uri="{FF2B5EF4-FFF2-40B4-BE49-F238E27FC236}">
                 <a16:creationId xmlns:a16="http://schemas.microsoft.com/office/drawing/2014/main" id="{98770B77-9085-2062-E2B5-874672B00986}"/>
@@ -6451,7 +6552,7 @@
           </p:nvPr>
         </p:nvPicPr>
         <p:blipFill>
-          <a:blip r:embed="rId2">
+          <a:blip r:embed="rId3">
             <a:extLst>
               <a:ext uri="{28A0092B-C50C-407E-A947-70E740481C1C}">
                 <a14:useLocalDpi xmlns:a14="http://schemas.microsoft.com/office/drawing/2010/main" val="0"/>
@@ -6472,9 +6573,84 @@
       <p:pic>
         <p:nvPicPr>
           <p:cNvPr id="12" name="Рисунок 11">
+            <a:hlinkClick r:id="rId4"/>
             <a:extLst>
               <a:ext uri="{FF2B5EF4-FFF2-40B4-BE49-F238E27FC236}">
                 <a16:creationId xmlns:a16="http://schemas.microsoft.com/office/drawing/2014/main" id="{3977A83F-9609-329E-E9E1-1B05717137D7}"/>
+              </a:ext>
+            </a:extLst>
+          </p:cNvPr>
+          <p:cNvPicPr>
+            <a:picLocks noChangeAspect="1"/>
+          </p:cNvPicPr>
+          <p:nvPr/>
+        </p:nvPicPr>
+        <p:blipFill>
+          <a:blip r:embed="rId5">
+            <a:extLst>
+              <a:ext uri="{28A0092B-C50C-407E-A947-70E740481C1C}">
+                <a14:useLocalDpi xmlns:a14="http://schemas.microsoft.com/office/drawing/2010/main" val="0"/>
+              </a:ext>
+            </a:extLst>
+          </a:blip>
+          <a:stretch>
+            <a:fillRect/>
+          </a:stretch>
+        </p:blipFill>
+        <p:spPr>
+          <a:xfrm>
+            <a:off x="8767984" y="3333386"/>
+            <a:ext cx="442147" cy="419523"/>
+          </a:xfrm>
+          <a:prstGeom prst="rect">
+            <a:avLst/>
+          </a:prstGeom>
+        </p:spPr>
+      </p:pic>
+      <p:pic>
+        <p:nvPicPr>
+          <p:cNvPr id="13" name="Рисунок 12">
+            <a:hlinkClick r:id="rId6"/>
+            <a:extLst>
+              <a:ext uri="{FF2B5EF4-FFF2-40B4-BE49-F238E27FC236}">
+                <a16:creationId xmlns:a16="http://schemas.microsoft.com/office/drawing/2014/main" id="{8B7A05C7-4456-A17A-EBB1-57A450D694CD}"/>
+              </a:ext>
+            </a:extLst>
+          </p:cNvPr>
+          <p:cNvPicPr>
+            <a:picLocks noChangeAspect="1"/>
+          </p:cNvPicPr>
+          <p:nvPr/>
+        </p:nvPicPr>
+        <p:blipFill>
+          <a:blip r:embed="rId5">
+            <a:extLst>
+              <a:ext uri="{28A0092B-C50C-407E-A947-70E740481C1C}">
+                <a14:useLocalDpi xmlns:a14="http://schemas.microsoft.com/office/drawing/2010/main" val="0"/>
+              </a:ext>
+            </a:extLst>
+          </a:blip>
+          <a:stretch>
+            <a:fillRect/>
+          </a:stretch>
+        </p:blipFill>
+        <p:spPr>
+          <a:xfrm>
+            <a:off x="10523042" y="3333387"/>
+            <a:ext cx="442147" cy="419523"/>
+          </a:xfrm>
+          <a:prstGeom prst="rect">
+            <a:avLst/>
+          </a:prstGeom>
+        </p:spPr>
+      </p:pic>
+      <p:pic>
+        <p:nvPicPr>
+          <p:cNvPr id="16" name="Объект 7">
+            <a:hlinkClick r:id="rId7"/>
+            <a:extLst>
+              <a:ext uri="{FF2B5EF4-FFF2-40B4-BE49-F238E27FC236}">
+                <a16:creationId xmlns:a16="http://schemas.microsoft.com/office/drawing/2014/main" id="{0C83C14B-0B08-BC99-DF1C-B8679A80EC8F}"/>
               </a:ext>
             </a:extLst>
           </p:cNvPr>
@@ -6497,8 +6673,8 @@
         </p:blipFill>
         <p:spPr>
           <a:xfrm>
-            <a:off x="8767984" y="3333386"/>
-            <a:ext cx="442147" cy="419523"/>
+            <a:off x="10523042" y="4137275"/>
+            <a:ext cx="457143" cy="433752"/>
           </a:xfrm>
           <a:prstGeom prst="rect">
             <a:avLst/>
@@ -6507,10 +6683,11 @@
       </p:pic>
       <p:pic>
         <p:nvPicPr>
-          <p:cNvPr id="13" name="Рисунок 12">
-            <a:extLst>
-              <a:ext uri="{FF2B5EF4-FFF2-40B4-BE49-F238E27FC236}">
-                <a16:creationId xmlns:a16="http://schemas.microsoft.com/office/drawing/2014/main" id="{8B7A05C7-4456-A17A-EBB1-57A450D694CD}"/>
+          <p:cNvPr id="18" name="Рисунок 17">
+            <a:hlinkClick r:id="rId8"/>
+            <a:extLst>
+              <a:ext uri="{FF2B5EF4-FFF2-40B4-BE49-F238E27FC236}">
+                <a16:creationId xmlns:a16="http://schemas.microsoft.com/office/drawing/2014/main" id="{06168173-3AF5-122E-EBC7-A9CC545AA0E6}"/>
               </a:ext>
             </a:extLst>
           </p:cNvPr>
@@ -6520,7 +6697,7 @@
           <p:nvPr/>
         </p:nvPicPr>
         <p:blipFill>
-          <a:blip r:embed="rId3">
+          <a:blip r:embed="rId5">
             <a:extLst>
               <a:ext uri="{28A0092B-C50C-407E-A947-70E740481C1C}">
                 <a14:useLocalDpi xmlns:a14="http://schemas.microsoft.com/office/drawing/2010/main" val="0"/>
@@ -6533,7 +6710,7 @@
         </p:blipFill>
         <p:spPr>
           <a:xfrm>
-            <a:off x="10523042" y="3333387"/>
+            <a:off x="9684719" y="5009786"/>
             <a:ext cx="442147" cy="419523"/>
           </a:xfrm>
           <a:prstGeom prst="rect">
@@ -6543,10 +6720,11 @@
       </p:pic>
       <p:pic>
         <p:nvPicPr>
-          <p:cNvPr id="16" name="Объект 7">
-            <a:extLst>
-              <a:ext uri="{FF2B5EF4-FFF2-40B4-BE49-F238E27FC236}">
-                <a16:creationId xmlns:a16="http://schemas.microsoft.com/office/drawing/2014/main" id="{0C83C14B-0B08-BC99-DF1C-B8679A80EC8F}"/>
+          <p:cNvPr id="19" name="Рисунок 18">
+            <a:hlinkClick r:id="rId9"/>
+            <a:extLst>
+              <a:ext uri="{FF2B5EF4-FFF2-40B4-BE49-F238E27FC236}">
+                <a16:creationId xmlns:a16="http://schemas.microsoft.com/office/drawing/2014/main" id="{480282AF-6926-2BDF-74C2-F363EE184DCC}"/>
               </a:ext>
             </a:extLst>
           </p:cNvPr>
@@ -6556,7 +6734,7 @@
           <p:nvPr/>
         </p:nvPicPr>
         <p:blipFill>
-          <a:blip r:embed="rId2">
+          <a:blip r:embed="rId5">
             <a:extLst>
               <a:ext uri="{28A0092B-C50C-407E-A947-70E740481C1C}">
                 <a14:useLocalDpi xmlns:a14="http://schemas.microsoft.com/office/drawing/2010/main" val="0"/>
@@ -6569,8 +6747,8 @@
         </p:blipFill>
         <p:spPr>
           <a:xfrm>
-            <a:off x="10523042" y="4137275"/>
-            <a:ext cx="457143" cy="433752"/>
+            <a:off x="8775483" y="2093264"/>
+            <a:ext cx="442147" cy="419523"/>
           </a:xfrm>
           <a:prstGeom prst="rect">
             <a:avLst/>
@@ -6579,10 +6757,11 @@
       </p:pic>
       <p:pic>
         <p:nvPicPr>
-          <p:cNvPr id="18" name="Рисунок 17">
-            <a:extLst>
-              <a:ext uri="{FF2B5EF4-FFF2-40B4-BE49-F238E27FC236}">
-                <a16:creationId xmlns:a16="http://schemas.microsoft.com/office/drawing/2014/main" id="{06168173-3AF5-122E-EBC7-A9CC545AA0E6}"/>
+          <p:cNvPr id="20" name="Рисунок 19">
+            <a:hlinkClick r:id="rId10"/>
+            <a:extLst>
+              <a:ext uri="{FF2B5EF4-FFF2-40B4-BE49-F238E27FC236}">
+                <a16:creationId xmlns:a16="http://schemas.microsoft.com/office/drawing/2014/main" id="{2DB66E03-A107-5AF2-0030-996E5FF21946}"/>
               </a:ext>
             </a:extLst>
           </p:cNvPr>
@@ -6592,7 +6771,7 @@
           <p:nvPr/>
         </p:nvPicPr>
         <p:blipFill>
-          <a:blip r:embed="rId3">
+          <a:blip r:embed="rId5">
             <a:extLst>
               <a:ext uri="{28A0092B-C50C-407E-A947-70E740481C1C}">
                 <a14:useLocalDpi xmlns:a14="http://schemas.microsoft.com/office/drawing/2010/main" val="0"/>
@@ -6605,7 +6784,7 @@
         </p:blipFill>
         <p:spPr>
           <a:xfrm>
-            <a:off x="9684719" y="5009786"/>
+            <a:off x="10530541" y="2093265"/>
             <a:ext cx="442147" cy="419523"/>
           </a:xfrm>
           <a:prstGeom prst="rect">
@@ -6615,10 +6794,10 @@
       </p:pic>
       <p:pic>
         <p:nvPicPr>
-          <p:cNvPr id="19" name="Рисунок 18">
-            <a:extLst>
-              <a:ext uri="{FF2B5EF4-FFF2-40B4-BE49-F238E27FC236}">
-                <a16:creationId xmlns:a16="http://schemas.microsoft.com/office/drawing/2014/main" id="{480282AF-6926-2BDF-74C2-F363EE184DCC}"/>
+          <p:cNvPr id="24" name="Рисунок 23">
+            <a:extLst>
+              <a:ext uri="{FF2B5EF4-FFF2-40B4-BE49-F238E27FC236}">
+                <a16:creationId xmlns:a16="http://schemas.microsoft.com/office/drawing/2014/main" id="{184CC166-FFB5-9A8E-3282-6CA102EE7224}"/>
               </a:ext>
             </a:extLst>
           </p:cNvPr>
@@ -6628,7 +6807,7 @@
           <p:nvPr/>
         </p:nvPicPr>
         <p:blipFill>
-          <a:blip r:embed="rId3">
+          <a:blip r:embed="rId11">
             <a:extLst>
               <a:ext uri="{28A0092B-C50C-407E-A947-70E740481C1C}">
                 <a14:useLocalDpi xmlns:a14="http://schemas.microsoft.com/office/drawing/2010/main" val="0"/>
@@ -6641,8 +6820,8 @@
         </p:blipFill>
         <p:spPr>
           <a:xfrm>
-            <a:off x="8775483" y="2093264"/>
-            <a:ext cx="442147" cy="419523"/>
+            <a:off x="7644238" y="2026360"/>
+            <a:ext cx="574244" cy="544861"/>
           </a:xfrm>
           <a:prstGeom prst="rect">
             <a:avLst/>
@@ -6651,10 +6830,10 @@
       </p:pic>
       <p:pic>
         <p:nvPicPr>
-          <p:cNvPr id="20" name="Рисунок 19">
-            <a:extLst>
-              <a:ext uri="{FF2B5EF4-FFF2-40B4-BE49-F238E27FC236}">
-                <a16:creationId xmlns:a16="http://schemas.microsoft.com/office/drawing/2014/main" id="{2DB66E03-A107-5AF2-0030-996E5FF21946}"/>
+          <p:cNvPr id="25" name="Рисунок 24">
+            <a:extLst>
+              <a:ext uri="{FF2B5EF4-FFF2-40B4-BE49-F238E27FC236}">
+                <a16:creationId xmlns:a16="http://schemas.microsoft.com/office/drawing/2014/main" id="{C166F447-0014-E299-E7E4-AEA4586837B1}"/>
               </a:ext>
             </a:extLst>
           </p:cNvPr>
@@ -6664,7 +6843,7 @@
           <p:nvPr/>
         </p:nvPicPr>
         <p:blipFill>
-          <a:blip r:embed="rId3">
+          <a:blip r:embed="rId11">
             <a:extLst>
               <a:ext uri="{28A0092B-C50C-407E-A947-70E740481C1C}">
                 <a14:useLocalDpi xmlns:a14="http://schemas.microsoft.com/office/drawing/2010/main" val="0"/>
@@ -6677,8 +6856,8 @@
         </p:blipFill>
         <p:spPr>
           <a:xfrm>
-            <a:off x="10530541" y="2093265"/>
-            <a:ext cx="442147" cy="419523"/>
+            <a:off x="7644238" y="3267337"/>
+            <a:ext cx="574244" cy="544861"/>
           </a:xfrm>
           <a:prstGeom prst="rect">
             <a:avLst/>
@@ -6687,10 +6866,10 @@
       </p:pic>
       <p:pic>
         <p:nvPicPr>
-          <p:cNvPr id="24" name="Рисунок 23">
-            <a:extLst>
-              <a:ext uri="{FF2B5EF4-FFF2-40B4-BE49-F238E27FC236}">
-                <a16:creationId xmlns:a16="http://schemas.microsoft.com/office/drawing/2014/main" id="{184CC166-FFB5-9A8E-3282-6CA102EE7224}"/>
+          <p:cNvPr id="26" name="Рисунок 25">
+            <a:extLst>
+              <a:ext uri="{FF2B5EF4-FFF2-40B4-BE49-F238E27FC236}">
+                <a16:creationId xmlns:a16="http://schemas.microsoft.com/office/drawing/2014/main" id="{6ABE7745-23CE-6E39-C354-352C77C8AEF9}"/>
               </a:ext>
             </a:extLst>
           </p:cNvPr>
@@ -6700,7 +6879,7 @@
           <p:nvPr/>
         </p:nvPicPr>
         <p:blipFill>
-          <a:blip r:embed="rId4">
+          <a:blip r:embed="rId11">
             <a:extLst>
               <a:ext uri="{28A0092B-C50C-407E-A947-70E740481C1C}">
                 <a14:useLocalDpi xmlns:a14="http://schemas.microsoft.com/office/drawing/2010/main" val="0"/>
@@ -6713,7 +6892,7 @@
         </p:blipFill>
         <p:spPr>
           <a:xfrm>
-            <a:off x="7644238" y="2026360"/>
+            <a:off x="11548831" y="3268193"/>
             <a:ext cx="574244" cy="544861"/>
           </a:xfrm>
           <a:prstGeom prst="rect">
@@ -6723,10 +6902,10 @@
       </p:pic>
       <p:pic>
         <p:nvPicPr>
-          <p:cNvPr id="25" name="Рисунок 24">
-            <a:extLst>
-              <a:ext uri="{FF2B5EF4-FFF2-40B4-BE49-F238E27FC236}">
-                <a16:creationId xmlns:a16="http://schemas.microsoft.com/office/drawing/2014/main" id="{C166F447-0014-E299-E7E4-AEA4586837B1}"/>
+          <p:cNvPr id="30" name="Рисунок 29">
+            <a:extLst>
+              <a:ext uri="{FF2B5EF4-FFF2-40B4-BE49-F238E27FC236}">
+                <a16:creationId xmlns:a16="http://schemas.microsoft.com/office/drawing/2014/main" id="{DB83EC8F-E18E-4022-E79A-9F7BDCA4EEA3}"/>
               </a:ext>
             </a:extLst>
           </p:cNvPr>
@@ -6736,7 +6915,7 @@
           <p:nvPr/>
         </p:nvPicPr>
         <p:blipFill>
-          <a:blip r:embed="rId4">
+          <a:blip r:embed="rId11">
             <a:extLst>
               <a:ext uri="{28A0092B-C50C-407E-A947-70E740481C1C}">
                 <a14:useLocalDpi xmlns:a14="http://schemas.microsoft.com/office/drawing/2010/main" val="0"/>
@@ -6749,78 +6928,6 @@
         </p:blipFill>
         <p:spPr>
           <a:xfrm>
-            <a:off x="7644238" y="3267337"/>
-            <a:ext cx="574244" cy="544861"/>
-          </a:xfrm>
-          <a:prstGeom prst="rect">
-            <a:avLst/>
-          </a:prstGeom>
-        </p:spPr>
-      </p:pic>
-      <p:pic>
-        <p:nvPicPr>
-          <p:cNvPr id="26" name="Рисунок 25">
-            <a:extLst>
-              <a:ext uri="{FF2B5EF4-FFF2-40B4-BE49-F238E27FC236}">
-                <a16:creationId xmlns:a16="http://schemas.microsoft.com/office/drawing/2014/main" id="{6ABE7745-23CE-6E39-C354-352C77C8AEF9}"/>
-              </a:ext>
-            </a:extLst>
-          </p:cNvPr>
-          <p:cNvPicPr>
-            <a:picLocks noChangeAspect="1"/>
-          </p:cNvPicPr>
-          <p:nvPr/>
-        </p:nvPicPr>
-        <p:blipFill>
-          <a:blip r:embed="rId4">
-            <a:extLst>
-              <a:ext uri="{28A0092B-C50C-407E-A947-70E740481C1C}">
-                <a14:useLocalDpi xmlns:a14="http://schemas.microsoft.com/office/drawing/2010/main" val="0"/>
-              </a:ext>
-            </a:extLst>
-          </a:blip>
-          <a:stretch>
-            <a:fillRect/>
-          </a:stretch>
-        </p:blipFill>
-        <p:spPr>
-          <a:xfrm>
-            <a:off x="11548831" y="3268193"/>
-            <a:ext cx="574244" cy="544861"/>
-          </a:xfrm>
-          <a:prstGeom prst="rect">
-            <a:avLst/>
-          </a:prstGeom>
-        </p:spPr>
-      </p:pic>
-      <p:pic>
-        <p:nvPicPr>
-          <p:cNvPr id="30" name="Рисунок 29">
-            <a:extLst>
-              <a:ext uri="{FF2B5EF4-FFF2-40B4-BE49-F238E27FC236}">
-                <a16:creationId xmlns:a16="http://schemas.microsoft.com/office/drawing/2014/main" id="{DB83EC8F-E18E-4022-E79A-9F7BDCA4EEA3}"/>
-              </a:ext>
-            </a:extLst>
-          </p:cNvPr>
-          <p:cNvPicPr>
-            <a:picLocks noChangeAspect="1"/>
-          </p:cNvPicPr>
-          <p:nvPr/>
-        </p:nvPicPr>
-        <p:blipFill>
-          <a:blip r:embed="rId4">
-            <a:extLst>
-              <a:ext uri="{28A0092B-C50C-407E-A947-70E740481C1C}">
-                <a14:useLocalDpi xmlns:a14="http://schemas.microsoft.com/office/drawing/2010/main" val="0"/>
-              </a:ext>
-            </a:extLst>
-          </a:blip>
-          <a:stretch>
-            <a:fillRect/>
-          </a:stretch>
-        </p:blipFill>
-        <p:spPr>
-          <a:xfrm>
             <a:off x="9614602" y="5874967"/>
             <a:ext cx="574244" cy="544861"/>
           </a:xfrm>
@@ -6852,7 +6959,7 @@
         <p:pic>
           <p:nvPicPr>
             <p:cNvPr id="29" name="Рисунок 28">
-              <a:hlinkClick r:id="rId5" action="ppaction://hlinksldjump"/>
+              <a:hlinkClick r:id="rId12" action="ppaction://hlinksldjump"/>
               <a:extLst>
                 <a:ext uri="{FF2B5EF4-FFF2-40B4-BE49-F238E27FC236}">
                   <a16:creationId xmlns:a16="http://schemas.microsoft.com/office/drawing/2014/main" id="{F369E782-90D5-C017-4872-3EE93E90C418}"/>
@@ -6865,7 +6972,7 @@
             <p:nvPr/>
           </p:nvPicPr>
           <p:blipFill>
-            <a:blip r:embed="rId6">
+            <a:blip r:embed="rId13">
               <a:extLst>
                 <a:ext uri="{28A0092B-C50C-407E-A947-70E740481C1C}">
                   <a14:useLocalDpi xmlns:a14="http://schemas.microsoft.com/office/drawing/2010/main" val="0"/>
@@ -6968,7 +7075,7 @@
         <p:pic>
           <p:nvPicPr>
             <p:cNvPr id="28" name="Рисунок 27">
-              <a:hlinkClick r:id="rId5" action="ppaction://hlinksldjump"/>
+              <a:hlinkClick r:id="rId12" action="ppaction://hlinksldjump"/>
               <a:extLst>
                 <a:ext uri="{FF2B5EF4-FFF2-40B4-BE49-F238E27FC236}">
                   <a16:creationId xmlns:a16="http://schemas.microsoft.com/office/drawing/2014/main" id="{1FAF6CCF-5B99-C2B4-9BBC-F0140CAF5079}"/>
@@ -6981,7 +7088,7 @@
             <p:nvPr/>
           </p:nvPicPr>
           <p:blipFill>
-            <a:blip r:embed="rId6">
+            <a:blip r:embed="rId13">
               <a:extLst>
                 <a:ext uri="{28A0092B-C50C-407E-A947-70E740481C1C}">
                   <a14:useLocalDpi xmlns:a14="http://schemas.microsoft.com/office/drawing/2010/main" val="0"/>
@@ -7760,6 +7867,7 @@
       <p:pic>
         <p:nvPicPr>
           <p:cNvPr id="84" name="Рисунок 83">
+            <a:hlinkClick r:id="rId14"/>
             <a:extLst>
               <a:ext uri="{FF2B5EF4-FFF2-40B4-BE49-F238E27FC236}">
                 <a16:creationId xmlns:a16="http://schemas.microsoft.com/office/drawing/2014/main" id="{245BB1C2-05B9-83A7-5735-F6C725A9FAB2}"/>
@@ -7772,7 +7880,7 @@
           <p:nvPr/>
         </p:nvPicPr>
         <p:blipFill>
-          <a:blip r:embed="rId3">
+          <a:blip r:embed="rId5">
             <a:extLst>
               <a:ext uri="{28A0092B-C50C-407E-A947-70E740481C1C}">
                 <a14:useLocalDpi xmlns:a14="http://schemas.microsoft.com/office/drawing/2010/main" val="0"/>
@@ -7808,7 +7916,7 @@
           <p:nvPr/>
         </p:nvPicPr>
         <p:blipFill>
-          <a:blip r:embed="rId7">
+          <a:blip r:embed="rId15">
             <a:extLst>
               <a:ext uri="{28A0092B-C50C-407E-A947-70E740481C1C}">
                 <a14:useLocalDpi xmlns:a14="http://schemas.microsoft.com/office/drawing/2010/main" val="0"/>
@@ -8230,7 +8338,7 @@
                     </a:schemeClr>
                   </a:outerShdw>
                 </a:effectLst>
-                <a:hlinkClick r:id="rId5" action="ppaction://hlinksldjump">
+                <a:hlinkClick r:id="rId12" action="ppaction://hlinksldjump">
                   <a:extLst>
                     <a:ext uri="{A12FA001-AC4F-418D-AE19-62706E023703}">
                       <ahyp:hlinkClr xmlns:ahyp="http://schemas.microsoft.com/office/drawing/2018/hyperlinkcolor" val="tx"/>
@@ -8322,7 +8430,7 @@
                     </a:schemeClr>
                   </a:outerShdw>
                 </a:effectLst>
-                <a:hlinkClick r:id="rId8" action="ppaction://hlinksldjump">
+                <a:hlinkClick r:id="rId16" action="ppaction://hlinksldjump">
                   <a:extLst>
                     <a:ext uri="{A12FA001-AC4F-418D-AE19-62706E023703}">
                       <ahyp:hlinkClr xmlns:ahyp="http://schemas.microsoft.com/office/drawing/2018/hyperlinkcolor" val="tx"/>
@@ -8502,6 +8610,7 @@
       <p:pic>
         <p:nvPicPr>
           <p:cNvPr id="5" name="Рисунок 4">
+            <a:hlinkClick r:id="rId2"/>
             <a:extLst>
               <a:ext uri="{FF2B5EF4-FFF2-40B4-BE49-F238E27FC236}">
                 <a16:creationId xmlns:a16="http://schemas.microsoft.com/office/drawing/2014/main" id="{97A636BB-21A4-6B6D-A47B-46A3D60BCB47}"/>
@@ -8514,7 +8623,7 @@
           <p:nvPr/>
         </p:nvPicPr>
         <p:blipFill>
-          <a:blip r:embed="rId2">
+          <a:blip r:embed="rId3">
             <a:extLst>
               <a:ext uri="{28A0092B-C50C-407E-A947-70E740481C1C}">
                 <a14:useLocalDpi xmlns:a14="http://schemas.microsoft.com/office/drawing/2010/main" val="0"/>
@@ -8538,6 +8647,7 @@
       <p:pic>
         <p:nvPicPr>
           <p:cNvPr id="6" name="Рисунок 5">
+            <a:hlinkClick r:id="rId4"/>
             <a:extLst>
               <a:ext uri="{FF2B5EF4-FFF2-40B4-BE49-F238E27FC236}">
                 <a16:creationId xmlns:a16="http://schemas.microsoft.com/office/drawing/2014/main" id="{CFA8112F-9A66-7748-9AAD-8473D5E2B208}"/>
@@ -8550,7 +8660,7 @@
           <p:nvPr/>
         </p:nvPicPr>
         <p:blipFill>
-          <a:blip r:embed="rId2">
+          <a:blip r:embed="rId3">
             <a:extLst>
               <a:ext uri="{28A0092B-C50C-407E-A947-70E740481C1C}">
                 <a14:useLocalDpi xmlns:a14="http://schemas.microsoft.com/office/drawing/2010/main" val="0"/>
@@ -8574,6 +8684,7 @@
       <p:pic>
         <p:nvPicPr>
           <p:cNvPr id="7" name="Рисунок 6">
+            <a:hlinkClick r:id="rId5"/>
             <a:extLst>
               <a:ext uri="{FF2B5EF4-FFF2-40B4-BE49-F238E27FC236}">
                 <a16:creationId xmlns:a16="http://schemas.microsoft.com/office/drawing/2014/main" id="{C1C93F5B-A0E8-F9FF-35F1-BE727F3794B9}"/>
@@ -8586,7 +8697,7 @@
           <p:nvPr/>
         </p:nvPicPr>
         <p:blipFill>
-          <a:blip r:embed="rId2">
+          <a:blip r:embed="rId3">
             <a:extLst>
               <a:ext uri="{28A0092B-C50C-407E-A947-70E740481C1C}">
                 <a14:useLocalDpi xmlns:a14="http://schemas.microsoft.com/office/drawing/2010/main" val="0"/>
@@ -8610,6 +8721,7 @@
       <p:pic>
         <p:nvPicPr>
           <p:cNvPr id="8" name="Рисунок 7">
+            <a:hlinkClick r:id="rId6"/>
             <a:extLst>
               <a:ext uri="{FF2B5EF4-FFF2-40B4-BE49-F238E27FC236}">
                 <a16:creationId xmlns:a16="http://schemas.microsoft.com/office/drawing/2014/main" id="{A7D322B7-A87B-AFD0-2BED-18F38A3963ED}"/>
@@ -8622,7 +8734,7 @@
           <p:nvPr/>
         </p:nvPicPr>
         <p:blipFill>
-          <a:blip r:embed="rId2">
+          <a:blip r:embed="rId3">
             <a:extLst>
               <a:ext uri="{28A0092B-C50C-407E-A947-70E740481C1C}">
                 <a14:useLocalDpi xmlns:a14="http://schemas.microsoft.com/office/drawing/2010/main" val="0"/>
@@ -8883,8 +8995,8 @@
         </p:nvSpPr>
         <p:spPr>
           <a:xfrm>
-            <a:off x="793472" y="2548193"/>
-            <a:ext cx="5495927" cy="2554545"/>
+            <a:off x="1000595" y="1557593"/>
+            <a:ext cx="5495927" cy="3785652"/>
           </a:xfrm>
           <a:prstGeom prst="rect">
             <a:avLst/>
@@ -9143,6 +9255,105 @@
                 </a:effectLst>
               </a:rPr>
               <a:t>.</a:t>
+            </a:r>
+          </a:p>
+          <a:p>
+            <a:pPr algn="just"/>
+            <a:endParaRPr lang="ru-RU" sz="2000" b="0" cap="none" spc="0" dirty="0">
+              <a:ln w="0"/>
+              <a:solidFill>
+                <a:srgbClr val="FFFFFF"/>
+              </a:solidFill>
+              <a:effectLst>
+                <a:outerShdw blurRad="38100" dist="19050" dir="2700000" algn="tl" rotWithShape="0">
+                  <a:schemeClr val="dk1">
+                    <a:alpha val="40000"/>
+                  </a:schemeClr>
+                </a:outerShdw>
+              </a:effectLst>
+            </a:endParaRPr>
+          </a:p>
+          <a:p>
+            <a:pPr algn="just"/>
+            <a:r>
+              <a:rPr lang="ru-RU" sz="2000" dirty="0">
+                <a:ln w="0"/>
+                <a:solidFill>
+                  <a:srgbClr val="FFFFFF"/>
+                </a:solidFill>
+                <a:effectLst>
+                  <a:outerShdw blurRad="38100" dist="19050" dir="2700000" algn="tl" rotWithShape="0">
+                    <a:schemeClr val="dk1">
+                      <a:alpha val="40000"/>
+                    </a:schemeClr>
+                  </a:outerShdw>
+                </a:effectLst>
+              </a:rPr>
+              <a:t>Добавили подключение по </a:t>
+            </a:r>
+            <a:r>
+              <a:rPr lang="en-US" sz="2000" dirty="0">
+                <a:ln w="0"/>
+                <a:solidFill>
+                  <a:srgbClr val="FFFFFF"/>
+                </a:solidFill>
+                <a:effectLst>
+                  <a:outerShdw blurRad="38100" dist="19050" dir="2700000" algn="tl" rotWithShape="0">
+                    <a:schemeClr val="dk1">
+                      <a:alpha val="40000"/>
+                    </a:schemeClr>
+                  </a:outerShdw>
+                </a:effectLst>
+              </a:rPr>
+              <a:t>SSH </a:t>
+            </a:r>
+            <a:r>
+              <a:rPr lang="ru-RU" sz="2000" dirty="0">
+                <a:ln w="0"/>
+                <a:solidFill>
+                  <a:srgbClr val="FFFFFF"/>
+                </a:solidFill>
+                <a:effectLst>
+                  <a:outerShdw blurRad="38100" dist="19050" dir="2700000" algn="tl" rotWithShape="0">
+                    <a:schemeClr val="dk1">
+                      <a:alpha val="40000"/>
+                    </a:schemeClr>
+                  </a:outerShdw>
+                </a:effectLst>
+              </a:rPr>
+              <a:t>ко всем сетевым устройствам внутри сети нашего провайдера. Логин </a:t>
+            </a:r>
+            <a:r>
+              <a:rPr lang="en-US" sz="2000" dirty="0">
+                <a:ln w="0"/>
+                <a:solidFill>
+                  <a:srgbClr val="FFFFFF"/>
+                </a:solidFill>
+                <a:effectLst>
+                  <a:outerShdw blurRad="38100" dist="19050" dir="2700000" algn="tl" rotWithShape="0">
+                    <a:schemeClr val="dk1">
+                      <a:alpha val="40000"/>
+                    </a:schemeClr>
+                  </a:outerShdw>
+                </a:effectLst>
+              </a:rPr>
+              <a:t>– admin. </a:t>
+            </a:r>
+            <a:r>
+              <a:rPr lang="ru-RU" sz="2000" dirty="0">
+                <a:ln w="0"/>
+                <a:solidFill>
+                  <a:srgbClr val="FFFFFF"/>
+                </a:solidFill>
+                <a:effectLst>
+                  <a:outerShdw blurRad="38100" dist="19050" dir="2700000" algn="tl" rotWithShape="0">
+                    <a:schemeClr val="dk1">
+                      <a:alpha val="40000"/>
+                    </a:schemeClr>
+                  </a:outerShdw>
+                </a:effectLst>
+              </a:rPr>
+              <a:t>Пароль: 1324.</a:t>
             </a:r>
             <a:endParaRPr lang="ru-RU" sz="2000" b="0" cap="none" spc="0" dirty="0">
               <a:ln w="0"/>
@@ -9477,6 +9688,7 @@
       <p:pic>
         <p:nvPicPr>
           <p:cNvPr id="24" name="Рисунок 23">
+            <a:hlinkClick r:id="rId7"/>
             <a:extLst>
               <a:ext uri="{FF2B5EF4-FFF2-40B4-BE49-F238E27FC236}">
                 <a16:creationId xmlns:a16="http://schemas.microsoft.com/office/drawing/2014/main" id="{F9248958-DA16-15C0-1805-8B3089ED5BDD}"/>
@@ -9489,7 +9701,7 @@
           <p:nvPr/>
         </p:nvPicPr>
         <p:blipFill>
-          <a:blip r:embed="rId2">
+          <a:blip r:embed="rId3">
             <a:extLst>
               <a:ext uri="{28A0092B-C50C-407E-A947-70E740481C1C}">
                 <a14:useLocalDpi xmlns:a14="http://schemas.microsoft.com/office/drawing/2010/main" val="0"/>
@@ -9513,6 +9725,7 @@
       <p:pic>
         <p:nvPicPr>
           <p:cNvPr id="25" name="Рисунок 24">
+            <a:hlinkClick r:id="rId8"/>
             <a:extLst>
               <a:ext uri="{FF2B5EF4-FFF2-40B4-BE49-F238E27FC236}">
                 <a16:creationId xmlns:a16="http://schemas.microsoft.com/office/drawing/2014/main" id="{5AB47268-FA7F-0F8D-61AE-61AAC6461471}"/>
@@ -9525,7 +9738,7 @@
           <p:nvPr/>
         </p:nvPicPr>
         <p:blipFill>
-          <a:blip r:embed="rId2">
+          <a:blip r:embed="rId3">
             <a:extLst>
               <a:ext uri="{28A0092B-C50C-407E-A947-70E740481C1C}">
                 <a14:useLocalDpi xmlns:a14="http://schemas.microsoft.com/office/drawing/2010/main" val="0"/>
@@ -10041,45 +10254,10 @@
       <p:pic>
         <p:nvPicPr>
           <p:cNvPr id="9" name="Рисунок 8">
+            <a:hlinkClick r:id="rId4"/>
             <a:extLst>
               <a:ext uri="{FF2B5EF4-FFF2-40B4-BE49-F238E27FC236}">
                 <a16:creationId xmlns:a16="http://schemas.microsoft.com/office/drawing/2014/main" id="{1E7D8A9E-AFE3-D559-5C2F-D50BE0F1779C}"/>
-              </a:ext>
-            </a:extLst>
-          </p:cNvPr>
-          <p:cNvPicPr>
-            <a:picLocks noChangeAspect="1"/>
-          </p:cNvPicPr>
-          <p:nvPr/>
-        </p:nvPicPr>
-        <p:blipFill>
-          <a:blip r:embed="rId4">
-            <a:extLst>
-              <a:ext uri="{28A0092B-C50C-407E-A947-70E740481C1C}">
-                <a14:useLocalDpi xmlns:a14="http://schemas.microsoft.com/office/drawing/2010/main" val="0"/>
-              </a:ext>
-            </a:extLst>
-          </a:blip>
-          <a:stretch>
-            <a:fillRect/>
-          </a:stretch>
-        </p:blipFill>
-        <p:spPr>
-          <a:xfrm>
-            <a:off x="9737451" y="1649705"/>
-            <a:ext cx="442147" cy="442147"/>
-          </a:xfrm>
-          <a:prstGeom prst="rect">
-            <a:avLst/>
-          </a:prstGeom>
-        </p:spPr>
-      </p:pic>
-      <p:pic>
-        <p:nvPicPr>
-          <p:cNvPr id="11" name="Рисунок 10">
-            <a:extLst>
-              <a:ext uri="{FF2B5EF4-FFF2-40B4-BE49-F238E27FC236}">
-                <a16:creationId xmlns:a16="http://schemas.microsoft.com/office/drawing/2014/main" id="{1DB0660D-D922-115D-3391-99D96FB1731A}"/>
               </a:ext>
             </a:extLst>
           </p:cNvPr>
@@ -10102,8 +10280,8 @@
         </p:blipFill>
         <p:spPr>
           <a:xfrm>
-            <a:off x="8217747" y="1594303"/>
-            <a:ext cx="574244" cy="574244"/>
+            <a:off x="9737451" y="1649705"/>
+            <a:ext cx="442147" cy="442147"/>
           </a:xfrm>
           <a:prstGeom prst="rect">
             <a:avLst/>
@@ -10112,10 +10290,10 @@
       </p:pic>
       <p:pic>
         <p:nvPicPr>
-          <p:cNvPr id="13" name="Рисунок 12">
-            <a:extLst>
-              <a:ext uri="{FF2B5EF4-FFF2-40B4-BE49-F238E27FC236}">
-                <a16:creationId xmlns:a16="http://schemas.microsoft.com/office/drawing/2014/main" id="{2208B1B9-2066-1143-459D-B6A84AD5C264}"/>
+          <p:cNvPr id="11" name="Рисунок 10">
+            <a:extLst>
+              <a:ext uri="{FF2B5EF4-FFF2-40B4-BE49-F238E27FC236}">
+                <a16:creationId xmlns:a16="http://schemas.microsoft.com/office/drawing/2014/main" id="{1DB0660D-D922-115D-3391-99D96FB1731A}"/>
               </a:ext>
             </a:extLst>
           </p:cNvPr>
@@ -10125,7 +10303,43 @@
           <p:nvPr/>
         </p:nvPicPr>
         <p:blipFill>
-          <a:blip r:embed="rId4">
+          <a:blip r:embed="rId6">
+            <a:extLst>
+              <a:ext uri="{28A0092B-C50C-407E-A947-70E740481C1C}">
+                <a14:useLocalDpi xmlns:a14="http://schemas.microsoft.com/office/drawing/2010/main" val="0"/>
+              </a:ext>
+            </a:extLst>
+          </a:blip>
+          <a:stretch>
+            <a:fillRect/>
+          </a:stretch>
+        </p:blipFill>
+        <p:spPr>
+          <a:xfrm>
+            <a:off x="8217747" y="1594303"/>
+            <a:ext cx="574244" cy="574244"/>
+          </a:xfrm>
+          <a:prstGeom prst="rect">
+            <a:avLst/>
+          </a:prstGeom>
+        </p:spPr>
+      </p:pic>
+      <p:pic>
+        <p:nvPicPr>
+          <p:cNvPr id="13" name="Рисунок 12">
+            <a:extLst>
+              <a:ext uri="{FF2B5EF4-FFF2-40B4-BE49-F238E27FC236}">
+                <a16:creationId xmlns:a16="http://schemas.microsoft.com/office/drawing/2014/main" id="{2208B1B9-2066-1143-459D-B6A84AD5C264}"/>
+              </a:ext>
+            </a:extLst>
+          </p:cNvPr>
+          <p:cNvPicPr>
+            <a:picLocks noChangeAspect="1"/>
+          </p:cNvPicPr>
+          <p:nvPr/>
+        </p:nvPicPr>
+        <p:blipFill>
+          <a:blip r:embed="rId5">
             <a:extLst>
               <a:ext uri="{28A0092B-C50C-407E-A947-70E740481C1C}">
                 <a14:useLocalDpi xmlns:a14="http://schemas.microsoft.com/office/drawing/2010/main" val="0"/>
@@ -10327,7 +10541,7 @@
           <p:nvPr/>
         </p:nvPicPr>
         <p:blipFill>
-          <a:blip r:embed="rId6">
+          <a:blip r:embed="rId7">
             <a:extLst>
               <a:ext uri="{28A0092B-C50C-407E-A947-70E740481C1C}">
                 <a14:useLocalDpi xmlns:a14="http://schemas.microsoft.com/office/drawing/2010/main" val="0"/>
@@ -10351,6 +10565,7 @@
       <p:pic>
         <p:nvPicPr>
           <p:cNvPr id="12" name="Рисунок 11">
+            <a:hlinkClick r:id="rId8"/>
             <a:extLst>
               <a:ext uri="{FF2B5EF4-FFF2-40B4-BE49-F238E27FC236}">
                 <a16:creationId xmlns:a16="http://schemas.microsoft.com/office/drawing/2014/main" id="{C7D47026-90DC-339C-4899-84DC47B4B0F4}"/>
@@ -10363,7 +10578,7 @@
           <p:nvPr/>
         </p:nvPicPr>
         <p:blipFill>
-          <a:blip r:embed="rId4">
+          <a:blip r:embed="rId5">
             <a:extLst>
               <a:ext uri="{28A0092B-C50C-407E-A947-70E740481C1C}">
                 <a14:useLocalDpi xmlns:a14="http://schemas.microsoft.com/office/drawing/2010/main" val="0"/>
@@ -11162,10 +11377,10 @@
       </p:sp>
       <p:pic>
         <p:nvPicPr>
-          <p:cNvPr id="6" name="Рисунок 5">
-            <a:extLst>
-              <a:ext uri="{FF2B5EF4-FFF2-40B4-BE49-F238E27FC236}">
-                <a16:creationId xmlns:a16="http://schemas.microsoft.com/office/drawing/2014/main" id="{AE81E878-BF4D-2C4C-B47F-0A0371663279}"/>
+          <p:cNvPr id="8" name="Рисунок 7">
+            <a:extLst>
+              <a:ext uri="{FF2B5EF4-FFF2-40B4-BE49-F238E27FC236}">
+                <a16:creationId xmlns:a16="http://schemas.microsoft.com/office/drawing/2014/main" id="{0F9A2355-FA63-CBCA-7492-12A741A9888C}"/>
               </a:ext>
             </a:extLst>
           </p:cNvPr>
@@ -11175,15 +11390,21 @@
           <p:nvPr/>
         </p:nvPicPr>
         <p:blipFill>
-          <a:blip r:embed="rId2"/>
+          <a:blip r:embed="rId2">
+            <a:extLst>
+              <a:ext uri="{28A0092B-C50C-407E-A947-70E740481C1C}">
+                <a14:useLocalDpi xmlns:a14="http://schemas.microsoft.com/office/drawing/2010/main" val="0"/>
+              </a:ext>
+            </a:extLst>
+          </a:blip>
           <a:stretch>
             <a:fillRect/>
           </a:stretch>
         </p:blipFill>
         <p:spPr>
           <a:xfrm>
-            <a:off x="2395171" y="4419094"/>
-            <a:ext cx="5802123" cy="2014725"/>
+            <a:off x="7748402" y="3852316"/>
+            <a:ext cx="880740" cy="880740"/>
           </a:xfrm>
           <a:prstGeom prst="rect">
             <a:avLst/>
@@ -11192,10 +11413,10 @@
       </p:pic>
       <p:pic>
         <p:nvPicPr>
-          <p:cNvPr id="8" name="Рисунок 7">
-            <a:extLst>
-              <a:ext uri="{FF2B5EF4-FFF2-40B4-BE49-F238E27FC236}">
-                <a16:creationId xmlns:a16="http://schemas.microsoft.com/office/drawing/2014/main" id="{0F9A2355-FA63-CBCA-7492-12A741A9888C}"/>
+          <p:cNvPr id="9" name="Рисунок 8">
+            <a:extLst>
+              <a:ext uri="{FF2B5EF4-FFF2-40B4-BE49-F238E27FC236}">
+                <a16:creationId xmlns:a16="http://schemas.microsoft.com/office/drawing/2014/main" id="{82FCF039-227A-E6E0-6808-2D4A9EFA8111}"/>
               </a:ext>
             </a:extLst>
           </p:cNvPr>
@@ -11218,44 +11439,8 @@
         </p:blipFill>
         <p:spPr>
           <a:xfrm>
-            <a:off x="9086417" y="3799507"/>
-            <a:ext cx="442147" cy="442147"/>
-          </a:xfrm>
-          <a:prstGeom prst="rect">
-            <a:avLst/>
-          </a:prstGeom>
-        </p:spPr>
-      </p:pic>
-      <p:pic>
-        <p:nvPicPr>
-          <p:cNvPr id="9" name="Рисунок 8">
-            <a:extLst>
-              <a:ext uri="{FF2B5EF4-FFF2-40B4-BE49-F238E27FC236}">
-                <a16:creationId xmlns:a16="http://schemas.microsoft.com/office/drawing/2014/main" id="{82FCF039-227A-E6E0-6808-2D4A9EFA8111}"/>
-              </a:ext>
-            </a:extLst>
-          </p:cNvPr>
-          <p:cNvPicPr>
-            <a:picLocks noChangeAspect="1"/>
-          </p:cNvPicPr>
-          <p:nvPr/>
-        </p:nvPicPr>
-        <p:blipFill>
-          <a:blip r:embed="rId4">
-            <a:extLst>
-              <a:ext uri="{28A0092B-C50C-407E-A947-70E740481C1C}">
-                <a14:useLocalDpi xmlns:a14="http://schemas.microsoft.com/office/drawing/2010/main" val="0"/>
-              </a:ext>
-            </a:extLst>
-          </a:blip>
-          <a:stretch>
-            <a:fillRect/>
-          </a:stretch>
-        </p:blipFill>
-        <p:spPr>
-          <a:xfrm>
-            <a:off x="10482348" y="3725025"/>
-            <a:ext cx="574244" cy="574244"/>
+            <a:off x="7667369" y="5601172"/>
+            <a:ext cx="1034240" cy="1034240"/>
           </a:xfrm>
           <a:prstGeom prst="rect">
             <a:avLst/>
@@ -11273,18 +11458,19 @@
           </p:cNvPr>
           <p:cNvCxnSpPr>
             <a:cxnSpLocks/>
+            <a:endCxn id="8" idx="2"/>
           </p:cNvCxnSpPr>
           <p:nvPr/>
         </p:nvCxnSpPr>
         <p:spPr>
-          <a:xfrm flipH="1" flipV="1">
-            <a:off x="9517370" y="4017734"/>
-            <a:ext cx="1088751" cy="1"/>
+          <a:xfrm flipV="1">
+            <a:off x="8188772" y="4733056"/>
+            <a:ext cx="0" cy="924794"/>
           </a:xfrm>
           <a:prstGeom prst="line">
             <a:avLst/>
           </a:prstGeom>
-          <a:ln w="25400"/>
+          <a:ln w="57150"/>
         </p:spPr>
         <p:style>
           <a:lnRef idx="1">
@@ -11316,7 +11502,7 @@
           <p:nvPr/>
         </p:nvPicPr>
         <p:blipFill>
-          <a:blip r:embed="rId3">
+          <a:blip r:embed="rId2">
             <a:extLst>
               <a:ext uri="{28A0092B-C50C-407E-A947-70E740481C1C}">
                 <a14:useLocalDpi xmlns:a14="http://schemas.microsoft.com/office/drawing/2010/main" val="0"/>
@@ -11329,8 +11515,8 @@
         </p:blipFill>
         <p:spPr>
           <a:xfrm>
-            <a:off x="9075223" y="2550675"/>
-            <a:ext cx="442147" cy="442147"/>
+            <a:off x="7757065" y="2024015"/>
+            <a:ext cx="880740" cy="880740"/>
           </a:xfrm>
           <a:prstGeom prst="rect">
             <a:avLst/>
@@ -11352,7 +11538,7 @@
           <p:nvPr/>
         </p:nvPicPr>
         <p:blipFill>
-          <a:blip r:embed="rId4">
+          <a:blip r:embed="rId3">
             <a:extLst>
               <a:ext uri="{28A0092B-C50C-407E-A947-70E740481C1C}">
                 <a14:useLocalDpi xmlns:a14="http://schemas.microsoft.com/office/drawing/2010/main" val="0"/>
@@ -11365,8 +11551,8 @@
         </p:blipFill>
         <p:spPr>
           <a:xfrm>
-            <a:off x="10471154" y="2476193"/>
-            <a:ext cx="574244" cy="574244"/>
+            <a:off x="7690111" y="272707"/>
+            <a:ext cx="997322" cy="997322"/>
           </a:xfrm>
           <a:prstGeom prst="rect">
             <a:avLst/>
@@ -11384,18 +11570,19 @@
           </p:cNvPr>
           <p:cNvCxnSpPr>
             <a:cxnSpLocks/>
+            <a:endCxn id="11" idx="0"/>
           </p:cNvCxnSpPr>
           <p:nvPr/>
         </p:nvCxnSpPr>
         <p:spPr>
-          <a:xfrm flipH="1" flipV="1">
-            <a:off x="9506176" y="2768902"/>
-            <a:ext cx="1088751" cy="1"/>
+          <a:xfrm>
+            <a:off x="8197435" y="1126553"/>
+            <a:ext cx="0" cy="897462"/>
           </a:xfrm>
           <a:prstGeom prst="line">
             <a:avLst/>
           </a:prstGeom>
-          <a:ln w="25400"/>
+          <a:ln w="57150"/>
         </p:spPr>
         <p:style>
           <a:lnRef idx="1">
@@ -11429,14 +11616,14 @@
           <p:nvPr/>
         </p:nvCxnSpPr>
         <p:spPr>
-          <a:xfrm flipH="1" flipV="1">
-            <a:off x="9296297" y="2992822"/>
-            <a:ext cx="11194" cy="806685"/>
+          <a:xfrm flipV="1">
+            <a:off x="8188772" y="2904755"/>
+            <a:ext cx="8663" cy="947561"/>
           </a:xfrm>
           <a:prstGeom prst="line">
             <a:avLst/>
           </a:prstGeom>
-          <a:ln w="25400"/>
+          <a:ln w="57150"/>
         </p:spPr>
         <p:style>
           <a:lnRef idx="1">
@@ -11453,6 +11640,1152 @@
           </a:fontRef>
         </p:style>
       </p:cxnSp>
+      <p:sp>
+        <p:nvSpPr>
+          <p:cNvPr id="3" name="Прямоугольник 2">
+            <a:extLst>
+              <a:ext uri="{FF2B5EF4-FFF2-40B4-BE49-F238E27FC236}">
+                <a16:creationId xmlns:a16="http://schemas.microsoft.com/office/drawing/2014/main" id="{C486DD9B-DFD4-5348-2576-CF4950C72636}"/>
+              </a:ext>
+            </a:extLst>
+          </p:cNvPr>
+          <p:cNvSpPr/>
+          <p:nvPr/>
+        </p:nvSpPr>
+        <p:spPr>
+          <a:xfrm>
+            <a:off x="8165260" y="1722754"/>
+            <a:ext cx="2590645" cy="338554"/>
+          </a:xfrm>
+          <a:prstGeom prst="rect">
+            <a:avLst/>
+          </a:prstGeom>
+          <a:noFill/>
+        </p:spPr>
+        <p:txBody>
+          <a:bodyPr wrap="none" lIns="91440" tIns="45720" rIns="91440" bIns="45720">
+            <a:spAutoFit/>
+          </a:bodyPr>
+          <a:lstStyle/>
+          <a:p>
+            <a:pPr algn="ctr"/>
+            <a:r>
+              <a:rPr lang="en-US" sz="1600" b="0" cap="none" spc="0" dirty="0">
+                <a:ln w="0"/>
+                <a:solidFill>
+                  <a:schemeClr val="tx1"/>
+                </a:solidFill>
+                <a:effectLst>
+                  <a:outerShdw blurRad="38100" dist="19050" dir="2700000" algn="tl" rotWithShape="0">
+                    <a:schemeClr val="dk1">
+                      <a:alpha val="40000"/>
+                    </a:schemeClr>
+                  </a:outerShdw>
+                </a:effectLst>
+              </a:rPr>
+              <a:t>Interface Vlan</a:t>
+            </a:r>
+            <a:r>
+              <a:rPr lang="en-US" sz="1600" dirty="0">
+                <a:ln w="0"/>
+                <a:effectLst>
+                  <a:outerShdw blurRad="38100" dist="19050" dir="2700000" algn="tl" rotWithShape="0">
+                    <a:schemeClr val="dk1">
+                      <a:alpha val="40000"/>
+                    </a:schemeClr>
+                  </a:outerShdw>
+                </a:effectLst>
+              </a:rPr>
+              <a:t>: 174.23.2.1/26</a:t>
+            </a:r>
+            <a:endParaRPr lang="ru-RU" sz="1600" b="0" cap="none" spc="0" dirty="0">
+              <a:ln w="0"/>
+              <a:solidFill>
+                <a:schemeClr val="tx1"/>
+              </a:solidFill>
+              <a:effectLst>
+                <a:outerShdw blurRad="38100" dist="19050" dir="2700000" algn="tl" rotWithShape="0">
+                  <a:schemeClr val="dk1">
+                    <a:alpha val="40000"/>
+                  </a:schemeClr>
+                </a:outerShdw>
+              </a:effectLst>
+            </a:endParaRPr>
+          </a:p>
+        </p:txBody>
+      </p:sp>
+      <p:sp>
+        <p:nvSpPr>
+          <p:cNvPr id="4" name="Прямоугольник 3">
+            <a:extLst>
+              <a:ext uri="{FF2B5EF4-FFF2-40B4-BE49-F238E27FC236}">
+                <a16:creationId xmlns:a16="http://schemas.microsoft.com/office/drawing/2014/main" id="{E88966C5-C435-D3FE-640E-E48D779B0452}"/>
+              </a:ext>
+            </a:extLst>
+          </p:cNvPr>
+          <p:cNvSpPr/>
+          <p:nvPr/>
+        </p:nvSpPr>
+        <p:spPr>
+          <a:xfrm>
+            <a:off x="8197435" y="4691562"/>
+            <a:ext cx="2694840" cy="338554"/>
+          </a:xfrm>
+          <a:prstGeom prst="rect">
+            <a:avLst/>
+          </a:prstGeom>
+          <a:noFill/>
+        </p:spPr>
+        <p:txBody>
+          <a:bodyPr wrap="none" lIns="91440" tIns="45720" rIns="91440" bIns="45720">
+            <a:spAutoFit/>
+          </a:bodyPr>
+          <a:lstStyle/>
+          <a:p>
+            <a:pPr algn="ctr"/>
+            <a:r>
+              <a:rPr lang="en-US" sz="1600" b="0" cap="none" spc="0" dirty="0">
+                <a:ln w="0"/>
+                <a:solidFill>
+                  <a:schemeClr val="tx1"/>
+                </a:solidFill>
+                <a:effectLst>
+                  <a:outerShdw blurRad="38100" dist="19050" dir="2700000" algn="tl" rotWithShape="0">
+                    <a:schemeClr val="dk1">
+                      <a:alpha val="40000"/>
+                    </a:schemeClr>
+                  </a:outerShdw>
+                </a:effectLst>
+              </a:rPr>
+              <a:t>Interface Vlan</a:t>
+            </a:r>
+            <a:r>
+              <a:rPr lang="en-US" sz="1600" dirty="0">
+                <a:ln w="0"/>
+                <a:effectLst>
+                  <a:outerShdw blurRad="38100" dist="19050" dir="2700000" algn="tl" rotWithShape="0">
+                    <a:schemeClr val="dk1">
+                      <a:alpha val="40000"/>
+                    </a:schemeClr>
+                  </a:outerShdw>
+                </a:effectLst>
+              </a:rPr>
+              <a:t>: 174.23.2.65/26</a:t>
+            </a:r>
+            <a:endParaRPr lang="ru-RU" sz="1600" b="0" cap="none" spc="0" dirty="0">
+              <a:ln w="0"/>
+              <a:solidFill>
+                <a:schemeClr val="tx1"/>
+              </a:solidFill>
+              <a:effectLst>
+                <a:outerShdw blurRad="38100" dist="19050" dir="2700000" algn="tl" rotWithShape="0">
+                  <a:schemeClr val="dk1">
+                    <a:alpha val="40000"/>
+                  </a:schemeClr>
+                </a:outerShdw>
+              </a:effectLst>
+            </a:endParaRPr>
+          </a:p>
+        </p:txBody>
+      </p:sp>
+      <p:sp>
+        <p:nvSpPr>
+          <p:cNvPr id="5" name="Прямоугольник 4">
+            <a:extLst>
+              <a:ext uri="{FF2B5EF4-FFF2-40B4-BE49-F238E27FC236}">
+                <a16:creationId xmlns:a16="http://schemas.microsoft.com/office/drawing/2014/main" id="{9482D7F2-8E42-1BC6-7211-951DD62ADB54}"/>
+              </a:ext>
+            </a:extLst>
+          </p:cNvPr>
+          <p:cNvSpPr/>
+          <p:nvPr/>
+        </p:nvSpPr>
+        <p:spPr>
+          <a:xfrm>
+            <a:off x="8184489" y="1202568"/>
+            <a:ext cx="1354859" cy="338554"/>
+          </a:xfrm>
+          <a:prstGeom prst="rect">
+            <a:avLst/>
+          </a:prstGeom>
+          <a:noFill/>
+        </p:spPr>
+        <p:txBody>
+          <a:bodyPr wrap="none" lIns="91440" tIns="45720" rIns="91440" bIns="45720">
+            <a:spAutoFit/>
+          </a:bodyPr>
+          <a:lstStyle/>
+          <a:p>
+            <a:pPr algn="ctr"/>
+            <a:r>
+              <a:rPr lang="en-US" sz="1600" dirty="0">
+                <a:ln w="0"/>
+                <a:effectLst>
+                  <a:outerShdw blurRad="38100" dist="19050" dir="2700000" algn="tl" rotWithShape="0">
+                    <a:schemeClr val="dk1">
+                      <a:alpha val="40000"/>
+                    </a:schemeClr>
+                  </a:outerShdw>
+                </a:effectLst>
+              </a:rPr>
+              <a:t>174.23.2.2/26</a:t>
+            </a:r>
+            <a:endParaRPr lang="ru-RU" sz="1600" b="0" cap="none" spc="0" dirty="0">
+              <a:ln w="0"/>
+              <a:solidFill>
+                <a:schemeClr val="tx1"/>
+              </a:solidFill>
+              <a:effectLst>
+                <a:outerShdw blurRad="38100" dist="19050" dir="2700000" algn="tl" rotWithShape="0">
+                  <a:schemeClr val="dk1">
+                    <a:alpha val="40000"/>
+                  </a:schemeClr>
+                </a:outerShdw>
+              </a:effectLst>
+            </a:endParaRPr>
+          </a:p>
+        </p:txBody>
+      </p:sp>
+      <p:sp>
+        <p:nvSpPr>
+          <p:cNvPr id="15" name="Прямоугольник 14">
+            <a:extLst>
+              <a:ext uri="{FF2B5EF4-FFF2-40B4-BE49-F238E27FC236}">
+                <a16:creationId xmlns:a16="http://schemas.microsoft.com/office/drawing/2014/main" id="{50F821B9-CAF7-652C-03CF-3E69C90D5400}"/>
+              </a:ext>
+            </a:extLst>
+          </p:cNvPr>
+          <p:cNvSpPr/>
+          <p:nvPr/>
+        </p:nvSpPr>
+        <p:spPr>
+          <a:xfrm>
+            <a:off x="8184489" y="5262618"/>
+            <a:ext cx="1459054" cy="338554"/>
+          </a:xfrm>
+          <a:prstGeom prst="rect">
+            <a:avLst/>
+          </a:prstGeom>
+          <a:noFill/>
+        </p:spPr>
+        <p:txBody>
+          <a:bodyPr wrap="none" lIns="91440" tIns="45720" rIns="91440" bIns="45720">
+            <a:spAutoFit/>
+          </a:bodyPr>
+          <a:lstStyle/>
+          <a:p>
+            <a:pPr algn="ctr"/>
+            <a:r>
+              <a:rPr lang="en-US" sz="1600" dirty="0">
+                <a:ln w="0"/>
+                <a:effectLst>
+                  <a:outerShdw blurRad="38100" dist="19050" dir="2700000" algn="tl" rotWithShape="0">
+                    <a:schemeClr val="dk1">
+                      <a:alpha val="40000"/>
+                    </a:schemeClr>
+                  </a:outerShdw>
+                </a:effectLst>
+              </a:rPr>
+              <a:t>174.23.2.66/26</a:t>
+            </a:r>
+            <a:endParaRPr lang="ru-RU" sz="1600" b="0" cap="none" spc="0" dirty="0">
+              <a:ln w="0"/>
+              <a:solidFill>
+                <a:schemeClr val="tx1"/>
+              </a:solidFill>
+              <a:effectLst>
+                <a:outerShdw blurRad="38100" dist="19050" dir="2700000" algn="tl" rotWithShape="0">
+                  <a:schemeClr val="dk1">
+                    <a:alpha val="40000"/>
+                  </a:schemeClr>
+                </a:outerShdw>
+              </a:effectLst>
+            </a:endParaRPr>
+          </a:p>
+        </p:txBody>
+      </p:sp>
+      <p:sp>
+        <p:nvSpPr>
+          <p:cNvPr id="16" name="Прямоугольник 15">
+            <a:extLst>
+              <a:ext uri="{FF2B5EF4-FFF2-40B4-BE49-F238E27FC236}">
+                <a16:creationId xmlns:a16="http://schemas.microsoft.com/office/drawing/2014/main" id="{03526BAF-CE71-E381-78D4-5DBE3130DC88}"/>
+              </a:ext>
+            </a:extLst>
+          </p:cNvPr>
+          <p:cNvSpPr/>
+          <p:nvPr/>
+        </p:nvSpPr>
+        <p:spPr>
+          <a:xfrm>
+            <a:off x="8609772" y="2282572"/>
+            <a:ext cx="3095014" cy="338554"/>
+          </a:xfrm>
+          <a:prstGeom prst="rect">
+            <a:avLst/>
+          </a:prstGeom>
+          <a:noFill/>
+        </p:spPr>
+        <p:txBody>
+          <a:bodyPr wrap="none" lIns="91440" tIns="45720" rIns="91440" bIns="45720">
+            <a:spAutoFit/>
+          </a:bodyPr>
+          <a:lstStyle/>
+          <a:p>
+            <a:pPr algn="ctr"/>
+            <a:r>
+              <a:rPr lang="en-US" sz="1600" dirty="0">
+                <a:ln w="0"/>
+                <a:effectLst>
+                  <a:outerShdw blurRad="38100" dist="19050" dir="2700000" algn="tl" rotWithShape="0">
+                    <a:schemeClr val="dk1">
+                      <a:alpha val="40000"/>
+                    </a:schemeClr>
+                  </a:outerShdw>
+                </a:effectLst>
+              </a:rPr>
+              <a:t>Ip route 174.23.2.65/26 11.11.11.1</a:t>
+            </a:r>
+            <a:endParaRPr lang="ru-RU" sz="1600" b="0" cap="none" spc="0" dirty="0">
+              <a:ln w="0"/>
+              <a:solidFill>
+                <a:schemeClr val="tx1"/>
+              </a:solidFill>
+              <a:effectLst>
+                <a:outerShdw blurRad="38100" dist="19050" dir="2700000" algn="tl" rotWithShape="0">
+                  <a:schemeClr val="dk1">
+                    <a:alpha val="40000"/>
+                  </a:schemeClr>
+                </a:outerShdw>
+              </a:effectLst>
+            </a:endParaRPr>
+          </a:p>
+        </p:txBody>
+      </p:sp>
+      <p:sp>
+        <p:nvSpPr>
+          <p:cNvPr id="17" name="Прямоугольник 16">
+            <a:extLst>
+              <a:ext uri="{FF2B5EF4-FFF2-40B4-BE49-F238E27FC236}">
+                <a16:creationId xmlns:a16="http://schemas.microsoft.com/office/drawing/2014/main" id="{90781D2B-4C3C-8329-0F61-17612FEEC905}"/>
+              </a:ext>
+            </a:extLst>
+          </p:cNvPr>
+          <p:cNvSpPr/>
+          <p:nvPr/>
+        </p:nvSpPr>
+        <p:spPr>
+          <a:xfrm>
+            <a:off x="8609772" y="4123409"/>
+            <a:ext cx="3095014" cy="338554"/>
+          </a:xfrm>
+          <a:prstGeom prst="rect">
+            <a:avLst/>
+          </a:prstGeom>
+          <a:noFill/>
+        </p:spPr>
+        <p:txBody>
+          <a:bodyPr wrap="none" lIns="91440" tIns="45720" rIns="91440" bIns="45720">
+            <a:spAutoFit/>
+          </a:bodyPr>
+          <a:lstStyle/>
+          <a:p>
+            <a:pPr algn="ctr"/>
+            <a:r>
+              <a:rPr lang="en-US" sz="1600" dirty="0">
+                <a:ln w="0"/>
+                <a:effectLst>
+                  <a:outerShdw blurRad="38100" dist="19050" dir="2700000" algn="tl" rotWithShape="0">
+                    <a:schemeClr val="dk1">
+                      <a:alpha val="40000"/>
+                    </a:schemeClr>
+                  </a:outerShdw>
+                </a:effectLst>
+              </a:rPr>
+              <a:t>Ip route 174.23.2.0/26 11.11.11.12</a:t>
+            </a:r>
+            <a:endParaRPr lang="ru-RU" sz="1600" b="0" cap="none" spc="0" dirty="0">
+              <a:ln w="0"/>
+              <a:solidFill>
+                <a:schemeClr val="tx1"/>
+              </a:solidFill>
+              <a:effectLst>
+                <a:outerShdw blurRad="38100" dist="19050" dir="2700000" algn="tl" rotWithShape="0">
+                  <a:schemeClr val="dk1">
+                    <a:alpha val="40000"/>
+                  </a:schemeClr>
+                </a:outerShdw>
+              </a:effectLst>
+            </a:endParaRPr>
+          </a:p>
+        </p:txBody>
+      </p:sp>
+      <p:sp>
+        <p:nvSpPr>
+          <p:cNvPr id="18" name="Прямоугольник 17">
+            <a:extLst>
+              <a:ext uri="{FF2B5EF4-FFF2-40B4-BE49-F238E27FC236}">
+                <a16:creationId xmlns:a16="http://schemas.microsoft.com/office/drawing/2014/main" id="{2EDC3FE0-29E1-9D56-C837-E2FF24BDC481}"/>
+              </a:ext>
+            </a:extLst>
+          </p:cNvPr>
+          <p:cNvSpPr/>
+          <p:nvPr/>
+        </p:nvSpPr>
+        <p:spPr>
+          <a:xfrm>
+            <a:off x="8229779" y="3544404"/>
+            <a:ext cx="3278333" cy="338554"/>
+          </a:xfrm>
+          <a:prstGeom prst="rect">
+            <a:avLst/>
+          </a:prstGeom>
+          <a:noFill/>
+        </p:spPr>
+        <p:txBody>
+          <a:bodyPr wrap="none" lIns="91440" tIns="45720" rIns="91440" bIns="45720">
+            <a:spAutoFit/>
+          </a:bodyPr>
+          <a:lstStyle/>
+          <a:p>
+            <a:pPr algn="ctr"/>
+            <a:r>
+              <a:rPr lang="en-US" sz="1600" dirty="0">
+                <a:ln w="0"/>
+                <a:effectLst>
+                  <a:outerShdw blurRad="38100" dist="19050" dir="2700000" algn="tl" rotWithShape="0">
+                    <a:schemeClr val="dk1">
+                      <a:alpha val="40000"/>
+                    </a:schemeClr>
+                  </a:outerShdw>
+                </a:effectLst>
+              </a:rPr>
+              <a:t>Sub interface gig0/0.1: 11.11.11.1/24</a:t>
+            </a:r>
+            <a:endParaRPr lang="ru-RU" sz="1600" b="0" cap="none" spc="0" dirty="0">
+              <a:ln w="0"/>
+              <a:solidFill>
+                <a:schemeClr val="tx1"/>
+              </a:solidFill>
+              <a:effectLst>
+                <a:outerShdw blurRad="38100" dist="19050" dir="2700000" algn="tl" rotWithShape="0">
+                  <a:schemeClr val="dk1">
+                    <a:alpha val="40000"/>
+                  </a:schemeClr>
+                </a:outerShdw>
+              </a:effectLst>
+            </a:endParaRPr>
+          </a:p>
+        </p:txBody>
+      </p:sp>
+      <p:sp>
+        <p:nvSpPr>
+          <p:cNvPr id="19" name="Прямоугольник 18">
+            <a:extLst>
+              <a:ext uri="{FF2B5EF4-FFF2-40B4-BE49-F238E27FC236}">
+                <a16:creationId xmlns:a16="http://schemas.microsoft.com/office/drawing/2014/main" id="{36A0CA0C-F1D0-C184-6FFA-371B183473E6}"/>
+              </a:ext>
+            </a:extLst>
+          </p:cNvPr>
+          <p:cNvSpPr/>
+          <p:nvPr/>
+        </p:nvSpPr>
+        <p:spPr>
+          <a:xfrm>
+            <a:off x="8218736" y="2905268"/>
+            <a:ext cx="3278333" cy="338554"/>
+          </a:xfrm>
+          <a:prstGeom prst="rect">
+            <a:avLst/>
+          </a:prstGeom>
+          <a:noFill/>
+        </p:spPr>
+        <p:txBody>
+          <a:bodyPr wrap="none" lIns="91440" tIns="45720" rIns="91440" bIns="45720">
+            <a:spAutoFit/>
+          </a:bodyPr>
+          <a:lstStyle/>
+          <a:p>
+            <a:pPr algn="ctr"/>
+            <a:r>
+              <a:rPr lang="en-US" sz="1600" dirty="0">
+                <a:ln w="0"/>
+                <a:effectLst>
+                  <a:outerShdw blurRad="38100" dist="19050" dir="2700000" algn="tl" rotWithShape="0">
+                    <a:schemeClr val="dk1">
+                      <a:alpha val="40000"/>
+                    </a:schemeClr>
+                  </a:outerShdw>
+                </a:effectLst>
+              </a:rPr>
+              <a:t>Sub interface gig0/0.1: 11.11.11.2/24</a:t>
+            </a:r>
+            <a:endParaRPr lang="ru-RU" sz="1600" b="0" cap="none" spc="0" dirty="0">
+              <a:ln w="0"/>
+              <a:solidFill>
+                <a:schemeClr val="tx1"/>
+              </a:solidFill>
+              <a:effectLst>
+                <a:outerShdw blurRad="38100" dist="19050" dir="2700000" algn="tl" rotWithShape="0">
+                  <a:schemeClr val="dk1">
+                    <a:alpha val="40000"/>
+                  </a:schemeClr>
+                </a:outerShdw>
+              </a:effectLst>
+            </a:endParaRPr>
+          </a:p>
+        </p:txBody>
+      </p:sp>
+      <p:sp>
+        <p:nvSpPr>
+          <p:cNvPr id="42" name="Прямоугольник 41">
+            <a:extLst>
+              <a:ext uri="{FF2B5EF4-FFF2-40B4-BE49-F238E27FC236}">
+                <a16:creationId xmlns:a16="http://schemas.microsoft.com/office/drawing/2014/main" id="{C182F478-3497-F9AB-4575-6D7C38627123}"/>
+              </a:ext>
+            </a:extLst>
+          </p:cNvPr>
+          <p:cNvSpPr/>
+          <p:nvPr/>
+        </p:nvSpPr>
+        <p:spPr>
+          <a:xfrm>
+            <a:off x="828301" y="1430364"/>
+            <a:ext cx="5495927" cy="4708981"/>
+          </a:xfrm>
+          <a:prstGeom prst="rect">
+            <a:avLst/>
+          </a:prstGeom>
+          <a:noFill/>
+        </p:spPr>
+        <p:txBody>
+          <a:bodyPr wrap="square" lIns="91440" tIns="45720" rIns="91440" bIns="45720">
+            <a:spAutoFit/>
+          </a:bodyPr>
+          <a:lstStyle/>
+          <a:p>
+            <a:pPr algn="just"/>
+            <a:r>
+              <a:rPr lang="ru-RU" sz="2000" dirty="0">
+                <a:ln w="0"/>
+                <a:solidFill>
+                  <a:srgbClr val="FFFFFF"/>
+                </a:solidFill>
+                <a:effectLst>
+                  <a:outerShdw blurRad="38100" dist="19050" dir="2700000" algn="tl" rotWithShape="0">
+                    <a:schemeClr val="dk1">
+                      <a:alpha val="40000"/>
+                    </a:schemeClr>
+                  </a:outerShdw>
+                </a:effectLst>
+              </a:rPr>
+              <a:t>В задании было сказано реализовать </a:t>
+            </a:r>
+            <a:r>
+              <a:rPr lang="en-US" sz="2000" dirty="0">
+                <a:ln w="0"/>
+                <a:solidFill>
+                  <a:srgbClr val="FFFFFF"/>
+                </a:solidFill>
+                <a:effectLst>
+                  <a:outerShdw blurRad="38100" dist="19050" dir="2700000" algn="tl" rotWithShape="0">
+                    <a:schemeClr val="dk1">
+                      <a:alpha val="40000"/>
+                    </a:schemeClr>
+                  </a:outerShdw>
+                </a:effectLst>
+              </a:rPr>
+              <a:t>L2VPN. </a:t>
+            </a:r>
+            <a:r>
+              <a:rPr lang="ru-RU" sz="2000" dirty="0">
+                <a:ln w="0"/>
+                <a:solidFill>
+                  <a:srgbClr val="FFFFFF"/>
+                </a:solidFill>
+                <a:effectLst>
+                  <a:outerShdw blurRad="38100" dist="19050" dir="2700000" algn="tl" rotWithShape="0">
+                    <a:schemeClr val="dk1">
+                      <a:alpha val="40000"/>
+                    </a:schemeClr>
+                  </a:outerShdw>
+                </a:effectLst>
+              </a:rPr>
+              <a:t>Из-за части</a:t>
+            </a:r>
+            <a:r>
+              <a:rPr lang="en-US" sz="2000" dirty="0">
+                <a:ln w="0"/>
+                <a:solidFill>
+                  <a:srgbClr val="FFFFFF"/>
+                </a:solidFill>
+                <a:effectLst>
+                  <a:outerShdw blurRad="38100" dist="19050" dir="2700000" algn="tl" rotWithShape="0">
+                    <a:schemeClr val="dk1">
+                      <a:alpha val="40000"/>
+                    </a:schemeClr>
+                  </a:outerShdw>
+                </a:effectLst>
+              </a:rPr>
+              <a:t> </a:t>
+            </a:r>
+            <a:r>
+              <a:rPr lang="ru-RU" sz="2000" dirty="0">
+                <a:ln w="0"/>
+                <a:solidFill>
+                  <a:srgbClr val="FFFFFF"/>
+                </a:solidFill>
+                <a:effectLst>
+                  <a:outerShdw blurRad="38100" dist="19050" dir="2700000" algn="tl" rotWithShape="0">
+                    <a:schemeClr val="dk1">
+                      <a:alpha val="40000"/>
+                    </a:schemeClr>
+                  </a:outerShdw>
+                </a:effectLst>
+              </a:rPr>
+              <a:t>«</a:t>
+            </a:r>
+            <a:r>
+              <a:rPr lang="en-US" sz="2000" dirty="0">
+                <a:ln w="0"/>
+                <a:solidFill>
+                  <a:srgbClr val="FFFFFF"/>
+                </a:solidFill>
+                <a:effectLst>
+                  <a:outerShdw blurRad="38100" dist="19050" dir="2700000" algn="tl" rotWithShape="0">
+                    <a:schemeClr val="dk1">
+                      <a:alpha val="40000"/>
+                    </a:schemeClr>
+                  </a:outerShdw>
+                </a:effectLst>
+              </a:rPr>
+              <a:t>VPN</a:t>
+            </a:r>
+            <a:r>
+              <a:rPr lang="ru-RU" sz="2000" dirty="0">
+                <a:ln w="0"/>
+                <a:solidFill>
+                  <a:srgbClr val="FFFFFF"/>
+                </a:solidFill>
+                <a:effectLst>
+                  <a:outerShdw blurRad="38100" dist="19050" dir="2700000" algn="tl" rotWithShape="0">
+                    <a:schemeClr val="dk1">
+                      <a:alpha val="40000"/>
+                    </a:schemeClr>
+                  </a:outerShdw>
+                </a:effectLst>
+              </a:rPr>
+              <a:t>»</a:t>
+            </a:r>
+            <a:r>
+              <a:rPr lang="en-US" sz="2000" dirty="0">
+                <a:ln w="0"/>
+                <a:solidFill>
+                  <a:srgbClr val="FFFFFF"/>
+                </a:solidFill>
+                <a:effectLst>
+                  <a:outerShdw blurRad="38100" dist="19050" dir="2700000" algn="tl" rotWithShape="0">
+                    <a:schemeClr val="dk1">
+                      <a:alpha val="40000"/>
+                    </a:schemeClr>
+                  </a:outerShdw>
+                </a:effectLst>
+              </a:rPr>
+              <a:t> </a:t>
+            </a:r>
+            <a:r>
+              <a:rPr lang="ru-RU" sz="2000" dirty="0">
+                <a:ln w="0"/>
+                <a:solidFill>
+                  <a:srgbClr val="FFFFFF"/>
+                </a:solidFill>
+                <a:effectLst>
+                  <a:outerShdw blurRad="38100" dist="19050" dir="2700000" algn="tl" rotWithShape="0">
+                    <a:schemeClr val="dk1">
+                      <a:alpha val="40000"/>
+                    </a:schemeClr>
+                  </a:outerShdw>
+                </a:effectLst>
+              </a:rPr>
+              <a:t>первое, что пришло в голову – протянуть </a:t>
+            </a:r>
+            <a:r>
+              <a:rPr lang="en-US" sz="2000" dirty="0">
+                <a:ln w="0"/>
+                <a:solidFill>
+                  <a:srgbClr val="FFFFFF"/>
+                </a:solidFill>
+                <a:effectLst>
+                  <a:outerShdw blurRad="38100" dist="19050" dir="2700000" algn="tl" rotWithShape="0">
+                    <a:schemeClr val="dk1">
+                      <a:alpha val="40000"/>
+                    </a:schemeClr>
+                  </a:outerShdw>
+                </a:effectLst>
+              </a:rPr>
+              <a:t>GRE </a:t>
+            </a:r>
+            <a:r>
+              <a:rPr lang="ru-RU" sz="2000" dirty="0">
+                <a:ln w="0"/>
+                <a:solidFill>
+                  <a:srgbClr val="FFFFFF"/>
+                </a:solidFill>
+                <a:effectLst>
+                  <a:outerShdw blurRad="38100" dist="19050" dir="2700000" algn="tl" rotWithShape="0">
+                    <a:schemeClr val="dk1">
+                      <a:alpha val="40000"/>
+                    </a:schemeClr>
+                  </a:outerShdw>
+                </a:effectLst>
+              </a:rPr>
+              <a:t>туннель.  В попытках поднять туннель не нашли способа сделать его </a:t>
+            </a:r>
+            <a:r>
+              <a:rPr lang="en-US" sz="2000" dirty="0">
+                <a:ln w="0"/>
+                <a:solidFill>
+                  <a:srgbClr val="FFFFFF"/>
+                </a:solidFill>
+                <a:effectLst>
+                  <a:outerShdw blurRad="38100" dist="19050" dir="2700000" algn="tl" rotWithShape="0">
+                    <a:schemeClr val="dk1">
+                      <a:alpha val="40000"/>
+                    </a:schemeClr>
+                  </a:outerShdw>
+                </a:effectLst>
+              </a:rPr>
+              <a:t>L2,</a:t>
+            </a:r>
+            <a:r>
+              <a:rPr lang="ru-RU" sz="2000" dirty="0">
+                <a:ln w="0"/>
+                <a:solidFill>
+                  <a:srgbClr val="FFFFFF"/>
+                </a:solidFill>
+                <a:effectLst>
+                  <a:outerShdw blurRad="38100" dist="19050" dir="2700000" algn="tl" rotWithShape="0">
+                    <a:schemeClr val="dk1">
+                      <a:alpha val="40000"/>
+                    </a:schemeClr>
+                  </a:outerShdw>
+                </a:effectLst>
+              </a:rPr>
+              <a:t> а не </a:t>
+            </a:r>
+            <a:r>
+              <a:rPr lang="en-US" sz="2000" dirty="0">
+                <a:ln w="0"/>
+                <a:solidFill>
+                  <a:srgbClr val="FFFFFF"/>
+                </a:solidFill>
+                <a:effectLst>
+                  <a:outerShdw blurRad="38100" dist="19050" dir="2700000" algn="tl" rotWithShape="0">
+                    <a:schemeClr val="dk1">
+                      <a:alpha val="40000"/>
+                    </a:schemeClr>
+                  </a:outerShdw>
+                </a:effectLst>
+              </a:rPr>
+              <a:t>L3 </a:t>
+            </a:r>
+            <a:r>
+              <a:rPr lang="ru-RU" sz="2000" dirty="0">
+                <a:ln w="0"/>
+                <a:solidFill>
+                  <a:srgbClr val="FFFFFF"/>
+                </a:solidFill>
+                <a:effectLst>
+                  <a:outerShdw blurRad="38100" dist="19050" dir="2700000" algn="tl" rotWithShape="0">
+                    <a:schemeClr val="dk1">
+                      <a:alpha val="40000"/>
+                    </a:schemeClr>
+                  </a:outerShdw>
+                </a:effectLst>
+              </a:rPr>
+              <a:t>соединением, поэтому стали думать над чем-то другим. По итогу реализовали </a:t>
+            </a:r>
+            <a:r>
+              <a:rPr lang="en-US" sz="2000" dirty="0">
+                <a:ln w="0"/>
+                <a:solidFill>
+                  <a:srgbClr val="FFFFFF"/>
+                </a:solidFill>
+                <a:effectLst>
+                  <a:outerShdw blurRad="38100" dist="19050" dir="2700000" algn="tl" rotWithShape="0">
+                    <a:schemeClr val="dk1">
+                      <a:alpha val="40000"/>
+                    </a:schemeClr>
+                  </a:outerShdw>
+                </a:effectLst>
+              </a:rPr>
+              <a:t>L2 </a:t>
+            </a:r>
+            <a:r>
+              <a:rPr lang="ru-RU" sz="2000" dirty="0">
+                <a:ln w="0"/>
+                <a:solidFill>
+                  <a:srgbClr val="FFFFFF"/>
+                </a:solidFill>
+                <a:effectLst>
+                  <a:outerShdw blurRad="38100" dist="19050" dir="2700000" algn="tl" rotWithShape="0">
+                    <a:schemeClr val="dk1">
+                      <a:alpha val="40000"/>
+                    </a:schemeClr>
+                  </a:outerShdw>
+                </a:effectLst>
+              </a:rPr>
+              <a:t>соединение с помощью</a:t>
+            </a:r>
+            <a:r>
+              <a:rPr lang="en-US" sz="2000" dirty="0">
+                <a:ln w="0"/>
+                <a:solidFill>
+                  <a:srgbClr val="FFFFFF"/>
+                </a:solidFill>
+                <a:effectLst>
+                  <a:outerShdw blurRad="38100" dist="19050" dir="2700000" algn="tl" rotWithShape="0">
+                    <a:schemeClr val="dk1">
+                      <a:alpha val="40000"/>
+                    </a:schemeClr>
+                  </a:outerShdw>
+                </a:effectLst>
+              </a:rPr>
+              <a:t> VLANs</a:t>
+            </a:r>
+            <a:r>
+              <a:rPr lang="ru-RU" sz="2000" dirty="0">
+                <a:ln w="0"/>
+                <a:solidFill>
+                  <a:srgbClr val="FFFFFF"/>
+                </a:solidFill>
+                <a:effectLst>
+                  <a:outerShdw blurRad="38100" dist="19050" dir="2700000" algn="tl" rotWithShape="0">
+                    <a:schemeClr val="dk1">
+                      <a:alpha val="40000"/>
+                    </a:schemeClr>
+                  </a:outerShdw>
+                </a:effectLst>
+              </a:rPr>
+              <a:t>.</a:t>
+            </a:r>
+          </a:p>
+          <a:p>
+            <a:pPr algn="just"/>
+            <a:endParaRPr lang="ru-RU" sz="2000" dirty="0">
+              <a:ln w="0"/>
+              <a:solidFill>
+                <a:srgbClr val="FFFFFF"/>
+              </a:solidFill>
+              <a:effectLst>
+                <a:outerShdw blurRad="38100" dist="19050" dir="2700000" algn="tl" rotWithShape="0">
+                  <a:schemeClr val="dk1">
+                    <a:alpha val="40000"/>
+                  </a:schemeClr>
+                </a:outerShdw>
+              </a:effectLst>
+            </a:endParaRPr>
+          </a:p>
+          <a:p>
+            <a:pPr algn="just"/>
+            <a:r>
+              <a:rPr lang="ru-RU" sz="2000" dirty="0">
+                <a:ln w="0"/>
+                <a:solidFill>
+                  <a:srgbClr val="FFFFFF"/>
+                </a:solidFill>
+                <a:effectLst>
+                  <a:outerShdw blurRad="38100" dist="19050" dir="2700000" algn="tl" rotWithShape="0">
+                    <a:schemeClr val="dk1">
+                      <a:alpha val="40000"/>
+                    </a:schemeClr>
+                  </a:outerShdw>
+                </a:effectLst>
+              </a:rPr>
+              <a:t>У этого решения есть куча проблем:</a:t>
+            </a:r>
+          </a:p>
+          <a:p>
+            <a:pPr marL="457200" indent="-457200" algn="just">
+              <a:buAutoNum type="arabicPeriod"/>
+            </a:pPr>
+            <a:r>
+              <a:rPr lang="ru-RU" sz="2000" dirty="0">
+                <a:ln w="0"/>
+                <a:solidFill>
+                  <a:srgbClr val="FFFFFF"/>
+                </a:solidFill>
+                <a:effectLst>
+                  <a:outerShdw blurRad="38100" dist="19050" dir="2700000" algn="tl" rotWithShape="0">
+                    <a:schemeClr val="dk1">
+                      <a:alpha val="40000"/>
+                    </a:schemeClr>
+                  </a:outerShdw>
+                </a:effectLst>
+              </a:rPr>
+              <a:t>оно не масштабируемо (много статических маршрутов),</a:t>
+            </a:r>
+          </a:p>
+          <a:p>
+            <a:pPr marL="457200" indent="-457200" algn="just">
+              <a:buAutoNum type="arabicPeriod"/>
+            </a:pPr>
+            <a:r>
+              <a:rPr lang="ru-RU" sz="2000" dirty="0">
+                <a:ln w="0"/>
+                <a:solidFill>
+                  <a:srgbClr val="FFFFFF"/>
+                </a:solidFill>
+                <a:effectLst>
+                  <a:outerShdw blurRad="38100" dist="19050" dir="2700000" algn="tl" rotWithShape="0">
+                    <a:schemeClr val="dk1">
+                      <a:alpha val="40000"/>
+                    </a:schemeClr>
+                  </a:outerShdw>
+                </a:effectLst>
+              </a:rPr>
+              <a:t>мы сомневаемся, что теперь это можно назвать словом «</a:t>
+            </a:r>
+            <a:r>
+              <a:rPr lang="en-US" sz="2000" dirty="0">
+                <a:ln w="0"/>
+                <a:solidFill>
+                  <a:srgbClr val="FFFFFF"/>
+                </a:solidFill>
+                <a:effectLst>
+                  <a:outerShdw blurRad="38100" dist="19050" dir="2700000" algn="tl" rotWithShape="0">
+                    <a:schemeClr val="dk1">
+                      <a:alpha val="40000"/>
+                    </a:schemeClr>
+                  </a:outerShdw>
+                </a:effectLst>
+              </a:rPr>
+              <a:t>VPN</a:t>
+            </a:r>
+            <a:r>
+              <a:rPr lang="ru-RU" sz="2000" dirty="0">
+                <a:ln w="0"/>
+                <a:solidFill>
+                  <a:srgbClr val="FFFFFF"/>
+                </a:solidFill>
+                <a:effectLst>
+                  <a:outerShdw blurRad="38100" dist="19050" dir="2700000" algn="tl" rotWithShape="0">
+                    <a:schemeClr val="dk1">
+                      <a:alpha val="40000"/>
+                    </a:schemeClr>
+                  </a:outerShdw>
+                </a:effectLst>
+              </a:rPr>
+              <a:t>».</a:t>
+            </a:r>
+          </a:p>
+          <a:p>
+            <a:pPr algn="just"/>
+            <a:r>
+              <a:rPr lang="ru-RU" sz="2000" b="0" cap="none" spc="0" dirty="0">
+                <a:ln w="0"/>
+                <a:solidFill>
+                  <a:srgbClr val="FFFFFF"/>
+                </a:solidFill>
+                <a:effectLst>
+                  <a:outerShdw blurRad="38100" dist="19050" dir="2700000" algn="tl" rotWithShape="0">
+                    <a:schemeClr val="dk1">
+                      <a:alpha val="40000"/>
+                    </a:schemeClr>
+                  </a:outerShdw>
+                </a:effectLst>
+              </a:rPr>
+              <a:t>Но, не смотря на эти проблемы, это именно </a:t>
+            </a:r>
+            <a:r>
+              <a:rPr lang="en-US" sz="2000" b="0" cap="none" spc="0" dirty="0">
+                <a:ln w="0"/>
+                <a:solidFill>
+                  <a:srgbClr val="FFFFFF"/>
+                </a:solidFill>
+                <a:effectLst>
+                  <a:outerShdw blurRad="38100" dist="19050" dir="2700000" algn="tl" rotWithShape="0">
+                    <a:schemeClr val="dk1">
+                      <a:alpha val="40000"/>
+                    </a:schemeClr>
+                  </a:outerShdw>
+                </a:effectLst>
+              </a:rPr>
+              <a:t>L</a:t>
+            </a:r>
+            <a:r>
+              <a:rPr lang="en-US" sz="2000" dirty="0">
+                <a:ln w="0"/>
+                <a:solidFill>
+                  <a:srgbClr val="FFFFFF"/>
+                </a:solidFill>
+                <a:effectLst>
+                  <a:outerShdw blurRad="38100" dist="19050" dir="2700000" algn="tl" rotWithShape="0">
+                    <a:schemeClr val="dk1">
+                      <a:alpha val="40000"/>
+                    </a:schemeClr>
+                  </a:outerShdw>
+                </a:effectLst>
+              </a:rPr>
+              <a:t>2</a:t>
+            </a:r>
+            <a:r>
+              <a:rPr lang="ru-RU" sz="2000" dirty="0">
+                <a:ln w="0"/>
+                <a:solidFill>
+                  <a:srgbClr val="FFFFFF"/>
+                </a:solidFill>
+                <a:effectLst>
+                  <a:outerShdw blurRad="38100" dist="19050" dir="2700000" algn="tl" rotWithShape="0">
+                    <a:schemeClr val="dk1">
+                      <a:alpha val="40000"/>
+                    </a:schemeClr>
+                  </a:outerShdw>
+                </a:effectLst>
+              </a:rPr>
+              <a:t> туннель. </a:t>
+            </a:r>
+            <a:r>
+              <a:rPr lang="en-US" sz="2000" dirty="0">
+                <a:ln w="0"/>
+                <a:solidFill>
+                  <a:srgbClr val="FFFFFF"/>
+                </a:solidFill>
+                <a:effectLst>
+                  <a:outerShdw blurRad="38100" dist="19050" dir="2700000" algn="tl" rotWithShape="0">
+                    <a:schemeClr val="dk1">
+                      <a:alpha val="40000"/>
+                    </a:schemeClr>
+                  </a:outerShdw>
+                </a:effectLst>
+              </a:rPr>
+              <a:t> </a:t>
+            </a:r>
+            <a:endParaRPr lang="ru-RU" sz="2000" b="0" cap="none" spc="0" dirty="0">
+              <a:ln w="0"/>
+              <a:solidFill>
+                <a:srgbClr val="FFFFFF"/>
+              </a:solidFill>
+              <a:effectLst>
+                <a:outerShdw blurRad="38100" dist="19050" dir="2700000" algn="tl" rotWithShape="0">
+                  <a:schemeClr val="dk1">
+                    <a:alpha val="40000"/>
+                  </a:schemeClr>
+                </a:outerShdw>
+              </a:effectLst>
+            </a:endParaRPr>
+          </a:p>
+        </p:txBody>
+      </p:sp>
+      <p:sp>
+        <p:nvSpPr>
+          <p:cNvPr id="43" name="Прямоугольник 42">
+            <a:extLst>
+              <a:ext uri="{FF2B5EF4-FFF2-40B4-BE49-F238E27FC236}">
+                <a16:creationId xmlns:a16="http://schemas.microsoft.com/office/drawing/2014/main" id="{6BB3C59D-C777-B163-D1AA-91550C67EBF3}"/>
+              </a:ext>
+            </a:extLst>
+          </p:cNvPr>
+          <p:cNvSpPr/>
+          <p:nvPr/>
+        </p:nvSpPr>
+        <p:spPr>
+          <a:xfrm>
+            <a:off x="3968966" y="6423186"/>
+            <a:ext cx="3648075" cy="369332"/>
+          </a:xfrm>
+          <a:prstGeom prst="rect">
+            <a:avLst/>
+          </a:prstGeom>
+          <a:noFill/>
+        </p:spPr>
+        <p:txBody>
+          <a:bodyPr wrap="square" lIns="91440" tIns="45720" rIns="91440" bIns="45720">
+            <a:spAutoFit/>
+          </a:bodyPr>
+          <a:lstStyle/>
+          <a:p>
+            <a:pPr algn="just"/>
+            <a:r>
+              <a:rPr lang="ru-RU" b="0" cap="none" spc="0" dirty="0">
+                <a:ln w="0"/>
+                <a:solidFill>
+                  <a:srgbClr val="FFFFFF"/>
+                </a:solidFill>
+                <a:effectLst>
+                  <a:outerShdw blurRad="38100" dist="19050" dir="2700000" algn="tl" rotWithShape="0">
+                    <a:schemeClr val="dk1">
+                      <a:alpha val="40000"/>
+                    </a:schemeClr>
+                  </a:outerShdw>
+                </a:effectLst>
+              </a:rPr>
+              <a:t>Примерная схема </a:t>
+            </a:r>
+            <a:r>
+              <a:rPr lang="en-US" b="0" cap="none" spc="0" dirty="0">
+                <a:ln w="0"/>
+                <a:solidFill>
+                  <a:srgbClr val="FFFFFF"/>
+                </a:solidFill>
+                <a:effectLst>
+                  <a:outerShdw blurRad="38100" dist="19050" dir="2700000" algn="tl" rotWithShape="0">
+                    <a:schemeClr val="dk1">
+                      <a:alpha val="40000"/>
+                    </a:schemeClr>
+                  </a:outerShdw>
+                </a:effectLst>
+              </a:rPr>
+              <a:t>L2 </a:t>
+            </a:r>
+            <a:r>
+              <a:rPr lang="ru-RU" b="0" cap="none" spc="0" dirty="0">
+                <a:ln w="0"/>
+                <a:solidFill>
+                  <a:srgbClr val="FFFFFF"/>
+                </a:solidFill>
+                <a:effectLst>
+                  <a:outerShdw blurRad="38100" dist="19050" dir="2700000" algn="tl" rotWithShape="0">
+                    <a:schemeClr val="dk1">
+                      <a:alpha val="40000"/>
+                    </a:schemeClr>
+                  </a:outerShdw>
+                </a:effectLst>
+              </a:rPr>
+              <a:t>соединения -</a:t>
+            </a:r>
+            <a:r>
+              <a:rPr lang="en-US" b="0" cap="none" spc="0" dirty="0">
+                <a:ln w="0"/>
+                <a:solidFill>
+                  <a:srgbClr val="FFFFFF"/>
+                </a:solidFill>
+                <a:effectLst>
+                  <a:outerShdw blurRad="38100" dist="19050" dir="2700000" algn="tl" rotWithShape="0">
+                    <a:schemeClr val="dk1">
+                      <a:alpha val="40000"/>
+                    </a:schemeClr>
+                  </a:outerShdw>
+                </a:effectLst>
+              </a:rPr>
+              <a:t>&gt;</a:t>
+            </a:r>
+            <a:endParaRPr lang="ru-RU" b="0" cap="none" spc="0" dirty="0">
+              <a:ln w="0"/>
+              <a:solidFill>
+                <a:srgbClr val="FFFFFF"/>
+              </a:solidFill>
+              <a:effectLst>
+                <a:outerShdw blurRad="38100" dist="19050" dir="2700000" algn="tl" rotWithShape="0">
+                  <a:schemeClr val="dk1">
+                    <a:alpha val="40000"/>
+                  </a:schemeClr>
+                </a:outerShdw>
+              </a:effectLst>
+            </a:endParaRPr>
+          </a:p>
+        </p:txBody>
+      </p:sp>
     </p:spTree>
     <p:extLst>
       <p:ext uri="{BB962C8B-B14F-4D97-AF65-F5344CB8AC3E}">
@@ -11604,6 +12937,7 @@
       <p:pic>
         <p:nvPicPr>
           <p:cNvPr id="9" name="Объект 7">
+            <a:hlinkClick r:id="rId2"/>
             <a:extLst>
               <a:ext uri="{FF2B5EF4-FFF2-40B4-BE49-F238E27FC236}">
                 <a16:creationId xmlns:a16="http://schemas.microsoft.com/office/drawing/2014/main" id="{132CDCF5-FDBC-6BA3-70F7-18689E9B7F09}"/>
@@ -11618,7 +12952,7 @@
           </p:nvPr>
         </p:nvPicPr>
         <p:blipFill>
-          <a:blip r:embed="rId2">
+          <a:blip r:embed="rId3">
             <a:extLst>
               <a:ext uri="{28A0092B-C50C-407E-A947-70E740481C1C}">
                 <a14:useLocalDpi xmlns:a14="http://schemas.microsoft.com/office/drawing/2010/main" val="0"/>
@@ -11631,17 +12965,92 @@
         </p:blipFill>
         <p:spPr>
           <a:xfrm>
-            <a:off x="8980483" y="1157987"/>
-            <a:ext cx="457143" cy="433752"/>
+            <a:off x="7966922" y="3174361"/>
+            <a:ext cx="819740" cy="777796"/>
           </a:xfrm>
         </p:spPr>
       </p:pic>
       <p:pic>
         <p:nvPicPr>
           <p:cNvPr id="10" name="Рисунок 9">
+            <a:hlinkClick r:id="rId4"/>
             <a:extLst>
               <a:ext uri="{FF2B5EF4-FFF2-40B4-BE49-F238E27FC236}">
                 <a16:creationId xmlns:a16="http://schemas.microsoft.com/office/drawing/2014/main" id="{E4210B1B-E95C-71A4-858D-D721919CCFC4}"/>
+              </a:ext>
+            </a:extLst>
+          </p:cNvPr>
+          <p:cNvPicPr>
+            <a:picLocks noChangeAspect="1"/>
+          </p:cNvPicPr>
+          <p:nvPr/>
+        </p:nvPicPr>
+        <p:blipFill>
+          <a:blip r:embed="rId5">
+            <a:extLst>
+              <a:ext uri="{28A0092B-C50C-407E-A947-70E740481C1C}">
+                <a14:useLocalDpi xmlns:a14="http://schemas.microsoft.com/office/drawing/2010/main" val="0"/>
+              </a:ext>
+            </a:extLst>
+          </a:blip>
+          <a:stretch>
+            <a:fillRect/>
+          </a:stretch>
+        </p:blipFill>
+        <p:spPr>
+          <a:xfrm>
+            <a:off x="7957145" y="1599903"/>
+            <a:ext cx="792849" cy="752280"/>
+          </a:xfrm>
+          <a:prstGeom prst="rect">
+            <a:avLst/>
+          </a:prstGeom>
+        </p:spPr>
+      </p:pic>
+      <p:pic>
+        <p:nvPicPr>
+          <p:cNvPr id="11" name="Рисунок 10">
+            <a:hlinkClick r:id="rId6"/>
+            <a:extLst>
+              <a:ext uri="{FF2B5EF4-FFF2-40B4-BE49-F238E27FC236}">
+                <a16:creationId xmlns:a16="http://schemas.microsoft.com/office/drawing/2014/main" id="{9CE522D0-FD0B-6C12-7E70-6659CC7E8E99}"/>
+              </a:ext>
+            </a:extLst>
+          </p:cNvPr>
+          <p:cNvPicPr>
+            <a:picLocks noChangeAspect="1"/>
+          </p:cNvPicPr>
+          <p:nvPr/>
+        </p:nvPicPr>
+        <p:blipFill>
+          <a:blip r:embed="rId5">
+            <a:extLst>
+              <a:ext uri="{28A0092B-C50C-407E-A947-70E740481C1C}">
+                <a14:useLocalDpi xmlns:a14="http://schemas.microsoft.com/office/drawing/2010/main" val="0"/>
+              </a:ext>
+            </a:extLst>
+          </a:blip>
+          <a:stretch>
+            <a:fillRect/>
+          </a:stretch>
+        </p:blipFill>
+        <p:spPr>
+          <a:xfrm>
+            <a:off x="11019390" y="1599903"/>
+            <a:ext cx="792849" cy="752280"/>
+          </a:xfrm>
+          <a:prstGeom prst="rect">
+            <a:avLst/>
+          </a:prstGeom>
+        </p:spPr>
+      </p:pic>
+      <p:pic>
+        <p:nvPicPr>
+          <p:cNvPr id="12" name="Объект 7">
+            <a:hlinkClick r:id="rId7"/>
+            <a:extLst>
+              <a:ext uri="{FF2B5EF4-FFF2-40B4-BE49-F238E27FC236}">
+                <a16:creationId xmlns:a16="http://schemas.microsoft.com/office/drawing/2014/main" id="{64A9BB50-BE25-3038-46DC-C38DEABEB8E8}"/>
               </a:ext>
             </a:extLst>
           </p:cNvPr>
@@ -11664,8 +13073,8 @@
         </p:blipFill>
         <p:spPr>
           <a:xfrm>
-            <a:off x="8986997" y="355859"/>
-            <a:ext cx="442147" cy="419523"/>
+            <a:off x="11019391" y="3174360"/>
+            <a:ext cx="819740" cy="777796"/>
           </a:xfrm>
           <a:prstGeom prst="rect">
             <a:avLst/>
@@ -11674,10 +13083,11 @@
       </p:pic>
       <p:pic>
         <p:nvPicPr>
-          <p:cNvPr id="11" name="Рисунок 10">
-            <a:extLst>
-              <a:ext uri="{FF2B5EF4-FFF2-40B4-BE49-F238E27FC236}">
-                <a16:creationId xmlns:a16="http://schemas.microsoft.com/office/drawing/2014/main" id="{9CE522D0-FD0B-6C12-7E70-6659CC7E8E99}"/>
+          <p:cNvPr id="13" name="Рисунок 12">
+            <a:hlinkClick r:id="rId8"/>
+            <a:extLst>
+              <a:ext uri="{FF2B5EF4-FFF2-40B4-BE49-F238E27FC236}">
+                <a16:creationId xmlns:a16="http://schemas.microsoft.com/office/drawing/2014/main" id="{8AFD6836-43BF-E1DD-0BF9-1FAB674D15A6}"/>
               </a:ext>
             </a:extLst>
           </p:cNvPr>
@@ -11687,7 +13097,7 @@
           <p:nvPr/>
         </p:nvPicPr>
         <p:blipFill>
-          <a:blip r:embed="rId3">
+          <a:blip r:embed="rId5">
             <a:extLst>
               <a:ext uri="{28A0092B-C50C-407E-A947-70E740481C1C}">
                 <a14:useLocalDpi xmlns:a14="http://schemas.microsoft.com/office/drawing/2010/main" val="0"/>
@@ -11700,8 +13110,8 @@
         </p:blipFill>
         <p:spPr>
           <a:xfrm>
-            <a:off x="10742055" y="355860"/>
-            <a:ext cx="442147" cy="419523"/>
+            <a:off x="9540889" y="4150509"/>
+            <a:ext cx="792849" cy="752280"/>
           </a:xfrm>
           <a:prstGeom prst="rect">
             <a:avLst/>
@@ -11710,10 +13120,10 @@
       </p:pic>
       <p:pic>
         <p:nvPicPr>
-          <p:cNvPr id="12" name="Объект 7">
-            <a:extLst>
-              <a:ext uri="{FF2B5EF4-FFF2-40B4-BE49-F238E27FC236}">
-                <a16:creationId xmlns:a16="http://schemas.microsoft.com/office/drawing/2014/main" id="{64A9BB50-BE25-3038-46DC-C38DEABEB8E8}"/>
+          <p:cNvPr id="14" name="Рисунок 13">
+            <a:extLst>
+              <a:ext uri="{FF2B5EF4-FFF2-40B4-BE49-F238E27FC236}">
+                <a16:creationId xmlns:a16="http://schemas.microsoft.com/office/drawing/2014/main" id="{A128C236-400E-182D-F241-E77650EB291B}"/>
               </a:ext>
             </a:extLst>
           </p:cNvPr>
@@ -11723,7 +13133,7 @@
           <p:nvPr/>
         </p:nvPicPr>
         <p:blipFill>
-          <a:blip r:embed="rId2">
+          <a:blip r:embed="rId9">
             <a:extLst>
               <a:ext uri="{28A0092B-C50C-407E-A947-70E740481C1C}">
                 <a14:useLocalDpi xmlns:a14="http://schemas.microsoft.com/office/drawing/2010/main" val="0"/>
@@ -11736,80 +13146,8 @@
         </p:blipFill>
         <p:spPr>
           <a:xfrm>
-            <a:off x="10742055" y="1159748"/>
-            <a:ext cx="457143" cy="433752"/>
-          </a:xfrm>
-          <a:prstGeom prst="rect">
-            <a:avLst/>
-          </a:prstGeom>
-        </p:spPr>
-      </p:pic>
-      <p:pic>
-        <p:nvPicPr>
-          <p:cNvPr id="13" name="Рисунок 12">
-            <a:extLst>
-              <a:ext uri="{FF2B5EF4-FFF2-40B4-BE49-F238E27FC236}">
-                <a16:creationId xmlns:a16="http://schemas.microsoft.com/office/drawing/2014/main" id="{8AFD6836-43BF-E1DD-0BF9-1FAB674D15A6}"/>
-              </a:ext>
-            </a:extLst>
-          </p:cNvPr>
-          <p:cNvPicPr>
-            <a:picLocks noChangeAspect="1"/>
-          </p:cNvPicPr>
-          <p:nvPr/>
-        </p:nvPicPr>
-        <p:blipFill>
-          <a:blip r:embed="rId3">
-            <a:extLst>
-              <a:ext uri="{28A0092B-C50C-407E-A947-70E740481C1C}">
-                <a14:useLocalDpi xmlns:a14="http://schemas.microsoft.com/office/drawing/2010/main" val="0"/>
-              </a:ext>
-            </a:extLst>
-          </a:blip>
-          <a:stretch>
-            <a:fillRect/>
-          </a:stretch>
-        </p:blipFill>
-        <p:spPr>
-          <a:xfrm>
-            <a:off x="9903732" y="2032259"/>
-            <a:ext cx="442147" cy="419523"/>
-          </a:xfrm>
-          <a:prstGeom prst="rect">
-            <a:avLst/>
-          </a:prstGeom>
-        </p:spPr>
-      </p:pic>
-      <p:pic>
-        <p:nvPicPr>
-          <p:cNvPr id="14" name="Рисунок 13">
-            <a:extLst>
-              <a:ext uri="{FF2B5EF4-FFF2-40B4-BE49-F238E27FC236}">
-                <a16:creationId xmlns:a16="http://schemas.microsoft.com/office/drawing/2014/main" id="{A128C236-400E-182D-F241-E77650EB291B}"/>
-              </a:ext>
-            </a:extLst>
-          </p:cNvPr>
-          <p:cNvPicPr>
-            <a:picLocks noChangeAspect="1"/>
-          </p:cNvPicPr>
-          <p:nvPr/>
-        </p:nvPicPr>
-        <p:blipFill>
-          <a:blip r:embed="rId4">
-            <a:extLst>
-              <a:ext uri="{28A0092B-C50C-407E-A947-70E740481C1C}">
-                <a14:useLocalDpi xmlns:a14="http://schemas.microsoft.com/office/drawing/2010/main" val="0"/>
-              </a:ext>
-            </a:extLst>
-          </a:blip>
-          <a:stretch>
-            <a:fillRect/>
-          </a:stretch>
-        </p:blipFill>
-        <p:spPr>
-          <a:xfrm>
-            <a:off x="9833615" y="2897440"/>
-            <a:ext cx="574244" cy="544861"/>
+            <a:off x="9422451" y="5369649"/>
+            <a:ext cx="1029723" cy="977034"/>
           </a:xfrm>
           <a:prstGeom prst="rect">
             <a:avLst/>
@@ -11827,19 +13165,20 @@
           </p:cNvPr>
           <p:cNvCxnSpPr>
             <a:cxnSpLocks/>
+            <a:stCxn id="10" idx="3"/>
             <a:endCxn id="11" idx="1"/>
           </p:cNvCxnSpPr>
           <p:nvPr/>
         </p:nvCxnSpPr>
         <p:spPr>
-          <a:xfrm flipV="1">
-            <a:off x="9423367" y="565622"/>
-            <a:ext cx="1318688" cy="5477"/>
+          <a:xfrm>
+            <a:off x="8749994" y="1976043"/>
+            <a:ext cx="2269396" cy="0"/>
           </a:xfrm>
           <a:prstGeom prst="line">
             <a:avLst/>
           </a:prstGeom>
-          <a:ln w="19050"/>
+          <a:ln w="38100"/>
         </p:spPr>
         <p:style>
           <a:lnRef idx="1">
@@ -11873,13 +13212,13 @@
         </p:nvCxnSpPr>
         <p:spPr>
           <a:xfrm>
-            <a:off x="10963129" y="775383"/>
-            <a:ext cx="0" cy="465125"/>
+            <a:off x="11415815" y="2352183"/>
+            <a:ext cx="0" cy="981567"/>
           </a:xfrm>
           <a:prstGeom prst="line">
             <a:avLst/>
           </a:prstGeom>
-          <a:ln w="19050"/>
+          <a:ln w="38100"/>
         </p:spPr>
         <p:style>
           <a:lnRef idx="1">
@@ -11911,14 +13250,14 @@
           <p:nvPr/>
         </p:nvCxnSpPr>
         <p:spPr>
-          <a:xfrm>
-            <a:off x="9208070" y="798006"/>
-            <a:ext cx="0" cy="419859"/>
+          <a:xfrm flipH="1">
+            <a:off x="8612389" y="3557061"/>
+            <a:ext cx="2581275" cy="4934"/>
           </a:xfrm>
           <a:prstGeom prst="line">
             <a:avLst/>
           </a:prstGeom>
-          <a:ln w="19050"/>
+          <a:ln w="38100"/>
         </p:spPr>
         <p:style>
           <a:lnRef idx="1">
@@ -11952,13 +13291,13 @@
         </p:nvCxnSpPr>
         <p:spPr>
           <a:xfrm>
-            <a:off x="9208070" y="1532608"/>
-            <a:ext cx="916736" cy="499651"/>
+            <a:off x="8353570" y="3803393"/>
+            <a:ext cx="1583744" cy="347116"/>
           </a:xfrm>
           <a:prstGeom prst="line">
             <a:avLst/>
           </a:prstGeom>
-          <a:ln w="19050"/>
+          <a:ln w="38100"/>
         </p:spPr>
         <p:style>
           <a:lnRef idx="1">
@@ -11986,18 +13325,19 @@
           </p:cNvPr>
           <p:cNvCxnSpPr>
             <a:cxnSpLocks/>
+            <a:endCxn id="13" idx="0"/>
           </p:cNvCxnSpPr>
           <p:nvPr/>
         </p:nvCxnSpPr>
         <p:spPr>
           <a:xfrm flipH="1">
-            <a:off x="10124806" y="1532607"/>
-            <a:ext cx="838322" cy="499652"/>
+            <a:off x="9937314" y="3816547"/>
+            <a:ext cx="1478501" cy="333962"/>
           </a:xfrm>
           <a:prstGeom prst="line">
             <a:avLst/>
           </a:prstGeom>
-          <a:ln w="19050"/>
+          <a:ln w="38100"/>
         </p:spPr>
         <p:style>
           <a:lnRef idx="1">
@@ -12025,19 +13365,20 @@
           </p:cNvPr>
           <p:cNvCxnSpPr>
             <a:cxnSpLocks/>
+            <a:stCxn id="14" idx="0"/>
             <a:endCxn id="13" idx="2"/>
           </p:cNvCxnSpPr>
           <p:nvPr/>
         </p:nvCxnSpPr>
         <p:spPr>
           <a:xfrm flipV="1">
-            <a:off x="10124805" y="2451782"/>
-            <a:ext cx="1" cy="471476"/>
+            <a:off x="9937313" y="4902789"/>
+            <a:ext cx="1" cy="466860"/>
           </a:xfrm>
           <a:prstGeom prst="line">
             <a:avLst/>
           </a:prstGeom>
-          <a:ln w="19050"/>
+          <a:ln w="38100"/>
         </p:spPr>
         <p:style>
           <a:lnRef idx="1">
@@ -12054,210 +13395,500 @@
           </a:fontRef>
         </p:style>
       </p:cxnSp>
-      <p:pic>
-        <p:nvPicPr>
-          <p:cNvPr id="21" name="Объект 7">
-            <a:extLst>
-              <a:ext uri="{FF2B5EF4-FFF2-40B4-BE49-F238E27FC236}">
-                <a16:creationId xmlns:a16="http://schemas.microsoft.com/office/drawing/2014/main" id="{5288A9D8-4C8E-23C5-576C-1E719625EF40}"/>
-              </a:ext>
-            </a:extLst>
-          </p:cNvPr>
-          <p:cNvPicPr>
-            <a:picLocks noChangeAspect="1"/>
-          </p:cNvPicPr>
+      <p:sp>
+        <p:nvSpPr>
+          <p:cNvPr id="2" name="Прямоугольник 1">
+            <a:extLst>
+              <a:ext uri="{FF2B5EF4-FFF2-40B4-BE49-F238E27FC236}">
+                <a16:creationId xmlns:a16="http://schemas.microsoft.com/office/drawing/2014/main" id="{807DA5C0-6F84-04ED-55FD-F24E4D7A4B5B}"/>
+              </a:ext>
+            </a:extLst>
+          </p:cNvPr>
+          <p:cNvSpPr/>
           <p:nvPr/>
-        </p:nvPicPr>
-        <p:blipFill>
-          <a:blip r:embed="rId2">
-            <a:extLst>
-              <a:ext uri="{28A0092B-C50C-407E-A947-70E740481C1C}">
-                <a14:useLocalDpi xmlns:a14="http://schemas.microsoft.com/office/drawing/2010/main" val="0"/>
-              </a:ext>
-            </a:extLst>
-          </a:blip>
-          <a:stretch>
-            <a:fillRect/>
-          </a:stretch>
-        </p:blipFill>
-        <p:spPr>
-          <a:xfrm>
-            <a:off x="8913838" y="4369496"/>
-            <a:ext cx="457143" cy="433752"/>
+        </p:nvSpPr>
+        <p:spPr>
+          <a:xfrm>
+            <a:off x="992494" y="1180465"/>
+            <a:ext cx="5495927" cy="5324535"/>
           </a:xfrm>
           <a:prstGeom prst="rect">
             <a:avLst/>
           </a:prstGeom>
-        </p:spPr>
-      </p:pic>
-      <p:pic>
-        <p:nvPicPr>
-          <p:cNvPr id="22" name="Рисунок 21">
-            <a:extLst>
-              <a:ext uri="{FF2B5EF4-FFF2-40B4-BE49-F238E27FC236}">
-                <a16:creationId xmlns:a16="http://schemas.microsoft.com/office/drawing/2014/main" id="{B5E8F5C4-625E-0890-DC44-BC69F29B7A28}"/>
-              </a:ext>
-            </a:extLst>
-          </p:cNvPr>
-          <p:cNvPicPr>
-            <a:picLocks noChangeAspect="1"/>
-          </p:cNvPicPr>
-          <p:nvPr/>
-        </p:nvPicPr>
-        <p:blipFill>
-          <a:blip r:embed="rId3">
-            <a:extLst>
-              <a:ext uri="{28A0092B-C50C-407E-A947-70E740481C1C}">
-                <a14:useLocalDpi xmlns:a14="http://schemas.microsoft.com/office/drawing/2010/main" val="0"/>
-              </a:ext>
-            </a:extLst>
-          </a:blip>
-          <a:stretch>
-            <a:fillRect/>
-          </a:stretch>
-        </p:blipFill>
-        <p:spPr>
-          <a:xfrm>
-            <a:off x="8920352" y="3567368"/>
-            <a:ext cx="442147" cy="419523"/>
-          </a:xfrm>
-          <a:prstGeom prst="rect">
-            <a:avLst/>
-          </a:prstGeom>
-        </p:spPr>
-      </p:pic>
-      <p:pic>
-        <p:nvPicPr>
-          <p:cNvPr id="23" name="Рисунок 22">
-            <a:extLst>
-              <a:ext uri="{FF2B5EF4-FFF2-40B4-BE49-F238E27FC236}">
-                <a16:creationId xmlns:a16="http://schemas.microsoft.com/office/drawing/2014/main" id="{886E7028-92D6-DFB1-5F3A-3CDF44F2B82B}"/>
-              </a:ext>
-            </a:extLst>
-          </p:cNvPr>
-          <p:cNvPicPr>
-            <a:picLocks noChangeAspect="1"/>
-          </p:cNvPicPr>
-          <p:nvPr/>
-        </p:nvPicPr>
-        <p:blipFill>
-          <a:blip r:embed="rId3">
-            <a:extLst>
-              <a:ext uri="{28A0092B-C50C-407E-A947-70E740481C1C}">
-                <a14:useLocalDpi xmlns:a14="http://schemas.microsoft.com/office/drawing/2010/main" val="0"/>
-              </a:ext>
-            </a:extLst>
-          </a:blip>
-          <a:stretch>
-            <a:fillRect/>
-          </a:stretch>
-        </p:blipFill>
-        <p:spPr>
-          <a:xfrm>
-            <a:off x="10675410" y="3567369"/>
-            <a:ext cx="442147" cy="419523"/>
-          </a:xfrm>
-          <a:prstGeom prst="rect">
-            <a:avLst/>
-          </a:prstGeom>
-        </p:spPr>
-      </p:pic>
-      <p:pic>
-        <p:nvPicPr>
-          <p:cNvPr id="24" name="Объект 7">
-            <a:extLst>
-              <a:ext uri="{FF2B5EF4-FFF2-40B4-BE49-F238E27FC236}">
-                <a16:creationId xmlns:a16="http://schemas.microsoft.com/office/drawing/2014/main" id="{15BF13C8-56B8-28D9-B1AD-C390C19F0E4B}"/>
-              </a:ext>
-            </a:extLst>
-          </p:cNvPr>
-          <p:cNvPicPr>
-            <a:picLocks noChangeAspect="1"/>
-          </p:cNvPicPr>
-          <p:nvPr/>
-        </p:nvPicPr>
-        <p:blipFill>
-          <a:blip r:embed="rId2">
-            <a:extLst>
-              <a:ext uri="{28A0092B-C50C-407E-A947-70E740481C1C}">
-                <a14:useLocalDpi xmlns:a14="http://schemas.microsoft.com/office/drawing/2010/main" val="0"/>
-              </a:ext>
-            </a:extLst>
-          </a:blip>
-          <a:stretch>
-            <a:fillRect/>
-          </a:stretch>
-        </p:blipFill>
-        <p:spPr>
-          <a:xfrm>
-            <a:off x="10675410" y="4371257"/>
-            <a:ext cx="457143" cy="433752"/>
-          </a:xfrm>
-          <a:prstGeom prst="rect">
-            <a:avLst/>
-          </a:prstGeom>
-        </p:spPr>
-      </p:pic>
-      <p:pic>
-        <p:nvPicPr>
-          <p:cNvPr id="26" name="Рисунок 25">
-            <a:extLst>
-              <a:ext uri="{FF2B5EF4-FFF2-40B4-BE49-F238E27FC236}">
-                <a16:creationId xmlns:a16="http://schemas.microsoft.com/office/drawing/2014/main" id="{09850F2D-9569-51AD-B2AD-C6E83B252673}"/>
-              </a:ext>
-            </a:extLst>
-          </p:cNvPr>
-          <p:cNvPicPr>
-            <a:picLocks noChangeAspect="1"/>
-          </p:cNvPicPr>
-          <p:nvPr/>
-        </p:nvPicPr>
-        <p:blipFill>
-          <a:blip r:embed="rId4">
-            <a:extLst>
-              <a:ext uri="{28A0092B-C50C-407E-A947-70E740481C1C}">
-                <a14:useLocalDpi xmlns:a14="http://schemas.microsoft.com/office/drawing/2010/main" val="0"/>
-              </a:ext>
-            </a:extLst>
-          </a:blip>
-          <a:stretch>
-            <a:fillRect/>
-          </a:stretch>
-        </p:blipFill>
-        <p:spPr>
-          <a:xfrm>
-            <a:off x="9766970" y="5963692"/>
-            <a:ext cx="574244" cy="544861"/>
-          </a:xfrm>
-          <a:prstGeom prst="rect">
-            <a:avLst/>
-          </a:prstGeom>
-        </p:spPr>
-      </p:pic>
+          <a:noFill/>
+        </p:spPr>
+        <p:txBody>
+          <a:bodyPr wrap="square" lIns="91440" tIns="45720" rIns="91440" bIns="45720">
+            <a:spAutoFit/>
+          </a:bodyPr>
+          <a:lstStyle/>
+          <a:p>
+            <a:pPr algn="just"/>
+            <a:r>
+              <a:rPr lang="ru-RU" sz="2000" b="0" cap="none" spc="0" dirty="0">
+                <a:ln w="0"/>
+                <a:solidFill>
+                  <a:srgbClr val="FFFFFF"/>
+                </a:solidFill>
+                <a:effectLst>
+                  <a:outerShdw blurRad="38100" dist="19050" dir="2700000" algn="tl" rotWithShape="0">
+                    <a:schemeClr val="dk1">
+                      <a:alpha val="40000"/>
+                    </a:schemeClr>
+                  </a:outerShdw>
+                </a:effectLst>
+              </a:rPr>
+              <a:t>Это задание было очень интересным!</a:t>
+            </a:r>
+            <a:r>
+              <a:rPr lang="en-US" sz="2000" dirty="0">
+                <a:ln w="0"/>
+                <a:solidFill>
+                  <a:srgbClr val="FFFFFF"/>
+                </a:solidFill>
+                <a:effectLst>
+                  <a:outerShdw blurRad="38100" dist="19050" dir="2700000" algn="tl" rotWithShape="0">
+                    <a:schemeClr val="dk1">
+                      <a:alpha val="40000"/>
+                    </a:schemeClr>
+                  </a:outerShdw>
+                </a:effectLst>
+              </a:rPr>
+              <a:t> VRRP </a:t>
+            </a:r>
+            <a:r>
+              <a:rPr lang="ru-RU" sz="2000" dirty="0">
+                <a:ln w="0"/>
+                <a:solidFill>
+                  <a:srgbClr val="FFFFFF"/>
+                </a:solidFill>
+                <a:effectLst>
+                  <a:outerShdw blurRad="38100" dist="19050" dir="2700000" algn="tl" rotWithShape="0">
+                    <a:schemeClr val="dk1">
+                      <a:alpha val="40000"/>
+                    </a:schemeClr>
+                  </a:outerShdw>
+                </a:effectLst>
+              </a:rPr>
+              <a:t>в </a:t>
+            </a:r>
+            <a:r>
+              <a:rPr lang="en-US" sz="2000" dirty="0">
+                <a:ln w="0"/>
+                <a:solidFill>
+                  <a:srgbClr val="FFFFFF"/>
+                </a:solidFill>
+                <a:effectLst>
+                  <a:outerShdw blurRad="38100" dist="19050" dir="2700000" algn="tl" rotWithShape="0">
+                    <a:schemeClr val="dk1">
+                      <a:alpha val="40000"/>
+                    </a:schemeClr>
+                  </a:outerShdw>
+                </a:effectLst>
+              </a:rPr>
+              <a:t>CPT </a:t>
+            </a:r>
+            <a:r>
+              <a:rPr lang="ru-RU" sz="2000" dirty="0">
+                <a:ln w="0"/>
+                <a:solidFill>
+                  <a:srgbClr val="FFFFFF"/>
+                </a:solidFill>
+                <a:effectLst>
+                  <a:outerShdw blurRad="38100" dist="19050" dir="2700000" algn="tl" rotWithShape="0">
+                    <a:schemeClr val="dk1">
+                      <a:alpha val="40000"/>
+                    </a:schemeClr>
+                  </a:outerShdw>
+                </a:effectLst>
+              </a:rPr>
+              <a:t>нет, но у </a:t>
+            </a:r>
+            <a:r>
+              <a:rPr lang="en-US" sz="2000" dirty="0">
+                <a:ln w="0"/>
+                <a:solidFill>
+                  <a:srgbClr val="FFFFFF"/>
+                </a:solidFill>
+                <a:effectLst>
+                  <a:outerShdw blurRad="38100" dist="19050" dir="2700000" algn="tl" rotWithShape="0">
+                    <a:schemeClr val="dk1">
+                      <a:alpha val="40000"/>
+                    </a:schemeClr>
+                  </a:outerShdw>
+                </a:effectLst>
+              </a:rPr>
+              <a:t>Cisco </a:t>
+            </a:r>
+            <a:r>
+              <a:rPr lang="ru-RU" sz="2000" dirty="0">
+                <a:ln w="0"/>
+                <a:solidFill>
+                  <a:srgbClr val="FFFFFF"/>
+                </a:solidFill>
+                <a:effectLst>
+                  <a:outerShdw blurRad="38100" dist="19050" dir="2700000" algn="tl" rotWithShape="0">
+                    <a:schemeClr val="dk1">
+                      <a:alpha val="40000"/>
+                    </a:schemeClr>
+                  </a:outerShdw>
+                </a:effectLst>
+              </a:rPr>
+              <a:t>существует своя технология резервирования </a:t>
+            </a:r>
+            <a:r>
+              <a:rPr lang="en-US" sz="2000" dirty="0">
+                <a:ln w="0"/>
+                <a:solidFill>
+                  <a:srgbClr val="FFFFFF"/>
+                </a:solidFill>
+                <a:effectLst>
+                  <a:outerShdw blurRad="38100" dist="19050" dir="2700000" algn="tl" rotWithShape="0">
+                    <a:schemeClr val="dk1">
+                      <a:alpha val="40000"/>
+                    </a:schemeClr>
+                  </a:outerShdw>
+                </a:effectLst>
+              </a:rPr>
+              <a:t>IP-</a:t>
+            </a:r>
+            <a:r>
+              <a:rPr lang="ru-RU" sz="2000" dirty="0">
+                <a:ln w="0"/>
+                <a:solidFill>
+                  <a:srgbClr val="FFFFFF"/>
+                </a:solidFill>
+                <a:effectLst>
+                  <a:outerShdw blurRad="38100" dist="19050" dir="2700000" algn="tl" rotWithShape="0">
+                    <a:schemeClr val="dk1">
+                      <a:alpha val="40000"/>
+                    </a:schemeClr>
+                  </a:outerShdw>
+                </a:effectLst>
+              </a:rPr>
+              <a:t>сетей: </a:t>
+            </a:r>
+            <a:r>
+              <a:rPr lang="en-US" sz="2000" dirty="0">
+                <a:ln w="0"/>
+                <a:solidFill>
+                  <a:srgbClr val="FFFFFF"/>
+                </a:solidFill>
+                <a:effectLst>
+                  <a:outerShdw blurRad="38100" dist="19050" dir="2700000" algn="tl" rotWithShape="0">
+                    <a:schemeClr val="dk1">
+                      <a:alpha val="40000"/>
+                    </a:schemeClr>
+                  </a:outerShdw>
+                </a:effectLst>
+              </a:rPr>
+              <a:t>HCRP. </a:t>
+            </a:r>
+            <a:r>
+              <a:rPr lang="ru-RU" sz="2000" dirty="0">
+                <a:ln w="0"/>
+                <a:solidFill>
+                  <a:srgbClr val="FFFFFF"/>
+                </a:solidFill>
+                <a:effectLst>
+                  <a:outerShdw blurRad="38100" dist="19050" dir="2700000" algn="tl" rotWithShape="0">
+                    <a:schemeClr val="dk1">
+                      <a:alpha val="40000"/>
+                    </a:schemeClr>
+                  </a:outerShdw>
+                </a:effectLst>
+              </a:rPr>
+              <a:t>Его мы и использовали.</a:t>
+            </a:r>
+          </a:p>
+          <a:p>
+            <a:pPr algn="just"/>
+            <a:endParaRPr lang="ru-RU" sz="2000" dirty="0">
+              <a:ln w="0"/>
+              <a:solidFill>
+                <a:srgbClr val="FFFFFF"/>
+              </a:solidFill>
+              <a:effectLst>
+                <a:outerShdw blurRad="38100" dist="19050" dir="2700000" algn="tl" rotWithShape="0">
+                  <a:schemeClr val="dk1">
+                    <a:alpha val="40000"/>
+                  </a:schemeClr>
+                </a:outerShdw>
+              </a:effectLst>
+            </a:endParaRPr>
+          </a:p>
+          <a:p>
+            <a:pPr algn="just"/>
+            <a:r>
+              <a:rPr lang="ru-RU" sz="2000" dirty="0">
+                <a:ln w="0"/>
+                <a:solidFill>
+                  <a:srgbClr val="FFFFFF"/>
+                </a:solidFill>
+                <a:effectLst>
+                  <a:outerShdw blurRad="38100" dist="19050" dir="2700000" algn="tl" rotWithShape="0">
+                    <a:schemeClr val="dk1">
+                      <a:alpha val="40000"/>
+                    </a:schemeClr>
+                  </a:outerShdw>
+                </a:effectLst>
+              </a:rPr>
+              <a:t>При реализации возникла проблема: мы без понятия, как в </a:t>
+            </a:r>
+            <a:r>
+              <a:rPr lang="en-US" sz="2000" dirty="0">
+                <a:ln w="0"/>
+                <a:solidFill>
+                  <a:srgbClr val="FFFFFF"/>
+                </a:solidFill>
+                <a:effectLst>
+                  <a:outerShdw blurRad="38100" dist="19050" dir="2700000" algn="tl" rotWithShape="0">
+                    <a:schemeClr val="dk1">
+                      <a:alpha val="40000"/>
+                    </a:schemeClr>
+                  </a:outerShdw>
+                </a:effectLst>
+              </a:rPr>
+              <a:t>CPT </a:t>
+            </a:r>
+            <a:r>
+              <a:rPr lang="ru-RU" sz="2000" dirty="0">
+                <a:ln w="0"/>
+                <a:solidFill>
+                  <a:srgbClr val="FFFFFF"/>
+                </a:solidFill>
+                <a:effectLst>
+                  <a:outerShdw blurRad="38100" dist="19050" dir="2700000" algn="tl" rotWithShape="0">
+                    <a:schemeClr val="dk1">
+                      <a:alpha val="40000"/>
+                    </a:schemeClr>
+                  </a:outerShdw>
+                </a:effectLst>
+              </a:rPr>
+              <a:t> настроить агрегацию портов на конечном устройстве (сервере).</a:t>
+            </a:r>
+          </a:p>
+          <a:p>
+            <a:pPr algn="just"/>
+            <a:endParaRPr lang="ru-RU" sz="2000" dirty="0">
+              <a:ln w="0"/>
+              <a:solidFill>
+                <a:srgbClr val="FFFFFF"/>
+              </a:solidFill>
+              <a:effectLst>
+                <a:outerShdw blurRad="38100" dist="19050" dir="2700000" algn="tl" rotWithShape="0">
+                  <a:schemeClr val="dk1">
+                    <a:alpha val="40000"/>
+                  </a:schemeClr>
+                </a:outerShdw>
+              </a:effectLst>
+            </a:endParaRPr>
+          </a:p>
+          <a:p>
+            <a:pPr algn="just"/>
+            <a:r>
+              <a:rPr lang="ru-RU" sz="2000" dirty="0">
+                <a:ln w="0"/>
+                <a:solidFill>
+                  <a:srgbClr val="FFFFFF"/>
+                </a:solidFill>
+                <a:effectLst>
+                  <a:outerShdw blurRad="38100" dist="19050" dir="2700000" algn="tl" rotWithShape="0">
+                    <a:schemeClr val="dk1">
+                      <a:alpha val="40000"/>
+                    </a:schemeClr>
+                  </a:outerShdw>
+                </a:effectLst>
+              </a:rPr>
+              <a:t>Мы решили поставить вместо сервера маршрутизатор. Его можно использовать вместо сервера для </a:t>
+            </a:r>
+            <a:r>
+              <a:rPr lang="en-US" sz="2000" dirty="0">
+                <a:ln w="0"/>
+                <a:solidFill>
+                  <a:srgbClr val="FFFFFF"/>
+                </a:solidFill>
+                <a:effectLst>
+                  <a:outerShdw blurRad="38100" dist="19050" dir="2700000" algn="tl" rotWithShape="0">
+                    <a:schemeClr val="dk1">
+                      <a:alpha val="40000"/>
+                    </a:schemeClr>
+                  </a:outerShdw>
+                </a:effectLst>
+              </a:rPr>
+              <a:t>DNS </a:t>
+            </a:r>
+            <a:r>
+              <a:rPr lang="ru-RU" sz="2000" dirty="0">
+                <a:ln w="0"/>
+                <a:solidFill>
+                  <a:srgbClr val="FFFFFF"/>
+                </a:solidFill>
+                <a:effectLst>
+                  <a:outerShdw blurRad="38100" dist="19050" dir="2700000" algn="tl" rotWithShape="0">
+                    <a:schemeClr val="dk1">
+                      <a:alpha val="40000"/>
+                    </a:schemeClr>
+                  </a:outerShdw>
+                </a:effectLst>
+              </a:rPr>
+              <a:t>и </a:t>
+            </a:r>
+            <a:r>
+              <a:rPr lang="en-US" sz="2000" dirty="0">
+                <a:ln w="0"/>
+                <a:solidFill>
+                  <a:srgbClr val="FFFFFF"/>
+                </a:solidFill>
+                <a:effectLst>
+                  <a:outerShdw blurRad="38100" dist="19050" dir="2700000" algn="tl" rotWithShape="0">
+                    <a:schemeClr val="dk1">
+                      <a:alpha val="40000"/>
+                    </a:schemeClr>
+                  </a:outerShdw>
+                </a:effectLst>
+              </a:rPr>
+              <a:t>DHCP. </a:t>
+            </a:r>
+            <a:r>
+              <a:rPr lang="ru-RU" sz="2000" dirty="0">
+                <a:ln w="0"/>
+                <a:solidFill>
+                  <a:srgbClr val="FFFFFF"/>
+                </a:solidFill>
+                <a:effectLst>
+                  <a:outerShdw blurRad="38100" dist="19050" dir="2700000" algn="tl" rotWithShape="0">
+                    <a:schemeClr val="dk1">
+                      <a:alpha val="40000"/>
+                    </a:schemeClr>
+                  </a:outerShdw>
+                </a:effectLst>
+              </a:rPr>
+              <a:t>За маршрутизатором поставили сервер и выпустили его в интернет с помощью </a:t>
+            </a:r>
+            <a:r>
+              <a:rPr lang="en-US" sz="2000" dirty="0">
+                <a:ln w="0"/>
+                <a:solidFill>
+                  <a:srgbClr val="FFFFFF"/>
+                </a:solidFill>
+                <a:effectLst>
+                  <a:outerShdw blurRad="38100" dist="19050" dir="2700000" algn="tl" rotWithShape="0">
+                    <a:schemeClr val="dk1">
+                      <a:alpha val="40000"/>
+                    </a:schemeClr>
+                  </a:outerShdw>
+                </a:effectLst>
+              </a:rPr>
+              <a:t>NAT.</a:t>
+            </a:r>
+            <a:r>
+              <a:rPr lang="ru-RU" sz="2000" dirty="0">
+                <a:ln w="0"/>
+                <a:solidFill>
+                  <a:srgbClr val="FFFFFF"/>
+                </a:solidFill>
+                <a:effectLst>
+                  <a:outerShdw blurRad="38100" dist="19050" dir="2700000" algn="tl" rotWithShape="0">
+                    <a:schemeClr val="dk1">
+                      <a:alpha val="40000"/>
+                    </a:schemeClr>
+                  </a:outerShdw>
+                </a:effectLst>
+              </a:rPr>
+              <a:t> На сервере настроили </a:t>
+            </a:r>
+            <a:r>
+              <a:rPr lang="en-US" sz="2000" dirty="0">
+                <a:ln w="0"/>
+                <a:solidFill>
+                  <a:srgbClr val="FFFFFF"/>
+                </a:solidFill>
+                <a:effectLst>
+                  <a:outerShdw blurRad="38100" dist="19050" dir="2700000" algn="tl" rotWithShape="0">
+                    <a:schemeClr val="dk1">
+                      <a:alpha val="40000"/>
+                    </a:schemeClr>
+                  </a:outerShdw>
+                </a:effectLst>
+              </a:rPr>
+              <a:t>http/https </a:t>
+            </a:r>
+            <a:r>
+              <a:rPr lang="ru-RU" sz="2000" dirty="0">
+                <a:ln w="0"/>
+                <a:solidFill>
+                  <a:srgbClr val="FFFFFF"/>
+                </a:solidFill>
+                <a:effectLst>
+                  <a:outerShdw blurRad="38100" dist="19050" dir="2700000" algn="tl" rotWithShape="0">
+                    <a:schemeClr val="dk1">
+                      <a:alpha val="40000"/>
+                    </a:schemeClr>
+                  </a:outerShdw>
+                </a:effectLst>
+              </a:rPr>
+              <a:t>сайт. С помощью статического </a:t>
+            </a:r>
+            <a:r>
+              <a:rPr lang="en-US" sz="2000" dirty="0">
+                <a:ln w="0"/>
+                <a:solidFill>
+                  <a:srgbClr val="FFFFFF"/>
+                </a:solidFill>
+                <a:effectLst>
+                  <a:outerShdw blurRad="38100" dist="19050" dir="2700000" algn="tl" rotWithShape="0">
+                    <a:schemeClr val="dk1">
+                      <a:alpha val="40000"/>
+                    </a:schemeClr>
+                  </a:outerShdw>
+                </a:effectLst>
+              </a:rPr>
+              <a:t>NAT</a:t>
+            </a:r>
+            <a:r>
+              <a:rPr lang="ru-RU" sz="2000" dirty="0">
+                <a:ln w="0"/>
+                <a:solidFill>
+                  <a:srgbClr val="FFFFFF"/>
+                </a:solidFill>
+                <a:effectLst>
+                  <a:outerShdw blurRad="38100" dist="19050" dir="2700000" algn="tl" rotWithShape="0">
+                    <a:schemeClr val="dk1">
+                      <a:alpha val="40000"/>
+                    </a:schemeClr>
+                  </a:outerShdw>
+                </a:effectLst>
+              </a:rPr>
+              <a:t> обеспечили доступ к сайту через адрес маршрутизатора. На сайт можно попасть с любого устройства сети!</a:t>
+            </a:r>
+          </a:p>
+        </p:txBody>
+      </p:sp>
       <p:cxnSp>
         <p:nvCxnSpPr>
-          <p:cNvPr id="27" name="Прямая соединительная линия 26">
-            <a:extLst>
-              <a:ext uri="{FF2B5EF4-FFF2-40B4-BE49-F238E27FC236}">
-                <a16:creationId xmlns:a16="http://schemas.microsoft.com/office/drawing/2014/main" id="{ABBFEB5F-794E-2D02-F203-76B4166D0B70}"/>
+          <p:cNvPr id="3" name="Прямая соединительная линия 2">
+            <a:extLst>
+              <a:ext uri="{FF2B5EF4-FFF2-40B4-BE49-F238E27FC236}">
+                <a16:creationId xmlns:a16="http://schemas.microsoft.com/office/drawing/2014/main" id="{29E75479-8311-0DD5-E277-125E66166B4B}"/>
               </a:ext>
             </a:extLst>
           </p:cNvPr>
           <p:cNvCxnSpPr>
             <a:cxnSpLocks/>
-            <a:endCxn id="23" idx="1"/>
+            <a:endCxn id="10" idx="2"/>
           </p:cNvCxnSpPr>
           <p:nvPr/>
         </p:nvCxnSpPr>
         <p:spPr>
           <a:xfrm flipV="1">
-            <a:off x="9356722" y="3777131"/>
-            <a:ext cx="1318688" cy="5477"/>
+            <a:off x="8353570" y="2352183"/>
+            <a:ext cx="0" cy="981567"/>
           </a:xfrm>
           <a:prstGeom prst="line">
             <a:avLst/>
           </a:prstGeom>
-          <a:ln w="19050"/>
+          <a:ln w="38100"/>
         </p:spPr>
         <p:style>
           <a:lnRef idx="1">
@@ -12274,238 +13905,6 @@
           </a:fontRef>
         </p:style>
       </p:cxnSp>
-      <p:cxnSp>
-        <p:nvCxnSpPr>
-          <p:cNvPr id="28" name="Прямая соединительная линия 27">
-            <a:extLst>
-              <a:ext uri="{FF2B5EF4-FFF2-40B4-BE49-F238E27FC236}">
-                <a16:creationId xmlns:a16="http://schemas.microsoft.com/office/drawing/2014/main" id="{848664F6-0B38-B266-DA90-073E76BB3F0C}"/>
-              </a:ext>
-            </a:extLst>
-          </p:cNvPr>
-          <p:cNvCxnSpPr>
-            <a:cxnSpLocks/>
-            <a:stCxn id="23" idx="2"/>
-          </p:cNvCxnSpPr>
-          <p:nvPr/>
-        </p:nvCxnSpPr>
-        <p:spPr>
-          <a:xfrm>
-            <a:off x="10896484" y="3986892"/>
-            <a:ext cx="0" cy="465125"/>
-          </a:xfrm>
-          <a:prstGeom prst="line">
-            <a:avLst/>
-          </a:prstGeom>
-          <a:ln w="19050"/>
-        </p:spPr>
-        <p:style>
-          <a:lnRef idx="1">
-            <a:schemeClr val="dk1"/>
-          </a:lnRef>
-          <a:fillRef idx="0">
-            <a:schemeClr val="dk1"/>
-          </a:fillRef>
-          <a:effectRef idx="0">
-            <a:schemeClr val="dk1"/>
-          </a:effectRef>
-          <a:fontRef idx="minor">
-            <a:schemeClr val="tx1"/>
-          </a:fontRef>
-        </p:style>
-      </p:cxnSp>
-      <p:cxnSp>
-        <p:nvCxnSpPr>
-          <p:cNvPr id="29" name="Прямая соединительная линия 28">
-            <a:extLst>
-              <a:ext uri="{FF2B5EF4-FFF2-40B4-BE49-F238E27FC236}">
-                <a16:creationId xmlns:a16="http://schemas.microsoft.com/office/drawing/2014/main" id="{E7BA87FC-C995-2D42-7AF6-D5864C4B2A4F}"/>
-              </a:ext>
-            </a:extLst>
-          </p:cNvPr>
-          <p:cNvCxnSpPr>
-            <a:cxnSpLocks/>
-          </p:cNvCxnSpPr>
-          <p:nvPr/>
-        </p:nvCxnSpPr>
-        <p:spPr>
-          <a:xfrm>
-            <a:off x="9141425" y="4009515"/>
-            <a:ext cx="0" cy="419859"/>
-          </a:xfrm>
-          <a:prstGeom prst="line">
-            <a:avLst/>
-          </a:prstGeom>
-          <a:ln w="19050"/>
-        </p:spPr>
-        <p:style>
-          <a:lnRef idx="1">
-            <a:schemeClr val="dk1"/>
-          </a:lnRef>
-          <a:fillRef idx="0">
-            <a:schemeClr val="dk1"/>
-          </a:fillRef>
-          <a:effectRef idx="0">
-            <a:schemeClr val="dk1"/>
-          </a:effectRef>
-          <a:fontRef idx="minor">
-            <a:schemeClr val="tx1"/>
-          </a:fontRef>
-        </p:style>
-      </p:cxnSp>
-      <p:cxnSp>
-        <p:nvCxnSpPr>
-          <p:cNvPr id="30" name="Прямая соединительная линия 29">
-            <a:extLst>
-              <a:ext uri="{FF2B5EF4-FFF2-40B4-BE49-F238E27FC236}">
-                <a16:creationId xmlns:a16="http://schemas.microsoft.com/office/drawing/2014/main" id="{950CBFC9-9345-3682-986C-25CC3AC3AB22}"/>
-              </a:ext>
-            </a:extLst>
-          </p:cNvPr>
-          <p:cNvCxnSpPr>
-            <a:cxnSpLocks/>
-          </p:cNvCxnSpPr>
-          <p:nvPr/>
-        </p:nvCxnSpPr>
-        <p:spPr>
-          <a:xfrm>
-            <a:off x="9141425" y="4744117"/>
-            <a:ext cx="774100" cy="549647"/>
-          </a:xfrm>
-          <a:prstGeom prst="line">
-            <a:avLst/>
-          </a:prstGeom>
-          <a:ln w="19050"/>
-        </p:spPr>
-        <p:style>
-          <a:lnRef idx="1">
-            <a:schemeClr val="dk1"/>
-          </a:lnRef>
-          <a:fillRef idx="0">
-            <a:schemeClr val="dk1"/>
-          </a:fillRef>
-          <a:effectRef idx="0">
-            <a:schemeClr val="dk1"/>
-          </a:effectRef>
-          <a:fontRef idx="minor">
-            <a:schemeClr val="tx1"/>
-          </a:fontRef>
-        </p:style>
-      </p:cxnSp>
-      <p:cxnSp>
-        <p:nvCxnSpPr>
-          <p:cNvPr id="31" name="Прямая соединительная линия 30">
-            <a:extLst>
-              <a:ext uri="{FF2B5EF4-FFF2-40B4-BE49-F238E27FC236}">
-                <a16:creationId xmlns:a16="http://schemas.microsoft.com/office/drawing/2014/main" id="{C40B41FC-CBF9-7268-3362-6E6B4C94D04E}"/>
-              </a:ext>
-            </a:extLst>
-          </p:cNvPr>
-          <p:cNvCxnSpPr>
-            <a:cxnSpLocks/>
-          </p:cNvCxnSpPr>
-          <p:nvPr/>
-        </p:nvCxnSpPr>
-        <p:spPr>
-          <a:xfrm flipH="1">
-            <a:off x="10196513" y="4744116"/>
-            <a:ext cx="699970" cy="549648"/>
-          </a:xfrm>
-          <a:prstGeom prst="line">
-            <a:avLst/>
-          </a:prstGeom>
-          <a:ln w="19050"/>
-        </p:spPr>
-        <p:style>
-          <a:lnRef idx="1">
-            <a:schemeClr val="dk1"/>
-          </a:lnRef>
-          <a:fillRef idx="0">
-            <a:schemeClr val="dk1"/>
-          </a:fillRef>
-          <a:effectRef idx="0">
-            <a:schemeClr val="dk1"/>
-          </a:effectRef>
-          <a:fontRef idx="minor">
-            <a:schemeClr val="tx1"/>
-          </a:fontRef>
-        </p:style>
-      </p:cxnSp>
-      <p:cxnSp>
-        <p:nvCxnSpPr>
-          <p:cNvPr id="32" name="Прямая соединительная линия 31">
-            <a:extLst>
-              <a:ext uri="{FF2B5EF4-FFF2-40B4-BE49-F238E27FC236}">
-                <a16:creationId xmlns:a16="http://schemas.microsoft.com/office/drawing/2014/main" id="{210D0662-8D34-3E72-E5D7-97BB7B3B2CDF}"/>
-              </a:ext>
-            </a:extLst>
-          </p:cNvPr>
-          <p:cNvCxnSpPr>
-            <a:cxnSpLocks/>
-          </p:cNvCxnSpPr>
-          <p:nvPr/>
-        </p:nvCxnSpPr>
-        <p:spPr>
-          <a:xfrm flipV="1">
-            <a:off x="10054092" y="5415641"/>
-            <a:ext cx="0" cy="582728"/>
-          </a:xfrm>
-          <a:prstGeom prst="line">
-            <a:avLst/>
-          </a:prstGeom>
-          <a:ln w="19050"/>
-        </p:spPr>
-        <p:style>
-          <a:lnRef idx="1">
-            <a:schemeClr val="dk1"/>
-          </a:lnRef>
-          <a:fillRef idx="0">
-            <a:schemeClr val="dk1"/>
-          </a:fillRef>
-          <a:effectRef idx="0">
-            <a:schemeClr val="dk1"/>
-          </a:effectRef>
-          <a:fontRef idx="minor">
-            <a:schemeClr val="tx1"/>
-          </a:fontRef>
-        </p:style>
-      </p:cxnSp>
-      <p:pic>
-        <p:nvPicPr>
-          <p:cNvPr id="33" name="Объект 7">
-            <a:extLst>
-              <a:ext uri="{FF2B5EF4-FFF2-40B4-BE49-F238E27FC236}">
-                <a16:creationId xmlns:a16="http://schemas.microsoft.com/office/drawing/2014/main" id="{65713EE3-FD8B-AF99-4FAD-8F7FC461F807}"/>
-              </a:ext>
-            </a:extLst>
-          </p:cNvPr>
-          <p:cNvPicPr>
-            <a:picLocks noChangeAspect="1"/>
-          </p:cNvPicPr>
-          <p:nvPr/>
-        </p:nvPicPr>
-        <p:blipFill>
-          <a:blip r:embed="rId2">
-            <a:extLst>
-              <a:ext uri="{28A0092B-C50C-407E-A947-70E740481C1C}">
-                <a14:useLocalDpi xmlns:a14="http://schemas.microsoft.com/office/drawing/2010/main" val="0"/>
-              </a:ext>
-            </a:extLst>
-          </a:blip>
-          <a:stretch>
-            <a:fillRect/>
-          </a:stretch>
-        </p:blipFill>
-        <p:spPr>
-          <a:xfrm>
-            <a:off x="9833615" y="5073805"/>
-            <a:ext cx="457143" cy="433752"/>
-          </a:xfrm>
-          <a:prstGeom prst="rect">
-            <a:avLst/>
-          </a:prstGeom>
-        </p:spPr>
-      </p:pic>
     </p:spTree>
     <p:extLst>
       <p:ext uri="{BB962C8B-B14F-4D97-AF65-F5344CB8AC3E}">
@@ -12538,10 +13937,62 @@
       </p:grpSpPr>
       <p:sp>
         <p:nvSpPr>
+          <p:cNvPr id="7" name="Прямоугольник 6">
+            <a:extLst>
+              <a:ext uri="{FF2B5EF4-FFF2-40B4-BE49-F238E27FC236}">
+                <a16:creationId xmlns:a16="http://schemas.microsoft.com/office/drawing/2014/main" id="{64ED5A09-3A75-2862-0461-9B4A797C1E79}"/>
+              </a:ext>
+            </a:extLst>
+          </p:cNvPr>
+          <p:cNvSpPr/>
+          <p:nvPr/>
+        </p:nvSpPr>
+        <p:spPr>
+          <a:xfrm>
+            <a:off x="-5345" y="0"/>
+            <a:ext cx="12197345" cy="6857999"/>
+          </a:xfrm>
+          <a:prstGeom prst="rect">
+            <a:avLst/>
+          </a:prstGeom>
+          <a:solidFill>
+            <a:srgbClr val="1436E0"/>
+          </a:solidFill>
+          <a:ln>
+            <a:noFill/>
+          </a:ln>
+        </p:spPr>
+        <p:style>
+          <a:lnRef idx="2">
+            <a:schemeClr val="accent1">
+              <a:shade val="15000"/>
+            </a:schemeClr>
+          </a:lnRef>
+          <a:fillRef idx="1">
+            <a:schemeClr val="accent1"/>
+          </a:fillRef>
+          <a:effectRef idx="0">
+            <a:schemeClr val="accent1"/>
+          </a:effectRef>
+          <a:fontRef idx="minor">
+            <a:schemeClr val="lt1"/>
+          </a:fontRef>
+        </p:style>
+        <p:txBody>
+          <a:bodyPr rtlCol="0" anchor="ctr"/>
+          <a:lstStyle/>
+          <a:p>
+            <a:pPr algn="ctr"/>
+            <a:endParaRPr lang="ru-RU" dirty="0"/>
+          </a:p>
+        </p:txBody>
+      </p:sp>
+      <p:sp>
+        <p:nvSpPr>
           <p:cNvPr id="2" name="Заголовок 1">
             <a:extLst>
               <a:ext uri="{FF2B5EF4-FFF2-40B4-BE49-F238E27FC236}">
-                <a16:creationId xmlns:a16="http://schemas.microsoft.com/office/drawing/2014/main" id="{E675C0AB-87D4-5075-4AA4-5111DBCFC753}"/>
+                <a16:creationId xmlns:a16="http://schemas.microsoft.com/office/drawing/2014/main" id="{7302DD10-B4AC-AF2C-87EA-4799B6C853C1}"/>
               </a:ext>
             </a:extLst>
           </p:cNvPr>
@@ -12552,52 +14003,552 @@
             <p:ph type="title"/>
           </p:nvPr>
         </p:nvSpPr>
-        <p:spPr/>
+        <p:spPr>
+          <a:xfrm>
+            <a:off x="0" y="625855"/>
+            <a:ext cx="12192000" cy="719037"/>
+          </a:xfrm>
+        </p:spPr>
         <p:txBody>
           <a:bodyPr/>
           <a:lstStyle/>
           <a:p>
-            <a:r>
-              <a:rPr lang="ru-RU" dirty="0"/>
-              <a:t>Результат работы</a:t>
+            <a:pPr algn="ctr"/>
+            <a:r>
+              <a:rPr lang="ru-RU" dirty="0">
+                <a:solidFill>
+                  <a:srgbClr val="FFFFFF"/>
+                </a:solidFill>
+                <a:effectLst>
+                  <a:outerShdw blurRad="38100" dist="38100" dir="2700000" algn="tl">
+                    <a:srgbClr val="000000">
+                      <a:alpha val="43137"/>
+                    </a:srgbClr>
+                  </a:outerShdw>
+                </a:effectLst>
+                <a:latin typeface="+mn-lt"/>
+              </a:rPr>
+              <a:t>Проблемы сети</a:t>
             </a:r>
           </a:p>
         </p:txBody>
       </p:sp>
-      <p:pic>
-        <p:nvPicPr>
-          <p:cNvPr id="5" name="Рисунок 4">
-            <a:extLst>
-              <a:ext uri="{FF2B5EF4-FFF2-40B4-BE49-F238E27FC236}">
-                <a16:creationId xmlns:a16="http://schemas.microsoft.com/office/drawing/2014/main" id="{5E92DDAC-B8C5-8DC6-A648-D8FB1083141C}"/>
-              </a:ext>
-            </a:extLst>
-          </p:cNvPr>
-          <p:cNvPicPr>
-            <a:picLocks noChangeAspect="1"/>
-          </p:cNvPicPr>
+      <p:sp>
+        <p:nvSpPr>
+          <p:cNvPr id="5" name="Прямоугольник 4">
+            <a:extLst>
+              <a:ext uri="{FF2B5EF4-FFF2-40B4-BE49-F238E27FC236}">
+                <a16:creationId xmlns:a16="http://schemas.microsoft.com/office/drawing/2014/main" id="{A615F581-AE70-D7E6-7933-C3AAAECD6653}"/>
+              </a:ext>
+            </a:extLst>
+          </p:cNvPr>
+          <p:cNvSpPr/>
           <p:nvPr/>
-        </p:nvPicPr>
-        <p:blipFill>
-          <a:blip r:embed="rId2"/>
-          <a:stretch>
-            <a:fillRect/>
-          </a:stretch>
-        </p:blipFill>
-        <p:spPr>
-          <a:xfrm>
-            <a:off x="1661370" y="1389674"/>
-            <a:ext cx="8869260" cy="5363348"/>
+        </p:nvSpPr>
+        <p:spPr>
+          <a:xfrm>
+            <a:off x="1112570" y="1763926"/>
+            <a:ext cx="9961513" cy="4154984"/>
           </a:xfrm>
           <a:prstGeom prst="rect">
             <a:avLst/>
           </a:prstGeom>
-        </p:spPr>
-      </p:pic>
+          <a:noFill/>
+        </p:spPr>
+        <p:txBody>
+          <a:bodyPr wrap="square" lIns="91440" tIns="45720" rIns="91440" bIns="45720">
+            <a:spAutoFit/>
+          </a:bodyPr>
+          <a:lstStyle/>
+          <a:p>
+            <a:pPr algn="just"/>
+            <a:r>
+              <a:rPr lang="ru-RU" sz="2400" dirty="0">
+                <a:ln w="0"/>
+                <a:solidFill>
+                  <a:srgbClr val="FFFFFF"/>
+                </a:solidFill>
+                <a:effectLst>
+                  <a:outerShdw blurRad="38100" dist="38100" dir="2700000" algn="tl">
+                    <a:srgbClr val="000000">
+                      <a:alpha val="43137"/>
+                    </a:srgbClr>
+                  </a:outerShdw>
+                </a:effectLst>
+                <a:latin typeface="+mj-lt"/>
+              </a:rPr>
+              <a:t>Помимо уже перечисленных проблем есть несколько очень важных замечаний:</a:t>
+            </a:r>
+          </a:p>
+          <a:p>
+            <a:pPr marL="457200" indent="-457200" algn="just">
+              <a:buAutoNum type="arabicPeriod"/>
+            </a:pPr>
+            <a:r>
+              <a:rPr lang="ru-RU" sz="2400" dirty="0">
+                <a:ln w="0"/>
+                <a:solidFill>
+                  <a:srgbClr val="FFFFFF"/>
+                </a:solidFill>
+                <a:effectLst>
+                  <a:outerShdw blurRad="38100" dist="38100" dir="2700000" algn="tl">
+                    <a:srgbClr val="000000">
+                      <a:alpha val="43137"/>
+                    </a:srgbClr>
+                  </a:outerShdw>
+                </a:effectLst>
+                <a:latin typeface="+mj-lt"/>
+              </a:rPr>
+              <a:t>при перезапуске маршрутизатора с агрегированием (Доп. Задание 2) слетает настройка </a:t>
+            </a:r>
+            <a:r>
+              <a:rPr lang="en-US" sz="2400" dirty="0">
+                <a:ln w="0"/>
+                <a:solidFill>
+                  <a:srgbClr val="FFFFFF"/>
+                </a:solidFill>
+                <a:effectLst>
+                  <a:outerShdw blurRad="38100" dist="38100" dir="2700000" algn="tl">
+                    <a:srgbClr val="000000">
+                      <a:alpha val="43137"/>
+                    </a:srgbClr>
+                  </a:outerShdw>
+                </a:effectLst>
+                <a:latin typeface="+mj-lt"/>
+              </a:rPr>
+              <a:t>channel-group 1 </a:t>
+            </a:r>
+            <a:r>
+              <a:rPr lang="ru-RU" sz="2400" dirty="0">
+                <a:ln w="0"/>
+                <a:solidFill>
+                  <a:srgbClr val="FFFFFF"/>
+                </a:solidFill>
+                <a:effectLst>
+                  <a:outerShdw blurRad="38100" dist="38100" dir="2700000" algn="tl">
+                    <a:srgbClr val="000000">
+                      <a:alpha val="43137"/>
+                    </a:srgbClr>
+                  </a:outerShdw>
+                </a:effectLst>
+                <a:latin typeface="+mj-lt"/>
+              </a:rPr>
+              <a:t>у портов </a:t>
+            </a:r>
+            <a:r>
+              <a:rPr lang="en-US" sz="2400" dirty="0">
+                <a:ln w="0"/>
+                <a:solidFill>
+                  <a:srgbClr val="FFFFFF"/>
+                </a:solidFill>
+                <a:effectLst>
+                  <a:outerShdw blurRad="38100" dist="38100" dir="2700000" algn="tl">
+                    <a:srgbClr val="000000">
+                      <a:alpha val="43137"/>
+                    </a:srgbClr>
+                  </a:outerShdw>
+                </a:effectLst>
+                <a:latin typeface="+mj-lt"/>
+              </a:rPr>
+              <a:t>GigabitEthernet0/</a:t>
+            </a:r>
+            <a:r>
+              <a:rPr lang="ru-RU" sz="2400" dirty="0">
+                <a:ln w="0"/>
+                <a:solidFill>
+                  <a:srgbClr val="FFFFFF"/>
+                </a:solidFill>
+                <a:effectLst>
+                  <a:outerShdw blurRad="38100" dist="38100" dir="2700000" algn="tl">
+                    <a:srgbClr val="000000">
+                      <a:alpha val="43137"/>
+                    </a:srgbClr>
+                  </a:outerShdw>
+                </a:effectLst>
+                <a:latin typeface="+mj-lt"/>
+              </a:rPr>
+              <a:t>0</a:t>
+            </a:r>
+            <a:r>
+              <a:rPr lang="en-US" sz="2400" dirty="0">
+                <a:ln w="0"/>
+                <a:solidFill>
+                  <a:srgbClr val="FFFFFF"/>
+                </a:solidFill>
+                <a:effectLst>
+                  <a:outerShdw blurRad="38100" dist="38100" dir="2700000" algn="tl">
+                    <a:srgbClr val="000000">
+                      <a:alpha val="43137"/>
+                    </a:srgbClr>
+                  </a:outerShdw>
+                </a:effectLst>
+                <a:latin typeface="+mj-lt"/>
+              </a:rPr>
+              <a:t> </a:t>
+            </a:r>
+            <a:r>
+              <a:rPr lang="ru-RU" sz="2400" dirty="0">
+                <a:ln w="0"/>
+                <a:solidFill>
+                  <a:srgbClr val="FFFFFF"/>
+                </a:solidFill>
+                <a:effectLst>
+                  <a:outerShdw blurRad="38100" dist="38100" dir="2700000" algn="tl">
+                    <a:srgbClr val="000000">
+                      <a:alpha val="43137"/>
+                    </a:srgbClr>
+                  </a:outerShdw>
+                </a:effectLst>
+                <a:latin typeface="+mj-lt"/>
+              </a:rPr>
+              <a:t>и   </a:t>
+            </a:r>
+            <a:r>
+              <a:rPr lang="en-US" sz="2400" dirty="0">
+                <a:ln w="0"/>
+                <a:solidFill>
+                  <a:srgbClr val="FFFFFF"/>
+                </a:solidFill>
+                <a:effectLst>
+                  <a:outerShdw blurRad="38100" dist="38100" dir="2700000" algn="tl">
+                    <a:srgbClr val="000000">
+                      <a:alpha val="43137"/>
+                    </a:srgbClr>
+                  </a:outerShdw>
+                </a:effectLst>
+                <a:latin typeface="+mj-lt"/>
+              </a:rPr>
+              <a:t>GigabitEthernet0/1 (</a:t>
+            </a:r>
+            <a:r>
+              <a:rPr lang="ru-RU" sz="2400" dirty="0">
+                <a:ln w="0"/>
+                <a:solidFill>
+                  <a:srgbClr val="FFFFFF"/>
+                </a:solidFill>
+                <a:effectLst>
+                  <a:outerShdw blurRad="38100" dist="38100" dir="2700000" algn="tl">
+                    <a:srgbClr val="000000">
+                      <a:alpha val="43137"/>
+                    </a:srgbClr>
+                  </a:outerShdw>
+                </a:effectLst>
+                <a:latin typeface="+mj-lt"/>
+              </a:rPr>
+              <a:t>команда </a:t>
+            </a:r>
+            <a:r>
+              <a:rPr lang="en-US" sz="2400" dirty="0">
+                <a:ln w="0"/>
+                <a:solidFill>
+                  <a:srgbClr val="FFFFFF"/>
+                </a:solidFill>
+                <a:effectLst>
+                  <a:outerShdw blurRad="38100" dist="38100" dir="2700000" algn="tl">
+                    <a:srgbClr val="000000">
+                      <a:alpha val="43137"/>
+                    </a:srgbClr>
+                  </a:outerShdw>
+                </a:effectLst>
+                <a:latin typeface="+mj-lt"/>
+              </a:rPr>
+              <a:t>write memory </a:t>
+            </a:r>
+            <a:r>
+              <a:rPr lang="ru-RU" sz="2400" dirty="0">
+                <a:ln w="0"/>
+                <a:solidFill>
+                  <a:srgbClr val="FFFFFF"/>
+                </a:solidFill>
+                <a:effectLst>
+                  <a:outerShdw blurRad="38100" dist="38100" dir="2700000" algn="tl">
+                    <a:srgbClr val="000000">
+                      <a:alpha val="43137"/>
+                    </a:srgbClr>
+                  </a:outerShdw>
+                </a:effectLst>
+                <a:latin typeface="+mj-lt"/>
+              </a:rPr>
+              <a:t>не помогает). Виртуальный порт </a:t>
+            </a:r>
+            <a:r>
+              <a:rPr lang="en-US" sz="2400" dirty="0">
+                <a:ln w="0"/>
+                <a:solidFill>
+                  <a:srgbClr val="FFFFFF"/>
+                </a:solidFill>
+                <a:effectLst>
+                  <a:outerShdw blurRad="38100" dist="38100" dir="2700000" algn="tl">
+                    <a:srgbClr val="000000">
+                      <a:alpha val="43137"/>
+                    </a:srgbClr>
+                  </a:outerShdw>
+                </a:effectLst>
+                <a:latin typeface="+mj-lt"/>
+              </a:rPr>
+              <a:t>Port-channel1 </a:t>
+            </a:r>
+            <a:r>
+              <a:rPr lang="ru-RU" sz="2400" dirty="0">
+                <a:ln w="0"/>
+                <a:solidFill>
+                  <a:srgbClr val="FFFFFF"/>
+                </a:solidFill>
+                <a:effectLst>
+                  <a:outerShdw blurRad="38100" dist="38100" dir="2700000" algn="tl">
+                    <a:srgbClr val="000000">
+                      <a:alpha val="43137"/>
+                    </a:srgbClr>
+                  </a:outerShdw>
+                </a:effectLst>
+                <a:latin typeface="+mj-lt"/>
+              </a:rPr>
+              <a:t>остаётся, но находится в выключенном состоянии. Если объединить </a:t>
+            </a:r>
+            <a:r>
+              <a:rPr lang="en-US" sz="2400" dirty="0">
+                <a:ln w="0"/>
+                <a:solidFill>
+                  <a:srgbClr val="FFFFFF"/>
+                </a:solidFill>
+                <a:effectLst>
+                  <a:outerShdw blurRad="38100" dist="38100" dir="2700000" algn="tl">
+                    <a:srgbClr val="000000">
+                      <a:alpha val="43137"/>
+                    </a:srgbClr>
+                  </a:outerShdw>
+                </a:effectLst>
+                <a:latin typeface="+mj-lt"/>
+              </a:rPr>
+              <a:t>Gig0/0 </a:t>
+            </a:r>
+            <a:r>
+              <a:rPr lang="ru-RU" sz="2400" dirty="0">
+                <a:ln w="0"/>
+                <a:solidFill>
+                  <a:srgbClr val="FFFFFF"/>
+                </a:solidFill>
+                <a:effectLst>
+                  <a:outerShdw blurRad="38100" dist="38100" dir="2700000" algn="tl">
+                    <a:srgbClr val="000000">
+                      <a:alpha val="43137"/>
+                    </a:srgbClr>
+                  </a:outerShdw>
+                </a:effectLst>
+                <a:latin typeface="+mj-lt"/>
+              </a:rPr>
+              <a:t>и </a:t>
+            </a:r>
+            <a:r>
+              <a:rPr lang="en-US" sz="2400" dirty="0">
+                <a:ln w="0"/>
+                <a:solidFill>
+                  <a:srgbClr val="FFFFFF"/>
+                </a:solidFill>
+                <a:effectLst>
+                  <a:outerShdw blurRad="38100" dist="38100" dir="2700000" algn="tl">
+                    <a:srgbClr val="000000">
+                      <a:alpha val="43137"/>
+                    </a:srgbClr>
+                  </a:outerShdw>
+                </a:effectLst>
+                <a:latin typeface="+mj-lt"/>
+              </a:rPr>
+              <a:t>Gig0/1, </a:t>
+            </a:r>
+            <a:r>
+              <a:rPr lang="ru-RU" sz="2400" dirty="0">
+                <a:ln w="0"/>
+                <a:solidFill>
+                  <a:srgbClr val="FFFFFF"/>
+                </a:solidFill>
+                <a:effectLst>
+                  <a:outerShdw blurRad="38100" dist="38100" dir="2700000" algn="tl">
+                    <a:srgbClr val="000000">
+                      <a:alpha val="43137"/>
+                    </a:srgbClr>
+                  </a:outerShdw>
+                </a:effectLst>
+                <a:latin typeface="+mj-lt"/>
+              </a:rPr>
+              <a:t> то виртуальный порт сразу поднимется</a:t>
+            </a:r>
+            <a:r>
+              <a:rPr lang="en-US" sz="2400" dirty="0">
+                <a:ln w="0"/>
+                <a:solidFill>
+                  <a:srgbClr val="FFFFFF"/>
+                </a:solidFill>
+                <a:effectLst>
+                  <a:outerShdw blurRad="38100" dist="38100" dir="2700000" algn="tl">
+                    <a:srgbClr val="000000">
+                      <a:alpha val="43137"/>
+                    </a:srgbClr>
+                  </a:outerShdw>
+                </a:effectLst>
+                <a:latin typeface="+mj-lt"/>
+              </a:rPr>
+              <a:t>;</a:t>
+            </a:r>
+            <a:endParaRPr lang="ru-RU" sz="2400" dirty="0">
+              <a:ln w="0"/>
+              <a:solidFill>
+                <a:srgbClr val="FFFFFF"/>
+              </a:solidFill>
+              <a:effectLst>
+                <a:outerShdw blurRad="38100" dist="38100" dir="2700000" algn="tl">
+                  <a:srgbClr val="000000">
+                    <a:alpha val="43137"/>
+                  </a:srgbClr>
+                </a:outerShdw>
+              </a:effectLst>
+              <a:latin typeface="+mj-lt"/>
+            </a:endParaRPr>
+          </a:p>
+          <a:p>
+            <a:pPr marL="457200" indent="-457200" algn="just">
+              <a:buAutoNum type="arabicPeriod"/>
+            </a:pPr>
+            <a:r>
+              <a:rPr lang="ru-RU" sz="2400" dirty="0">
+                <a:ln w="0"/>
+                <a:solidFill>
+                  <a:srgbClr val="FFFFFF"/>
+                </a:solidFill>
+                <a:effectLst>
+                  <a:outerShdw blurRad="38100" dist="38100" dir="2700000" algn="tl">
+                    <a:srgbClr val="000000">
+                      <a:alpha val="43137"/>
+                    </a:srgbClr>
+                  </a:outerShdw>
+                </a:effectLst>
+                <a:latin typeface="+mj-lt"/>
+              </a:rPr>
+              <a:t>до маршрутизатора с агрегированием невозможно добраться по </a:t>
+            </a:r>
+            <a:r>
+              <a:rPr lang="en-US" sz="2400" dirty="0">
+                <a:ln w="0"/>
+                <a:solidFill>
+                  <a:srgbClr val="FFFFFF"/>
+                </a:solidFill>
+                <a:effectLst>
+                  <a:outerShdw blurRad="38100" dist="38100" dir="2700000" algn="tl">
+                    <a:srgbClr val="000000">
+                      <a:alpha val="43137"/>
+                    </a:srgbClr>
+                  </a:outerShdw>
+                </a:effectLst>
+                <a:latin typeface="+mj-lt"/>
+              </a:rPr>
+              <a:t>SSH</a:t>
+            </a:r>
+            <a:r>
+              <a:rPr lang="ru-RU" sz="2400" dirty="0">
+                <a:ln w="0"/>
+                <a:solidFill>
+                  <a:srgbClr val="FFFFFF"/>
+                </a:solidFill>
+                <a:effectLst>
+                  <a:outerShdw blurRad="38100" dist="38100" dir="2700000" algn="tl">
+                    <a:srgbClr val="000000">
+                      <a:alpha val="43137"/>
+                    </a:srgbClr>
+                  </a:outerShdw>
+                </a:effectLst>
+                <a:latin typeface="+mj-lt"/>
+              </a:rPr>
+              <a:t>: он натирует </a:t>
+            </a:r>
+            <a:r>
+              <a:rPr lang="en-US" sz="2400" dirty="0">
+                <a:ln w="0"/>
+                <a:solidFill>
+                  <a:srgbClr val="FFFFFF"/>
+                </a:solidFill>
+                <a:effectLst>
+                  <a:outerShdw blurRad="38100" dist="38100" dir="2700000" algn="tl">
+                    <a:srgbClr val="000000">
+                      <a:alpha val="43137"/>
+                    </a:srgbClr>
+                  </a:outerShdw>
+                </a:effectLst>
+                <a:latin typeface="+mj-lt"/>
+              </a:rPr>
+              <a:t>TCP </a:t>
+            </a:r>
+            <a:r>
+              <a:rPr lang="ru-RU" sz="2400" dirty="0">
+                <a:ln w="0"/>
+                <a:solidFill>
+                  <a:srgbClr val="FFFFFF"/>
+                </a:solidFill>
+                <a:effectLst>
+                  <a:outerShdw blurRad="38100" dist="38100" dir="2700000" algn="tl">
+                    <a:srgbClr val="000000">
+                      <a:alpha val="43137"/>
+                    </a:srgbClr>
+                  </a:outerShdw>
+                </a:effectLst>
+                <a:latin typeface="+mj-lt"/>
+              </a:rPr>
+              <a:t>пакет</a:t>
+            </a:r>
+            <a:r>
+              <a:rPr lang="en-US" sz="2400" dirty="0">
+                <a:ln w="0"/>
+                <a:solidFill>
+                  <a:srgbClr val="FFFFFF"/>
+                </a:solidFill>
+                <a:effectLst>
+                  <a:outerShdw blurRad="38100" dist="38100" dir="2700000" algn="tl">
+                    <a:srgbClr val="000000">
+                      <a:alpha val="43137"/>
+                    </a:srgbClr>
+                  </a:outerShdw>
+                </a:effectLst>
+                <a:latin typeface="+mj-lt"/>
+              </a:rPr>
+              <a:t> </a:t>
+            </a:r>
+            <a:r>
+              <a:rPr lang="ru-RU" sz="2400" dirty="0">
+                <a:ln w="0"/>
+                <a:solidFill>
+                  <a:srgbClr val="FFFFFF"/>
+                </a:solidFill>
+                <a:effectLst>
+                  <a:outerShdw blurRad="38100" dist="38100" dir="2700000" algn="tl">
+                    <a:srgbClr val="000000">
+                      <a:alpha val="43137"/>
+                    </a:srgbClr>
+                  </a:outerShdw>
+                </a:effectLst>
+                <a:latin typeface="+mj-lt"/>
+              </a:rPr>
+              <a:t>и перенаправляет на сервер, что странно, ведь пробрасывались только порты 80 и 443 (22 порт не трогали). </a:t>
+            </a:r>
+            <a:endParaRPr lang="ru-RU" sz="2400" b="0" cap="none" spc="0" dirty="0">
+              <a:ln w="0"/>
+              <a:solidFill>
+                <a:srgbClr val="FFFFFF"/>
+              </a:solidFill>
+              <a:effectLst>
+                <a:outerShdw blurRad="38100" dist="38100" dir="2700000" algn="tl">
+                  <a:srgbClr val="000000">
+                    <a:alpha val="43137"/>
+                  </a:srgbClr>
+                </a:outerShdw>
+              </a:effectLst>
+              <a:latin typeface="+mj-lt"/>
+            </a:endParaRPr>
+          </a:p>
+        </p:txBody>
+      </p:sp>
     </p:spTree>
     <p:extLst>
       <p:ext uri="{BB962C8B-B14F-4D97-AF65-F5344CB8AC3E}">
-        <p14:creationId xmlns:p14="http://schemas.microsoft.com/office/powerpoint/2010/main" val="1804325388"/>
+        <p14:creationId xmlns:p14="http://schemas.microsoft.com/office/powerpoint/2010/main" val="3454140768"/>
       </p:ext>
     </p:extLst>
   </p:cSld>

--- a/Решение команды SoloCrunch.pptx
+++ b/Решение команды SoloCrunch.pptx
@@ -5,7 +5,7 @@
     <p:sldMasterId id="2147483648" r:id="rId1"/>
   </p:sldMasterIdLst>
   <p:notesMasterIdLst>
-    <p:notesMasterId r:id="rId13"/>
+    <p:notesMasterId r:id="rId14"/>
   </p:notesMasterIdLst>
   <p:sldIdLst>
     <p:sldId id="256" r:id="rId2"/>
@@ -18,7 +18,8 @@
     <p:sldId id="262" r:id="rId9"/>
     <p:sldId id="267" r:id="rId10"/>
     <p:sldId id="264" r:id="rId11"/>
-    <p:sldId id="266" r:id="rId12"/>
+    <p:sldId id="268" r:id="rId12"/>
+    <p:sldId id="266" r:id="rId13"/>
   </p:sldIdLst>
   <p:sldSz cx="12192000" cy="6858000"/>
   <p:notesSz cx="6858000" cy="9144000"/>
@@ -3917,8 +3918,8 @@
         </p:nvSpPr>
         <p:spPr>
           <a:xfrm>
-            <a:off x="7636374" y="2866539"/>
-            <a:ext cx="1621149" cy="461665"/>
+            <a:off x="6494620" y="2948958"/>
+            <a:ext cx="3996000" cy="461665"/>
           </a:xfrm>
           <a:prstGeom prst="rect">
             <a:avLst/>
@@ -3933,6 +3934,7 @@
           </a:bodyPr>
           <a:lstStyle/>
           <a:p>
+            <a:pPr algn="ctr"/>
             <a:r>
               <a:rPr lang="ru-RU" sz="2400" dirty="0">
                 <a:ln w="0"/>
@@ -3980,8 +3982,8 @@
         </p:nvSpPr>
         <p:spPr>
           <a:xfrm>
-            <a:off x="7324051" y="3313250"/>
-            <a:ext cx="2408032" cy="461665"/>
+            <a:off x="6661606" y="3401724"/>
+            <a:ext cx="3662028" cy="461665"/>
           </a:xfrm>
           <a:prstGeom prst="rect">
             <a:avLst/>
@@ -3994,6 +3996,7 @@
           </a:bodyPr>
           <a:lstStyle/>
           <a:p>
+            <a:pPr algn="ctr"/>
             <a:r>
               <a:rPr lang="ru-RU" sz="2400" b="0" cap="none" spc="0" dirty="0">
                 <a:ln w="0"/>
@@ -4008,7 +4011,39 @@
                   </a:outerShdw>
                 </a:effectLst>
               </a:rPr>
-              <a:t>Основная задача</a:t>
+              <a:t>Решение </a:t>
+            </a:r>
+            <a:r>
+              <a:rPr lang="ru-RU" sz="2400" dirty="0">
+                <a:ln w="0"/>
+                <a:solidFill>
+                  <a:schemeClr val="bg1"/>
+                </a:solidFill>
+                <a:effectLst>
+                  <a:outerShdw blurRad="38100" dist="38100" dir="2700000" algn="tl">
+                    <a:srgbClr val="000000">
+                      <a:alpha val="43137"/>
+                    </a:srgbClr>
+                  </a:outerShdw>
+                </a:effectLst>
+              </a:rPr>
+              <a:t>о</a:t>
+            </a:r>
+            <a:r>
+              <a:rPr lang="ru-RU" sz="2400" b="0" cap="none" spc="0" dirty="0">
+                <a:ln w="0"/>
+                <a:solidFill>
+                  <a:schemeClr val="bg1"/>
+                </a:solidFill>
+                <a:effectLst>
+                  <a:outerShdw blurRad="38100" dist="38100" dir="2700000" algn="tl">
+                    <a:srgbClr val="000000">
+                      <a:alpha val="43137"/>
+                    </a:srgbClr>
+                  </a:outerShdw>
+                </a:effectLst>
+              </a:rPr>
+              <a:t>сновной задачи</a:t>
             </a:r>
           </a:p>
         </p:txBody>
@@ -4028,8 +4063,8 @@
         </p:nvSpPr>
         <p:spPr>
           <a:xfrm>
-            <a:off x="7387785" y="3784453"/>
-            <a:ext cx="2171557" cy="461665"/>
+            <a:off x="6607296" y="3854490"/>
+            <a:ext cx="3770648" cy="461665"/>
           </a:xfrm>
           <a:prstGeom prst="rect">
             <a:avLst/>
@@ -4042,6 +4077,7 @@
           </a:bodyPr>
           <a:lstStyle/>
           <a:p>
+            <a:pPr algn="ctr"/>
             <a:r>
               <a:rPr lang="ru-RU" sz="2400" b="0" cap="none" spc="0" dirty="0">
                 <a:ln w="0"/>
@@ -4056,7 +4092,39 @@
                   </a:outerShdw>
                 </a:effectLst>
               </a:rPr>
-              <a:t>Доп. Задание 1</a:t>
+              <a:t>Дополнительное </a:t>
+            </a:r>
+            <a:r>
+              <a:rPr lang="ru-RU" sz="2400" dirty="0">
+                <a:ln w="0"/>
+                <a:solidFill>
+                  <a:schemeClr val="bg1"/>
+                </a:solidFill>
+                <a:effectLst>
+                  <a:outerShdw blurRad="38100" dist="38100" dir="2700000" algn="tl">
+                    <a:srgbClr val="000000">
+                      <a:alpha val="43137"/>
+                    </a:srgbClr>
+                  </a:outerShdw>
+                </a:effectLst>
+              </a:rPr>
+              <a:t>з</a:t>
+            </a:r>
+            <a:r>
+              <a:rPr lang="ru-RU" sz="2400" b="0" cap="none" spc="0" dirty="0">
+                <a:ln w="0"/>
+                <a:solidFill>
+                  <a:schemeClr val="bg1"/>
+                </a:solidFill>
+                <a:effectLst>
+                  <a:outerShdw blurRad="38100" dist="38100" dir="2700000" algn="tl">
+                    <a:srgbClr val="000000">
+                      <a:alpha val="43137"/>
+                    </a:srgbClr>
+                  </a:outerShdw>
+                </a:effectLst>
+              </a:rPr>
+              <a:t>адание 1</a:t>
             </a:r>
           </a:p>
         </p:txBody>
@@ -4076,8 +4144,8 @@
         </p:nvSpPr>
         <p:spPr>
           <a:xfrm>
-            <a:off x="7387784" y="4243403"/>
-            <a:ext cx="2171557" cy="461665"/>
+            <a:off x="6607296" y="4307256"/>
+            <a:ext cx="3770648" cy="461665"/>
           </a:xfrm>
           <a:prstGeom prst="rect">
             <a:avLst/>
@@ -4090,6 +4158,7 @@
           </a:bodyPr>
           <a:lstStyle/>
           <a:p>
+            <a:pPr algn="ctr"/>
             <a:r>
               <a:rPr lang="ru-RU" sz="2400" b="0" cap="none" spc="0" dirty="0">
                 <a:ln w="0"/>
@@ -4104,7 +4173,39 @@
                   </a:outerShdw>
                 </a:effectLst>
               </a:rPr>
-              <a:t>Доп. Задание 2</a:t>
+              <a:t>Дополнительное </a:t>
+            </a:r>
+            <a:r>
+              <a:rPr lang="ru-RU" sz="2400" dirty="0">
+                <a:ln w="0"/>
+                <a:solidFill>
+                  <a:schemeClr val="bg1"/>
+                </a:solidFill>
+                <a:effectLst>
+                  <a:outerShdw blurRad="38100" dist="38100" dir="2700000" algn="tl">
+                    <a:srgbClr val="000000">
+                      <a:alpha val="43137"/>
+                    </a:srgbClr>
+                  </a:outerShdw>
+                </a:effectLst>
+              </a:rPr>
+              <a:t>з</a:t>
+            </a:r>
+            <a:r>
+              <a:rPr lang="ru-RU" sz="2400" b="0" cap="none" spc="0" dirty="0">
+                <a:ln w="0"/>
+                <a:solidFill>
+                  <a:schemeClr val="bg1"/>
+                </a:solidFill>
+                <a:effectLst>
+                  <a:outerShdw blurRad="38100" dist="38100" dir="2700000" algn="tl">
+                    <a:srgbClr val="000000">
+                      <a:alpha val="43137"/>
+                    </a:srgbClr>
+                  </a:outerShdw>
+                </a:effectLst>
+              </a:rPr>
+              <a:t>адание 2</a:t>
             </a:r>
           </a:p>
         </p:txBody>
@@ -4490,7 +4591,7 @@
       <p:sp>
         <p:nvSpPr>
           <p:cNvPr id="25" name="Прямоугольник 24">
-            <a:hlinkClick r:id="rId2" action="ppaction://hlinksldjump"/>
+            <a:hlinkClick r:id="rId8" action="ppaction://hlinksldjump"/>
             <a:extLst>
               <a:ext uri="{FF2B5EF4-FFF2-40B4-BE49-F238E27FC236}">
                 <a16:creationId xmlns:a16="http://schemas.microsoft.com/office/drawing/2014/main" id="{97C85141-B167-D276-0382-4E15E3807FD8}"/>
@@ -4502,8 +4603,8 @@
         </p:nvSpPr>
         <p:spPr>
           <a:xfrm>
-            <a:off x="7146435" y="4680130"/>
-            <a:ext cx="2654253" cy="461665"/>
+            <a:off x="7678135" y="5212786"/>
+            <a:ext cx="1628971" cy="461665"/>
           </a:xfrm>
           <a:prstGeom prst="rect">
             <a:avLst/>
@@ -4518,6 +4619,7 @@
           </a:bodyPr>
           <a:lstStyle/>
           <a:p>
+            <a:pPr algn="ctr"/>
             <a:r>
               <a:rPr lang="ru-RU" sz="2400" dirty="0">
                 <a:ln w="0"/>
@@ -4532,7 +4634,7 @@
                   </a:outerShdw>
                 </a:effectLst>
               </a:rPr>
-              <a:t>Результаты работы</a:t>
+              <a:t>Результаты</a:t>
             </a:r>
             <a:endParaRPr lang="ru-RU" sz="2400" b="0" cap="none" spc="0" dirty="0">
               <a:ln w="0"/>
@@ -4553,7 +4655,7 @@
       <p:sp>
         <p:nvSpPr>
           <p:cNvPr id="27" name="Прямоугольник 26">
-            <a:hlinkClick r:id="rId2" action="ppaction://hlinksldjump"/>
+            <a:hlinkClick r:id="rId9" action="ppaction://hlinksldjump"/>
             <a:extLst>
               <a:ext uri="{FF2B5EF4-FFF2-40B4-BE49-F238E27FC236}">
                 <a16:creationId xmlns:a16="http://schemas.microsoft.com/office/drawing/2014/main" id="{83198D18-F089-1041-EF2A-C166ABA9F036}"/>
@@ -4565,7 +4667,7 @@
         </p:nvSpPr>
         <p:spPr>
           <a:xfrm>
-            <a:off x="6274127" y="2419828"/>
+            <a:off x="6128063" y="2496192"/>
             <a:ext cx="4729115" cy="461665"/>
           </a:xfrm>
           <a:prstGeom prst="rect">
@@ -4581,6 +4683,7 @@
           </a:bodyPr>
           <a:lstStyle/>
           <a:p>
+            <a:pPr algn="ctr"/>
             <a:r>
               <a:rPr lang="ru-RU" sz="2400" dirty="0">
                 <a:ln w="0"/>
@@ -4616,7 +4719,7 @@
       <p:sp>
         <p:nvSpPr>
           <p:cNvPr id="28" name="Прямоугольник 27">
-            <a:hlinkClick r:id="rId2" action="ppaction://hlinksldjump"/>
+            <a:hlinkClick r:id="rId10" action="ppaction://hlinksldjump"/>
             <a:extLst>
               <a:ext uri="{FF2B5EF4-FFF2-40B4-BE49-F238E27FC236}">
                 <a16:creationId xmlns:a16="http://schemas.microsoft.com/office/drawing/2014/main" id="{B84A2F88-81E4-B4F0-0477-5AD99539831E}"/>
@@ -4628,8 +4731,8 @@
         </p:nvSpPr>
         <p:spPr>
           <a:xfrm>
-            <a:off x="7269550" y="1958163"/>
-            <a:ext cx="2669642" cy="461665"/>
+            <a:off x="7157800" y="2043426"/>
+            <a:ext cx="2669641" cy="461665"/>
           </a:xfrm>
           <a:prstGeom prst="rect">
             <a:avLst/>
@@ -4644,6 +4747,7 @@
           </a:bodyPr>
           <a:lstStyle/>
           <a:p>
+            <a:pPr algn="ctr"/>
             <a:r>
               <a:rPr lang="ru-RU" sz="2400" dirty="0">
                 <a:ln w="0"/>
@@ -4673,6 +4777,57 @@
                 </a:outerShdw>
               </a:effectLst>
             </a:endParaRPr>
+          </a:p>
+        </p:txBody>
+      </p:sp>
+      <p:sp>
+        <p:nvSpPr>
+          <p:cNvPr id="2" name="Прямоугольник 1">
+            <a:hlinkClick r:id="rId11" action="ppaction://hlinksldjump"/>
+            <a:extLst>
+              <a:ext uri="{FF2B5EF4-FFF2-40B4-BE49-F238E27FC236}">
+                <a16:creationId xmlns:a16="http://schemas.microsoft.com/office/drawing/2014/main" id="{496BC900-8EBC-874C-542D-1AF90A65CD1E}"/>
+              </a:ext>
+            </a:extLst>
+          </p:cNvPr>
+          <p:cNvSpPr/>
+          <p:nvPr/>
+        </p:nvSpPr>
+        <p:spPr>
+          <a:xfrm>
+            <a:off x="7384336" y="4760022"/>
+            <a:ext cx="2216569" cy="461665"/>
+          </a:xfrm>
+          <a:prstGeom prst="rect">
+            <a:avLst/>
+          </a:prstGeom>
+          <a:solidFill>
+            <a:srgbClr val="1436E0"/>
+          </a:solidFill>
+        </p:spPr>
+        <p:txBody>
+          <a:bodyPr wrap="none" lIns="91440" tIns="45720" rIns="91440" bIns="45720">
+            <a:spAutoFit/>
+          </a:bodyPr>
+          <a:lstStyle/>
+          <a:p>
+            <a:pPr algn="ctr"/>
+            <a:r>
+              <a:rPr lang="ru-RU" sz="2400" b="0" cap="none" spc="0" dirty="0">
+                <a:ln w="0"/>
+                <a:solidFill>
+                  <a:schemeClr val="bg1"/>
+                </a:solidFill>
+                <a:effectLst>
+                  <a:outerShdw blurRad="38100" dist="38100" dir="2700000" algn="tl">
+                    <a:srgbClr val="000000">
+                      <a:alpha val="43137"/>
+                    </a:srgbClr>
+                  </a:outerShdw>
+                </a:effectLst>
+              </a:rPr>
+              <a:t>Проблемы сети</a:t>
+            </a:r>
           </a:p>
         </p:txBody>
       </p:sp>
@@ -4709,6 +4864,7 @@
       <p:pic>
         <p:nvPicPr>
           <p:cNvPr id="5" name="Рисунок 4">
+            <a:hlinkClick r:id="rId2" action="ppaction://hlinksldjump"/>
             <a:extLst>
               <a:ext uri="{FF2B5EF4-FFF2-40B4-BE49-F238E27FC236}">
                 <a16:creationId xmlns:a16="http://schemas.microsoft.com/office/drawing/2014/main" id="{5E92DDAC-B8C5-8DC6-A648-D8FB1083141C}"/>
@@ -4721,19 +4877,26 @@
           <p:nvPr/>
         </p:nvPicPr>
         <p:blipFill>
-          <a:blip r:embed="rId2"/>
+          <a:blip r:embed="rId3"/>
           <a:stretch>
             <a:fillRect/>
           </a:stretch>
         </p:blipFill>
         <p:spPr>
           <a:xfrm>
-            <a:off x="1408535" y="662781"/>
-            <a:ext cx="9908330" cy="5991686"/>
+            <a:off x="6406480" y="3359426"/>
+            <a:ext cx="5785520" cy="3498573"/>
           </a:xfrm>
           <a:prstGeom prst="rect">
             <a:avLst/>
           </a:prstGeom>
+          <a:effectLst>
+            <a:innerShdw blurRad="63500" dist="50800" dir="13500000">
+              <a:prstClr val="black">
+                <a:alpha val="50000"/>
+              </a:prstClr>
+            </a:innerShdw>
+          </a:effectLst>
         </p:spPr>
       </p:pic>
       <p:sp>
@@ -4764,9 +4927,383 @@
           <a:p>
             <a:pPr algn="ctr"/>
             <a:r>
-              <a:rPr lang="ru-RU" dirty="0"/>
-              <a:t>Итоговая схема сети:</a:t>
-            </a:r>
+              <a:rPr lang="ru-RU" dirty="0">
+                <a:effectLst>
+                  <a:outerShdw blurRad="38100" dist="38100" dir="2700000" algn="tl">
+                    <a:srgbClr val="000000">
+                      <a:alpha val="43137"/>
+                    </a:srgbClr>
+                  </a:outerShdw>
+                </a:effectLst>
+              </a:rPr>
+              <a:t>Результаты работы</a:t>
+            </a:r>
+          </a:p>
+        </p:txBody>
+      </p:sp>
+      <p:sp>
+        <p:nvSpPr>
+          <p:cNvPr id="4" name="Заголовок 1">
+            <a:extLst>
+              <a:ext uri="{FF2B5EF4-FFF2-40B4-BE49-F238E27FC236}">
+                <a16:creationId xmlns:a16="http://schemas.microsoft.com/office/drawing/2014/main" id="{F02DBBA0-EF9A-1007-BF95-E89788D63704}"/>
+              </a:ext>
+            </a:extLst>
+          </p:cNvPr>
+          <p:cNvSpPr txBox="1">
+            <a:spLocks/>
+          </p:cNvSpPr>
+          <p:nvPr/>
+        </p:nvSpPr>
+        <p:spPr>
+          <a:xfrm>
+            <a:off x="180592" y="902391"/>
+            <a:ext cx="12011408" cy="4194311"/>
+          </a:xfrm>
+          <a:prstGeom prst="rect">
+            <a:avLst/>
+          </a:prstGeom>
+        </p:spPr>
+        <p:txBody>
+          <a:bodyPr vert="horz" lIns="91440" tIns="45720" rIns="91440" bIns="45720" rtlCol="0" anchor="ctr">
+            <a:normAutofit/>
+          </a:bodyPr>
+          <a:lstStyle>
+            <a:lvl1pPr algn="l" defTabSz="914400" rtl="0" eaLnBrk="1" latinLnBrk="0" hangingPunct="1">
+              <a:lnSpc>
+                <a:spcPct val="90000"/>
+              </a:lnSpc>
+              <a:spcBef>
+                <a:spcPct val="0"/>
+              </a:spcBef>
+              <a:buNone/>
+              <a:defRPr sz="4400" kern="1200">
+                <a:solidFill>
+                  <a:schemeClr val="tx1"/>
+                </a:solidFill>
+                <a:latin typeface="+mj-lt"/>
+                <a:ea typeface="+mj-ea"/>
+                <a:cs typeface="+mj-cs"/>
+              </a:defRPr>
+            </a:lvl1pPr>
+          </a:lstStyle>
+          <a:p>
+            <a:pPr algn="just"/>
+            <a:r>
+              <a:rPr lang="ru-RU" sz="2400" dirty="0">
+                <a:effectLst>
+                  <a:outerShdw blurRad="38100" dist="38100" dir="2700000" algn="tl">
+                    <a:srgbClr val="000000">
+                      <a:alpha val="43137"/>
+                    </a:srgbClr>
+                  </a:outerShdw>
+                </a:effectLst>
+              </a:rPr>
+              <a:t>Не смотря на трудности, наша команда реализовала поставленную задачу (хоть и отошла в некоторых местах от поставленной задачи)</a:t>
+            </a:r>
+            <a:r>
+              <a:rPr lang="en-US" sz="2400" dirty="0">
+                <a:effectLst>
+                  <a:outerShdw blurRad="38100" dist="38100" dir="2700000" algn="tl">
+                    <a:srgbClr val="000000">
+                      <a:alpha val="43137"/>
+                    </a:srgbClr>
+                  </a:outerShdw>
+                </a:effectLst>
+              </a:rPr>
+              <a:t>.</a:t>
+            </a:r>
+            <a:endParaRPr lang="ru-RU" sz="2400" dirty="0">
+              <a:effectLst>
+                <a:outerShdw blurRad="38100" dist="38100" dir="2700000" algn="tl">
+                  <a:srgbClr val="000000">
+                    <a:alpha val="43137"/>
+                  </a:srgbClr>
+                </a:outerShdw>
+              </a:effectLst>
+            </a:endParaRPr>
+          </a:p>
+          <a:p>
+            <a:pPr algn="just"/>
+            <a:endParaRPr lang="ru-RU" sz="2400" dirty="0">
+              <a:effectLst>
+                <a:outerShdw blurRad="38100" dist="38100" dir="2700000" algn="tl">
+                  <a:srgbClr val="000000">
+                    <a:alpha val="43137"/>
+                  </a:srgbClr>
+                </a:outerShdw>
+              </a:effectLst>
+            </a:endParaRPr>
+          </a:p>
+          <a:p>
+            <a:pPr algn="just"/>
+            <a:r>
+              <a:rPr lang="ru-RU" sz="2400" dirty="0">
+                <a:effectLst>
+                  <a:outerShdw blurRad="38100" dist="38100" dir="2700000" algn="tl">
+                    <a:srgbClr val="000000">
+                      <a:alpha val="43137"/>
+                    </a:srgbClr>
+                  </a:outerShdw>
+                </a:effectLst>
+              </a:rPr>
+              <a:t>Сетевые технологии, которые были реализованы в нашей сети:</a:t>
+            </a:r>
+          </a:p>
+          <a:p>
+            <a:pPr marL="457200" indent="-457200" algn="just">
+              <a:buAutoNum type="arabicPeriod"/>
+            </a:pPr>
+            <a:r>
+              <a:rPr lang="en-US" sz="2400" dirty="0">
+                <a:effectLst>
+                  <a:outerShdw blurRad="38100" dist="38100" dir="2700000" algn="tl">
+                    <a:srgbClr val="000000">
+                      <a:alpha val="43137"/>
+                    </a:srgbClr>
+                  </a:outerShdw>
+                </a:effectLst>
+              </a:rPr>
+              <a:t>OSPF</a:t>
+            </a:r>
+          </a:p>
+          <a:p>
+            <a:pPr marL="457200" indent="-457200" algn="just">
+              <a:buAutoNum type="arabicPeriod"/>
+            </a:pPr>
+            <a:r>
+              <a:rPr lang="en-US" sz="2400" dirty="0">
+                <a:effectLst>
+                  <a:outerShdw blurRad="38100" dist="38100" dir="2700000" algn="tl">
+                    <a:srgbClr val="000000">
+                      <a:alpha val="43137"/>
+                    </a:srgbClr>
+                  </a:outerShdw>
+                </a:effectLst>
+              </a:rPr>
+              <a:t>BGP</a:t>
+            </a:r>
+          </a:p>
+          <a:p>
+            <a:pPr marL="457200" indent="-457200" algn="just">
+              <a:buAutoNum type="arabicPeriod"/>
+            </a:pPr>
+            <a:r>
+              <a:rPr lang="en-US" sz="2400" dirty="0">
+                <a:effectLst>
+                  <a:outerShdw blurRad="38100" dist="38100" dir="2700000" algn="tl">
+                    <a:srgbClr val="000000">
+                      <a:alpha val="43137"/>
+                    </a:srgbClr>
+                  </a:outerShdw>
+                </a:effectLst>
+              </a:rPr>
+              <a:t>SSH</a:t>
+            </a:r>
+          </a:p>
+          <a:p>
+            <a:pPr marL="457200" indent="-457200" algn="just">
+              <a:buAutoNum type="arabicPeriod"/>
+            </a:pPr>
+            <a:r>
+              <a:rPr lang="en-US" sz="2400" dirty="0">
+                <a:effectLst>
+                  <a:outerShdw blurRad="38100" dist="38100" dir="2700000" algn="tl">
+                    <a:srgbClr val="000000">
+                      <a:alpha val="43137"/>
+                    </a:srgbClr>
+                  </a:outerShdw>
+                </a:effectLst>
+              </a:rPr>
+              <a:t>NAT</a:t>
+            </a:r>
+          </a:p>
+          <a:p>
+            <a:pPr marL="457200" indent="-457200" algn="just">
+              <a:buAutoNum type="arabicPeriod"/>
+            </a:pPr>
+            <a:r>
+              <a:rPr lang="en-US" sz="2400" dirty="0">
+                <a:effectLst>
+                  <a:outerShdw blurRad="38100" dist="38100" dir="2700000" algn="tl">
+                    <a:srgbClr val="000000">
+                      <a:alpha val="43137"/>
+                    </a:srgbClr>
+                  </a:outerShdw>
+                </a:effectLst>
+              </a:rPr>
+              <a:t>VLAN</a:t>
+            </a:r>
+            <a:endParaRPr lang="ru-RU" sz="2400" dirty="0">
+              <a:effectLst>
+                <a:outerShdw blurRad="38100" dist="38100" dir="2700000" algn="tl">
+                  <a:srgbClr val="000000">
+                    <a:alpha val="43137"/>
+                  </a:srgbClr>
+                </a:outerShdw>
+              </a:effectLst>
+            </a:endParaRPr>
+          </a:p>
+          <a:p>
+            <a:pPr marL="457200" indent="-457200" algn="just">
+              <a:buAutoNum type="arabicPeriod"/>
+            </a:pPr>
+            <a:r>
+              <a:rPr lang="en-US" sz="2400" dirty="0">
+                <a:effectLst>
+                  <a:outerShdw blurRad="38100" dist="38100" dir="2700000" algn="tl">
+                    <a:srgbClr val="000000">
+                      <a:alpha val="43137"/>
+                    </a:srgbClr>
+                  </a:outerShdw>
+                </a:effectLst>
+              </a:rPr>
+              <a:t>ACL </a:t>
+            </a:r>
+            <a:r>
+              <a:rPr lang="ru-RU" sz="2400" dirty="0">
+                <a:effectLst>
+                  <a:outerShdw blurRad="38100" dist="38100" dir="2700000" algn="tl">
+                    <a:srgbClr val="000000">
+                      <a:alpha val="43137"/>
+                    </a:srgbClr>
+                  </a:outerShdw>
+                </a:effectLst>
+              </a:rPr>
+              <a:t>(Использовалось при настройке </a:t>
+            </a:r>
+            <a:r>
+              <a:rPr lang="en-US" sz="2400" dirty="0">
+                <a:effectLst>
+                  <a:outerShdw blurRad="38100" dist="38100" dir="2700000" algn="tl">
+                    <a:srgbClr val="000000">
+                      <a:alpha val="43137"/>
+                    </a:srgbClr>
+                  </a:outerShdw>
+                </a:effectLst>
+              </a:rPr>
+              <a:t>NAT </a:t>
+            </a:r>
+            <a:r>
+              <a:rPr lang="en-US" sz="2400" dirty="0">
+                <a:effectLst>
+                  <a:outerShdw blurRad="38100" dist="38100" dir="2700000" algn="tl">
+                    <a:srgbClr val="000000">
+                      <a:alpha val="43137"/>
+                    </a:srgbClr>
+                  </a:outerShdw>
+                </a:effectLst>
+                <a:sym typeface="Wingdings" panose="05000000000000000000" pitchFamily="2" charset="2"/>
+              </a:rPr>
+              <a:t>)</a:t>
+            </a:r>
+            <a:endParaRPr lang="en-US" sz="2400" dirty="0">
+              <a:effectLst>
+                <a:outerShdw blurRad="38100" dist="38100" dir="2700000" algn="tl">
+                  <a:srgbClr val="000000">
+                    <a:alpha val="43137"/>
+                  </a:srgbClr>
+                </a:outerShdw>
+              </a:effectLst>
+            </a:endParaRPr>
+          </a:p>
+          <a:p>
+            <a:pPr marL="457200" indent="-457200" algn="just">
+              <a:buAutoNum type="arabicPeriod"/>
+            </a:pPr>
+            <a:endParaRPr lang="ru-RU" sz="2400" dirty="0">
+              <a:effectLst>
+                <a:outerShdw blurRad="38100" dist="38100" dir="2700000" algn="tl">
+                  <a:srgbClr val="000000">
+                    <a:alpha val="43137"/>
+                  </a:srgbClr>
+                </a:outerShdw>
+              </a:effectLst>
+            </a:endParaRPr>
+          </a:p>
+        </p:txBody>
+      </p:sp>
+      <p:sp>
+        <p:nvSpPr>
+          <p:cNvPr id="6" name="Заголовок 1">
+            <a:extLst>
+              <a:ext uri="{FF2B5EF4-FFF2-40B4-BE49-F238E27FC236}">
+                <a16:creationId xmlns:a16="http://schemas.microsoft.com/office/drawing/2014/main" id="{50D91949-1337-7DDB-C5F4-DC196838A0F7}"/>
+              </a:ext>
+            </a:extLst>
+          </p:cNvPr>
+          <p:cNvSpPr txBox="1">
+            <a:spLocks/>
+          </p:cNvSpPr>
+          <p:nvPr/>
+        </p:nvSpPr>
+        <p:spPr>
+          <a:xfrm>
+            <a:off x="2043202" y="5314949"/>
+            <a:ext cx="4363278" cy="952500"/>
+          </a:xfrm>
+          <a:prstGeom prst="rect">
+            <a:avLst/>
+          </a:prstGeom>
+        </p:spPr>
+        <p:txBody>
+          <a:bodyPr vert="horz" lIns="91440" tIns="45720" rIns="91440" bIns="45720" rtlCol="0" anchor="ctr">
+            <a:normAutofit/>
+          </a:bodyPr>
+          <a:lstStyle>
+            <a:lvl1pPr algn="l" defTabSz="914400" rtl="0" eaLnBrk="1" latinLnBrk="0" hangingPunct="1">
+              <a:lnSpc>
+                <a:spcPct val="90000"/>
+              </a:lnSpc>
+              <a:spcBef>
+                <a:spcPct val="0"/>
+              </a:spcBef>
+              <a:buNone/>
+              <a:defRPr sz="4400" kern="1200">
+                <a:solidFill>
+                  <a:schemeClr val="tx1"/>
+                </a:solidFill>
+                <a:latin typeface="+mj-lt"/>
+                <a:ea typeface="+mj-ea"/>
+                <a:cs typeface="+mj-cs"/>
+              </a:defRPr>
+            </a:lvl1pPr>
+          </a:lstStyle>
+          <a:p>
+            <a:pPr algn="ctr"/>
+            <a:r>
+              <a:rPr lang="ru-RU" sz="2000" dirty="0">
+                <a:effectLst>
+                  <a:outerShdw blurRad="38100" dist="38100" dir="2700000" algn="tl">
+                    <a:srgbClr val="000000">
+                      <a:alpha val="43137"/>
+                    </a:srgbClr>
+                  </a:outerShdw>
+                </a:effectLst>
+              </a:rPr>
+              <a:t>Скриншот сети из </a:t>
+            </a:r>
+            <a:r>
+              <a:rPr lang="en-US" sz="2000" dirty="0">
+                <a:effectLst>
+                  <a:outerShdw blurRad="38100" dist="38100" dir="2700000" algn="tl">
+                    <a:srgbClr val="000000">
+                      <a:alpha val="43137"/>
+                    </a:srgbClr>
+                  </a:outerShdw>
+                </a:effectLst>
+              </a:rPr>
+              <a:t>Cisco Packet Tracer -&gt;</a:t>
+            </a:r>
+            <a:endParaRPr lang="ru-RU" sz="2000" dirty="0">
+              <a:effectLst>
+                <a:outerShdw blurRad="38100" dist="38100" dir="2700000" algn="tl">
+                  <a:srgbClr val="000000">
+                    <a:alpha val="43137"/>
+                  </a:srgbClr>
+                </a:outerShdw>
+              </a:effectLst>
+            </a:endParaRPr>
           </a:p>
         </p:txBody>
       </p:sp>
@@ -4800,6 +5337,66 @@
           <a:chExt cx="0" cy="0"/>
         </a:xfrm>
       </p:grpSpPr>
+      <p:pic>
+        <p:nvPicPr>
+          <p:cNvPr id="5" name="Рисунок 4">
+            <a:extLst>
+              <a:ext uri="{FF2B5EF4-FFF2-40B4-BE49-F238E27FC236}">
+                <a16:creationId xmlns:a16="http://schemas.microsoft.com/office/drawing/2014/main" id="{5E92DDAC-B8C5-8DC6-A648-D8FB1083141C}"/>
+              </a:ext>
+            </a:extLst>
+          </p:cNvPr>
+          <p:cNvPicPr>
+            <a:picLocks noChangeAspect="1"/>
+          </p:cNvPicPr>
+          <p:nvPr/>
+        </p:nvPicPr>
+        <p:blipFill>
+          <a:blip r:embed="rId2"/>
+          <a:stretch>
+            <a:fillRect/>
+          </a:stretch>
+        </p:blipFill>
+        <p:spPr>
+          <a:xfrm>
+            <a:off x="636104" y="66349"/>
+            <a:ext cx="11231217" cy="6791651"/>
+          </a:xfrm>
+          <a:prstGeom prst="rect">
+            <a:avLst/>
+          </a:prstGeom>
+        </p:spPr>
+      </p:pic>
+    </p:spTree>
+    <p:extLst>
+      <p:ext uri="{BB962C8B-B14F-4D97-AF65-F5344CB8AC3E}">
+        <p14:creationId xmlns:p14="http://schemas.microsoft.com/office/powerpoint/2010/main" val="52108056"/>
+      </p:ext>
+    </p:extLst>
+  </p:cSld>
+  <p:clrMapOvr>
+    <a:masterClrMapping/>
+  </p:clrMapOvr>
+</p:sld>
+</file>
+
+<file path=ppt/slides/slide12.xml><?xml version="1.0" encoding="utf-8"?>
+<p:sld xmlns:a="http://schemas.openxmlformats.org/drawingml/2006/main" xmlns:r="http://schemas.openxmlformats.org/officeDocument/2006/relationships" xmlns:p="http://schemas.openxmlformats.org/presentationml/2006/main">
+  <p:cSld>
+    <p:spTree>
+      <p:nvGrpSpPr>
+        <p:cNvPr id="1" name=""/>
+        <p:cNvGrpSpPr/>
+        <p:nvPr/>
+      </p:nvGrpSpPr>
+      <p:grpSpPr>
+        <a:xfrm>
+          <a:off x="0" y="0"/>
+          <a:ext cx="0" cy="0"/>
+          <a:chOff x="0" y="0"/>
+          <a:chExt cx="0" cy="0"/>
+        </a:xfrm>
+      </p:grpSpPr>
       <p:sp>
         <p:nvSpPr>
           <p:cNvPr id="18" name="Прямоугольник 17">
@@ -4866,7 +5463,7 @@
         </p:nvSpPr>
         <p:spPr>
           <a:xfrm>
-            <a:off x="2290180" y="2431495"/>
+            <a:off x="2377744" y="2782669"/>
             <a:ext cx="7436507" cy="646331"/>
           </a:xfrm>
           <a:prstGeom prst="rect">
@@ -4927,7 +5524,7 @@
         </p:nvSpPr>
         <p:spPr>
           <a:xfrm>
-            <a:off x="3218406" y="3780175"/>
+            <a:off x="3216518" y="3354287"/>
             <a:ext cx="6223691" cy="523220"/>
           </a:xfrm>
           <a:prstGeom prst="rect">
@@ -6047,6 +6644,22 @@
                 <a:latin typeface="+mj-lt"/>
               </a:rPr>
               <a:t>HWIC-4ESW</a:t>
+            </a:r>
+            <a:r>
+              <a:rPr lang="ru-RU" sz="2400" i="0" dirty="0">
+                <a:solidFill>
+                  <a:srgbClr val="FFFFFF"/>
+                </a:solidFill>
+                <a:effectLst>
+                  <a:outerShdw blurRad="38100" dist="38100" dir="2700000" algn="tl">
+                    <a:srgbClr val="000000">
+                      <a:alpha val="43137"/>
+                    </a:srgbClr>
+                  </a:outerShdw>
+                </a:effectLst>
+                <a:latin typeface="+mj-lt"/>
+              </a:rPr>
+              <a:t>.</a:t>
             </a:r>
             <a:endParaRPr lang="ru-RU" sz="2400" dirty="0">
               <a:solidFill>
@@ -8030,8 +8643,8 @@
         </p:nvSpPr>
         <p:spPr>
           <a:xfrm>
-            <a:off x="1196513" y="5507745"/>
-            <a:ext cx="5335758" cy="1015663"/>
+            <a:off x="1009650" y="5507745"/>
+            <a:ext cx="6400799" cy="1015663"/>
           </a:xfrm>
           <a:prstGeom prst="rect">
             <a:avLst/>
@@ -8059,7 +8672,7 @@
                   </a:outerShdw>
                 </a:effectLst>
               </a:rPr>
-              <a:t>Затека по схеме:</a:t>
+              <a:t>Затека по схемам:</a:t>
             </a:r>
           </a:p>
           <a:p>
@@ -8078,7 +8691,39 @@
                   </a:outerShdw>
                 </a:effectLst>
               </a:rPr>
-              <a:t>по нажатию на оборудование можно попасть на сайт с описанием конфигурации устройства.</a:t>
+              <a:t>по нажатию на оборудование, как правило, можно попасть на сайт с конфигурацией (</a:t>
+            </a:r>
+            <a:r>
+              <a:rPr lang="en-US" sz="2000" dirty="0">
+                <a:ln w="0"/>
+                <a:solidFill>
+                  <a:srgbClr val="FFFFFF"/>
+                </a:solidFill>
+                <a:effectLst>
+                  <a:outerShdw blurRad="38100" dist="19050" dir="2700000" algn="tl" rotWithShape="0">
+                    <a:schemeClr val="dk1">
+                      <a:alpha val="40000"/>
+                    </a:schemeClr>
+                  </a:outerShdw>
+                </a:effectLst>
+              </a:rPr>
+              <a:t>show run)</a:t>
+            </a:r>
+            <a:r>
+              <a:rPr lang="ru-RU" sz="2000" dirty="0">
+                <a:ln w="0"/>
+                <a:solidFill>
+                  <a:srgbClr val="FFFFFF"/>
+                </a:solidFill>
+                <a:effectLst>
+                  <a:outerShdw blurRad="38100" dist="19050" dir="2700000" algn="tl" rotWithShape="0">
+                    <a:schemeClr val="dk1">
+                      <a:alpha val="40000"/>
+                    </a:schemeClr>
+                  </a:outerShdw>
+                </a:effectLst>
+              </a:rPr>
+              <a:t> устройства.</a:t>
             </a:r>
             <a:endParaRPr lang="ru-RU" sz="2000" b="0" cap="none" spc="0" dirty="0">
               <a:ln w="0"/>
@@ -8178,7 +8823,7 @@
         <p:spPr>
           <a:xfrm>
             <a:off x="734644" y="1303409"/>
-            <a:ext cx="5495927" cy="3785652"/>
+            <a:ext cx="5495927" cy="3477875"/>
           </a:xfrm>
           <a:prstGeom prst="rect">
             <a:avLst/>
@@ -8507,7 +9152,7 @@
                   </a:outerShdw>
                 </a:effectLst>
               </a:rPr>
-              <a:t> Подробнее об этом тут.</a:t>
+              <a:t> </a:t>
             </a:r>
             <a:endParaRPr lang="ru-RU" sz="2000" b="0" cap="none" spc="0" dirty="0">
               <a:ln w="0"/>
@@ -8569,8 +9214,8 @@
         </p:nvSpPr>
         <p:spPr>
           <a:xfrm>
-            <a:off x="0" y="-2919"/>
-            <a:ext cx="7566713" cy="6860899"/>
+            <a:off x="-11680" y="-10851"/>
+            <a:ext cx="7566713" cy="6868851"/>
           </a:xfrm>
           <a:prstGeom prst="rect">
             <a:avLst/>
@@ -9355,7 +10000,7 @@
               </a:rPr>
               <a:t>Пароль: 1324.</a:t>
             </a:r>
-            <a:endParaRPr lang="ru-RU" sz="2000" b="0" cap="none" spc="0" dirty="0">
+            <a:endParaRPr lang="en-US" sz="2000" dirty="0">
               <a:ln w="0"/>
               <a:solidFill>
                 <a:srgbClr val="FFFFFF"/>
@@ -11346,7 +11991,7 @@
         </p:nvSpPr>
         <p:spPr>
           <a:xfrm>
-            <a:off x="0" y="381810"/>
+            <a:off x="-1" y="272707"/>
             <a:ext cx="7566713" cy="764713"/>
           </a:xfrm>
         </p:spPr>
@@ -12150,8 +12795,8 @@
         </p:nvSpPr>
         <p:spPr>
           <a:xfrm>
-            <a:off x="828301" y="1430364"/>
-            <a:ext cx="5495927" cy="4708981"/>
+            <a:off x="960301" y="982733"/>
+            <a:ext cx="5495927" cy="5632311"/>
           </a:xfrm>
           <a:prstGeom prst="rect">
             <a:avLst/>
@@ -12435,7 +13080,23 @@
                   </a:outerShdw>
                 </a:effectLst>
               </a:rPr>
-              <a:t>соединение с помощью</a:t>
+              <a:t>соединение с </a:t>
+            </a:r>
+            <a:r>
+              <a:rPr lang="ru-RU" sz="2000" dirty="0">
+                <a:ln w="0"/>
+                <a:solidFill>
+                  <a:srgbClr val="FFFFFF"/>
+                </a:solidFill>
+                <a:effectLst>
+                  <a:outerShdw blurRad="38100" dist="38100" dir="2700000" algn="tl">
+                    <a:srgbClr val="000000">
+                      <a:alpha val="43137"/>
+                    </a:srgbClr>
+                  </a:outerShdw>
+                </a:effectLst>
+              </a:rPr>
+              <a:t>помощью</a:t>
             </a:r>
             <a:r>
               <a:rPr lang="en-US" sz="2000" dirty="0">
@@ -12444,10 +13105,10 @@
                   <a:srgbClr val="FFFFFF"/>
                 </a:solidFill>
                 <a:effectLst>
-                  <a:outerShdw blurRad="38100" dist="19050" dir="2700000" algn="tl" rotWithShape="0">
-                    <a:schemeClr val="dk1">
-                      <a:alpha val="40000"/>
-                    </a:schemeClr>
+                  <a:outerShdw blurRad="38100" dist="38100" dir="2700000" algn="tl">
+                    <a:srgbClr val="000000">
+                      <a:alpha val="43137"/>
+                    </a:srgbClr>
                   </a:outerShdw>
                 </a:effectLst>
               </a:rPr>
@@ -12460,14 +13121,59 @@
                   <a:srgbClr val="FFFFFF"/>
                 </a:solidFill>
                 <a:effectLst>
-                  <a:outerShdw blurRad="38100" dist="19050" dir="2700000" algn="tl" rotWithShape="0">
-                    <a:schemeClr val="dk1">
-                      <a:alpha val="40000"/>
-                    </a:schemeClr>
-                  </a:outerShdw>
-                </a:effectLst>
-              </a:rPr>
-              <a:t>.</a:t>
+                  <a:outerShdw blurRad="38100" dist="38100" dir="2700000" algn="tl">
+                    <a:srgbClr val="000000">
+                      <a:alpha val="43137"/>
+                    </a:srgbClr>
+                  </a:outerShdw>
+                </a:effectLst>
+              </a:rPr>
+              <a:t>. В маршрутизаторах стоит модуль </a:t>
+            </a:r>
+            <a:r>
+              <a:rPr lang="en-US" sz="2000" i="0" dirty="0">
+                <a:solidFill>
+                  <a:srgbClr val="FFFFFF"/>
+                </a:solidFill>
+                <a:effectLst>
+                  <a:outerShdw blurRad="38100" dist="38100" dir="2700000" algn="tl">
+                    <a:srgbClr val="000000">
+                      <a:alpha val="43137"/>
+                    </a:srgbClr>
+                  </a:outerShdw>
+                </a:effectLst>
+              </a:rPr>
+              <a:t>HWIC-4ESW</a:t>
+            </a:r>
+            <a:r>
+              <a:rPr lang="ru-RU" sz="2000" i="0" dirty="0">
+                <a:solidFill>
+                  <a:srgbClr val="FFFFFF"/>
+                </a:solidFill>
+                <a:effectLst>
+                  <a:outerShdw blurRad="38100" dist="38100" dir="2700000" algn="tl">
+                    <a:srgbClr val="000000">
+                      <a:alpha val="43137"/>
+                    </a:srgbClr>
+                  </a:outerShdw>
+                </a:effectLst>
+              </a:rPr>
+              <a:t>, </a:t>
+            </a:r>
+            <a:r>
+              <a:rPr lang="ru-RU" sz="2000" dirty="0">
+                <a:solidFill>
+                  <a:srgbClr val="FFFFFF"/>
+                </a:solidFill>
+                <a:effectLst>
+                  <a:outerShdw blurRad="38100" dist="38100" dir="2700000" algn="tl">
+                    <a:srgbClr val="000000">
+                      <a:alpha val="43137"/>
+                    </a:srgbClr>
+                  </a:outerShdw>
+                </a:effectLst>
+              </a:rPr>
+              <a:t>который добавляет порты от коммутатора.</a:t>
             </a:r>
           </a:p>
           <a:p>
@@ -12478,10 +13184,10 @@
                 <a:srgbClr val="FFFFFF"/>
               </a:solidFill>
               <a:effectLst>
-                <a:outerShdw blurRad="38100" dist="19050" dir="2700000" algn="tl" rotWithShape="0">
-                  <a:schemeClr val="dk1">
-                    <a:alpha val="40000"/>
-                  </a:schemeClr>
+                <a:outerShdw blurRad="38100" dist="38100" dir="2700000" algn="tl">
+                  <a:srgbClr val="000000">
+                    <a:alpha val="43137"/>
+                  </a:srgbClr>
                 </a:outerShdw>
               </a:effectLst>
             </a:endParaRPr>
@@ -12502,7 +13208,71 @@
                   </a:outerShdw>
                 </a:effectLst>
               </a:rPr>
-              <a:t>У этого решения есть куча проблем:</a:t>
+              <a:t>У решения делать </a:t>
+            </a:r>
+            <a:r>
+              <a:rPr lang="en-US" sz="2000" dirty="0">
+                <a:ln w="0"/>
+                <a:solidFill>
+                  <a:srgbClr val="FFFFFF"/>
+                </a:solidFill>
+                <a:effectLst>
+                  <a:outerShdw blurRad="38100" dist="19050" dir="2700000" algn="tl" rotWithShape="0">
+                    <a:schemeClr val="dk1">
+                      <a:alpha val="40000"/>
+                    </a:schemeClr>
+                  </a:outerShdw>
+                </a:effectLst>
+              </a:rPr>
+              <a:t>L2VPN </a:t>
+            </a:r>
+            <a:r>
+              <a:rPr lang="ru-RU" sz="2000" dirty="0">
+                <a:ln w="0"/>
+                <a:solidFill>
+                  <a:srgbClr val="FFFFFF"/>
+                </a:solidFill>
+                <a:effectLst>
+                  <a:outerShdw blurRad="38100" dist="19050" dir="2700000" algn="tl" rotWithShape="0">
+                    <a:schemeClr val="dk1">
+                      <a:alpha val="40000"/>
+                    </a:schemeClr>
+                  </a:outerShdw>
+                </a:effectLst>
+              </a:rPr>
+              <a:t>с помощью </a:t>
+            </a:r>
+            <a:r>
+              <a:rPr lang="en-US" sz="2000" dirty="0">
+                <a:ln w="0"/>
+                <a:solidFill>
+                  <a:srgbClr val="FFFFFF"/>
+                </a:solidFill>
+                <a:effectLst>
+                  <a:outerShdw blurRad="38100" dist="19050" dir="2700000" algn="tl" rotWithShape="0">
+                    <a:schemeClr val="dk1">
+                      <a:alpha val="40000"/>
+                    </a:schemeClr>
+                  </a:outerShdw>
+                </a:effectLst>
+              </a:rPr>
+              <a:t>VLANs </a:t>
+            </a:r>
+            <a:r>
+              <a:rPr lang="ru-RU" sz="2000" dirty="0">
+                <a:ln w="0"/>
+                <a:solidFill>
+                  <a:srgbClr val="FFFFFF"/>
+                </a:solidFill>
+                <a:effectLst>
+                  <a:outerShdw blurRad="38100" dist="19050" dir="2700000" algn="tl" rotWithShape="0">
+                    <a:schemeClr val="dk1">
+                      <a:alpha val="40000"/>
+                    </a:schemeClr>
+                  </a:outerShdw>
+                </a:effectLst>
+              </a:rPr>
+              <a:t>есть куча проблем:</a:t>
             </a:r>
           </a:p>
           <a:p>
